--- a/session1/A2a-From_ER_Diagram_to_Relational_Schema.pptx
+++ b/session1/A2a-From_ER_Diagram_to_Relational_Schema.pptx
@@ -5,10 +5,10 @@
     <p:sldMasterId id="2147483654" r:id="rId1"/>
   </p:sldMasterIdLst>
   <p:notesMasterIdLst>
-    <p:notesMasterId r:id="rId15"/>
+    <p:notesMasterId r:id="rId16"/>
   </p:notesMasterIdLst>
   <p:handoutMasterIdLst>
-    <p:handoutMasterId r:id="rId16"/>
+    <p:handoutMasterId r:id="rId17"/>
   </p:handoutMasterIdLst>
   <p:sldIdLst>
     <p:sldId id="413" r:id="rId2"/>
@@ -23,7 +23,8 @@
     <p:sldId id="398" r:id="rId11"/>
     <p:sldId id="399" r:id="rId12"/>
     <p:sldId id="407" r:id="rId13"/>
-    <p:sldId id="406" r:id="rId14"/>
+    <p:sldId id="417" r:id="rId14"/>
+    <p:sldId id="406" r:id="rId15"/>
   </p:sldIdLst>
   <p:sldSz cx="9144000" cy="6858000" type="screen4x3"/>
   <p:notesSz cx="7010400" cy="9296400"/>
@@ -253,7 +254,7 @@
                 <a:ea typeface="Arial Unicode MS" panose="020B0604020202020204" pitchFamily="34" charset="-128"/>
                 <a:cs typeface="Arial Unicode MS" panose="020B0604020202020204" pitchFamily="34" charset="-128"/>
               </a:rPr>
-              <a:t>5/19/2021</a:t>
+              <a:t>5/20/2021</a:t>
             </a:fld>
             <a:endParaRPr lang="en-US" dirty="0">
               <a:latin typeface="Arial Unicode MS" panose="020B0604020202020204" pitchFamily="34" charset="-128"/>
@@ -605,6 +606,73 @@
 </p:notes>
 </file>
 
+<file path=ppt/notesSlides/notesSlide2.xml><?xml version="1.0" encoding="utf-8"?>
+<p:notes xmlns:a="http://schemas.openxmlformats.org/drawingml/2006/main" xmlns:r="http://schemas.openxmlformats.org/officeDocument/2006/relationships" xmlns:p="http://schemas.openxmlformats.org/presentationml/2006/main">
+  <p:cSld>
+    <p:spTree>
+      <p:nvGrpSpPr>
+        <p:cNvPr id="1" name=""/>
+        <p:cNvGrpSpPr/>
+        <p:nvPr/>
+      </p:nvGrpSpPr>
+      <p:grpSpPr>
+        <a:xfrm>
+          <a:off x="0" y="0"/>
+          <a:ext cx="0" cy="0"/>
+          <a:chOff x="0" y="0"/>
+          <a:chExt cx="0" cy="0"/>
+        </a:xfrm>
+      </p:grpSpPr>
+      <p:sp>
+        <p:nvSpPr>
+          <p:cNvPr id="65539" name="Rectangle 2"/>
+          <p:cNvSpPr>
+            <a:spLocks noGrp="1" noRot="1" noChangeAspect="1" noChangeArrowheads="1" noTextEdit="1"/>
+          </p:cNvSpPr>
+          <p:nvPr>
+            <p:ph type="sldImg"/>
+          </p:nvPr>
+        </p:nvSpPr>
+        <p:spPr>
+          <a:ln/>
+        </p:spPr>
+      </p:sp>
+      <p:sp>
+        <p:nvSpPr>
+          <p:cNvPr id="65540" name="Rectangle 3"/>
+          <p:cNvSpPr>
+            <a:spLocks noGrp="1" noChangeArrowheads="1"/>
+          </p:cNvSpPr>
+          <p:nvPr>
+            <p:ph type="body" idx="1"/>
+          </p:nvPr>
+        </p:nvSpPr>
+        <p:spPr>
+          <a:noFill/>
+          <a:ln/>
+        </p:spPr>
+        <p:txBody>
+          <a:bodyPr/>
+          <a:lstStyle/>
+          <a:p>
+            <a:pPr eaLnBrk="1" hangingPunct="1"/>
+            <a:endParaRPr lang="el-GR"/>
+          </a:p>
+        </p:txBody>
+      </p:sp>
+    </p:spTree>
+    <p:extLst>
+      <p:ext uri="{BB962C8B-B14F-4D97-AF65-F5344CB8AC3E}">
+        <p14:creationId xmlns:p14="http://schemas.microsoft.com/office/powerpoint/2010/main" val="1132985331"/>
+      </p:ext>
+    </p:extLst>
+  </p:cSld>
+  <p:clrMapOvr>
+    <a:masterClrMapping/>
+  </p:clrMapOvr>
+</p:notes>
+</file>
+
 <file path=ppt/slideLayouts/slideLayout1.xml><?xml version="1.0" encoding="utf-8"?>
 <p:sldLayout xmlns:a="http://schemas.openxmlformats.org/drawingml/2006/main" xmlns:r="http://schemas.openxmlformats.org/officeDocument/2006/relationships" xmlns:p="http://schemas.openxmlformats.org/presentationml/2006/main" type="title" preserve="1">
   <p:cSld name="Title Slide">
@@ -734,7 +802,7 @@
           <a:p>
             <a:fld id="{E9385586-C094-4874-A3EB-1898CF456001}" type="datetimeFigureOut">
               <a:rPr lang="en-US" smtClean="0"/>
-              <a:t>5/19/2021</a:t>
+              <a:t>5/20/2021</a:t>
             </a:fld>
             <a:endParaRPr lang="en-US"/>
           </a:p>
@@ -903,7 +971,7 @@
           <a:p>
             <a:fld id="{E9385586-C094-4874-A3EB-1898CF456001}" type="datetimeFigureOut">
               <a:rPr lang="en-US" smtClean="0"/>
-              <a:t>5/19/2021</a:t>
+              <a:t>5/20/2021</a:t>
             </a:fld>
             <a:endParaRPr lang="en-US"/>
           </a:p>
@@ -1082,7 +1150,7 @@
           <a:p>
             <a:fld id="{E9385586-C094-4874-A3EB-1898CF456001}" type="datetimeFigureOut">
               <a:rPr lang="en-US" smtClean="0"/>
-              <a:t>5/19/2021</a:t>
+              <a:t>5/20/2021</a:t>
             </a:fld>
             <a:endParaRPr lang="en-US"/>
           </a:p>
@@ -1175,6 +1243,185 @@
 </p:sldLayout>
 </file>
 
+<file path=ppt/slideLayouts/slideLayout13.xml><?xml version="1.0" encoding="utf-8"?>
+<p:sldLayout xmlns:a="http://schemas.openxmlformats.org/drawingml/2006/main" xmlns:r="http://schemas.openxmlformats.org/officeDocument/2006/relationships" xmlns:p="http://schemas.openxmlformats.org/presentationml/2006/main" type="txAndObj">
+  <p:cSld name="Title, Text, and Content">
+    <p:spTree>
+      <p:nvGrpSpPr>
+        <p:cNvPr id="1" name=""/>
+        <p:cNvGrpSpPr/>
+        <p:nvPr/>
+      </p:nvGrpSpPr>
+      <p:grpSpPr>
+        <a:xfrm>
+          <a:off x="0" y="0"/>
+          <a:ext cx="0" cy="0"/>
+          <a:chOff x="0" y="0"/>
+          <a:chExt cx="0" cy="0"/>
+        </a:xfrm>
+      </p:grpSpPr>
+      <p:sp>
+        <p:nvSpPr>
+          <p:cNvPr id="2" name="Title 1"/>
+          <p:cNvSpPr>
+            <a:spLocks noGrp="1"/>
+          </p:cNvSpPr>
+          <p:nvPr>
+            <p:ph type="title"/>
+          </p:nvPr>
+        </p:nvSpPr>
+        <p:spPr>
+          <a:xfrm>
+            <a:off x="0" y="0"/>
+            <a:ext cx="8610600" cy="1143000"/>
+          </a:xfrm>
+          <a:prstGeom prst="rect">
+            <a:avLst/>
+          </a:prstGeom>
+        </p:spPr>
+        <p:txBody>
+          <a:bodyPr/>
+          <a:lstStyle/>
+          <a:p>
+            <a:r>
+              <a:rPr lang="en-US"/>
+              <a:t>Click to edit Master title style</a:t>
+            </a:r>
+          </a:p>
+        </p:txBody>
+      </p:sp>
+      <p:sp>
+        <p:nvSpPr>
+          <p:cNvPr id="3" name="Text Placeholder 2"/>
+          <p:cNvSpPr>
+            <a:spLocks noGrp="1"/>
+          </p:cNvSpPr>
+          <p:nvPr>
+            <p:ph type="body" sz="half" idx="1"/>
+          </p:nvPr>
+        </p:nvSpPr>
+        <p:spPr>
+          <a:xfrm>
+            <a:off x="609600" y="1524000"/>
+            <a:ext cx="3810000" cy="5105400"/>
+          </a:xfrm>
+          <a:prstGeom prst="rect">
+            <a:avLst/>
+          </a:prstGeom>
+        </p:spPr>
+        <p:txBody>
+          <a:bodyPr/>
+          <a:lstStyle/>
+          <a:p>
+            <a:pPr lvl="0"/>
+            <a:r>
+              <a:rPr lang="en-US"/>
+              <a:t>Click to edit Master text styles</a:t>
+            </a:r>
+          </a:p>
+          <a:p>
+            <a:pPr lvl="1"/>
+            <a:r>
+              <a:rPr lang="en-US"/>
+              <a:t>Second level</a:t>
+            </a:r>
+          </a:p>
+          <a:p>
+            <a:pPr lvl="2"/>
+            <a:r>
+              <a:rPr lang="en-US"/>
+              <a:t>Third level</a:t>
+            </a:r>
+          </a:p>
+          <a:p>
+            <a:pPr lvl="3"/>
+            <a:r>
+              <a:rPr lang="en-US"/>
+              <a:t>Fourth level</a:t>
+            </a:r>
+          </a:p>
+          <a:p>
+            <a:pPr lvl="4"/>
+            <a:r>
+              <a:rPr lang="en-US"/>
+              <a:t>Fifth level</a:t>
+            </a:r>
+          </a:p>
+        </p:txBody>
+      </p:sp>
+      <p:sp>
+        <p:nvSpPr>
+          <p:cNvPr id="4" name="Content Placeholder 3"/>
+          <p:cNvSpPr>
+            <a:spLocks noGrp="1"/>
+          </p:cNvSpPr>
+          <p:nvPr>
+            <p:ph sz="half" idx="2"/>
+          </p:nvPr>
+        </p:nvSpPr>
+        <p:spPr>
+          <a:xfrm>
+            <a:off x="4572000" y="1524000"/>
+            <a:ext cx="3810000" cy="5105400"/>
+          </a:xfrm>
+          <a:prstGeom prst="rect">
+            <a:avLst/>
+          </a:prstGeom>
+        </p:spPr>
+        <p:txBody>
+          <a:bodyPr/>
+          <a:lstStyle/>
+          <a:p>
+            <a:pPr lvl="0"/>
+            <a:r>
+              <a:rPr lang="en-US"/>
+              <a:t>Click to edit Master text styles</a:t>
+            </a:r>
+          </a:p>
+          <a:p>
+            <a:pPr lvl="1"/>
+            <a:r>
+              <a:rPr lang="en-US"/>
+              <a:t>Second level</a:t>
+            </a:r>
+          </a:p>
+          <a:p>
+            <a:pPr lvl="2"/>
+            <a:r>
+              <a:rPr lang="en-US"/>
+              <a:t>Third level</a:t>
+            </a:r>
+          </a:p>
+          <a:p>
+            <a:pPr lvl="3"/>
+            <a:r>
+              <a:rPr lang="en-US"/>
+              <a:t>Fourth level</a:t>
+            </a:r>
+          </a:p>
+          <a:p>
+            <a:pPr lvl="4"/>
+            <a:r>
+              <a:rPr lang="en-US"/>
+              <a:t>Fifth level</a:t>
+            </a:r>
+          </a:p>
+        </p:txBody>
+      </p:sp>
+    </p:spTree>
+    <p:extLst>
+      <p:ext uri="{BB962C8B-B14F-4D97-AF65-F5344CB8AC3E}">
+        <p14:creationId xmlns:p14="http://schemas.microsoft.com/office/powerpoint/2010/main" val="1823288671"/>
+      </p:ext>
+    </p:extLst>
+  </p:cSld>
+  <p:clrMapOvr>
+    <a:masterClrMapping/>
+  </p:clrMapOvr>
+  <p:transition/>
+</p:sldLayout>
+</file>
+
 <file path=ppt/slideLayouts/slideLayout2.xml><?xml version="1.0" encoding="utf-8"?>
 <p:sldLayout xmlns:a="http://schemas.openxmlformats.org/drawingml/2006/main" xmlns:r="http://schemas.openxmlformats.org/officeDocument/2006/relationships" xmlns:p="http://schemas.openxmlformats.org/presentationml/2006/main" type="obj" preserve="1">
   <p:cSld name="Title and Content">
@@ -1282,7 +1529,7 @@
           <a:p>
             <a:fld id="{E9385586-C094-4874-A3EB-1898CF456001}" type="datetimeFigureOut">
               <a:rPr lang="en-US" smtClean="0"/>
-              <a:t>5/19/2021</a:t>
+              <a:t>5/20/2021</a:t>
             </a:fld>
             <a:endParaRPr lang="en-US"/>
           </a:p>
@@ -1527,7 +1774,7 @@
           <a:p>
             <a:fld id="{E9385586-C094-4874-A3EB-1898CF456001}" type="datetimeFigureOut">
               <a:rPr lang="en-US" smtClean="0"/>
-              <a:t>5/19/2021</a:t>
+              <a:t>5/20/2021</a:t>
             </a:fld>
             <a:endParaRPr lang="en-US"/>
           </a:p>
@@ -1757,7 +2004,7 @@
           <a:p>
             <a:fld id="{E9385586-C094-4874-A3EB-1898CF456001}" type="datetimeFigureOut">
               <a:rPr lang="en-US" smtClean="0"/>
-              <a:t>5/19/2021</a:t>
+              <a:t>5/20/2021</a:t>
             </a:fld>
             <a:endParaRPr lang="en-US"/>
           </a:p>
@@ -2122,7 +2369,7 @@
           <a:p>
             <a:fld id="{E9385586-C094-4874-A3EB-1898CF456001}" type="datetimeFigureOut">
               <a:rPr lang="en-US" smtClean="0"/>
-              <a:t>5/19/2021</a:t>
+              <a:t>5/20/2021</a:t>
             </a:fld>
             <a:endParaRPr lang="en-US"/>
           </a:p>
@@ -2240,7 +2487,7 @@
           <a:p>
             <a:fld id="{E9385586-C094-4874-A3EB-1898CF456001}" type="datetimeFigureOut">
               <a:rPr lang="en-US" smtClean="0"/>
-              <a:t>5/19/2021</a:t>
+              <a:t>5/20/2021</a:t>
             </a:fld>
             <a:endParaRPr lang="en-US"/>
           </a:p>
@@ -2335,7 +2582,7 @@
           <a:p>
             <a:fld id="{E9385586-C094-4874-A3EB-1898CF456001}" type="datetimeFigureOut">
               <a:rPr lang="en-US" smtClean="0"/>
-              <a:t>5/19/2021</a:t>
+              <a:t>5/20/2021</a:t>
             </a:fld>
             <a:endParaRPr lang="en-US"/>
           </a:p>
@@ -2611,7 +2858,7 @@
           <a:p>
             <a:fld id="{E9385586-C094-4874-A3EB-1898CF456001}" type="datetimeFigureOut">
               <a:rPr lang="en-US" smtClean="0"/>
-              <a:t>5/19/2021</a:t>
+              <a:t>5/20/2021</a:t>
             </a:fld>
             <a:endParaRPr lang="en-US"/>
           </a:p>
@@ -2864,7 +3111,7 @@
           <a:p>
             <a:fld id="{E9385586-C094-4874-A3EB-1898CF456001}" type="datetimeFigureOut">
               <a:rPr lang="en-US" smtClean="0"/>
-              <a:t>5/19/2021</a:t>
+              <a:t>5/20/2021</a:t>
             </a:fld>
             <a:endParaRPr lang="en-US"/>
           </a:p>
@@ -3080,7 +3327,7 @@
             <a:fld id="{E9385586-C094-4874-A3EB-1898CF456001}" type="datetimeFigureOut">
               <a:rPr lang="en-US" smtClean="0"/>
               <a:pPr/>
-              <a:t>5/19/2021</a:t>
+              <a:t>5/20/2021</a:t>
             </a:fld>
             <a:endParaRPr lang="en-US" dirty="0"/>
           </a:p>
@@ -3192,6 +3439,7 @@
     <p:sldLayoutId id="2147483664" r:id="rId10"/>
     <p:sldLayoutId id="2147483665" r:id="rId11"/>
     <p:sldLayoutId id="2147483666" r:id="rId12"/>
+    <p:sldLayoutId id="2147483667" r:id="rId13"/>
   </p:sldLayoutIdLst>
   <p:txStyles>
     <p:titleStyle>
@@ -3573,7 +3821,7 @@
           </a:ln>
           <a:extLst>
             <a:ext uri="{C572A759-6A51-4108-AA02-DFA0A04FC94B}">
-              <ma14:wrappingTextBoxFlag xmlns:ma14="http://schemas.microsoft.com/office/mac/drawingml/2011/main" xmlns="" val="1"/>
+              <ma14:wrappingTextBoxFlag xmlns="" xmlns:ma14="http://schemas.microsoft.com/office/mac/drawingml/2011/main" val="1"/>
             </a:ext>
           </a:extLst>
         </p:spPr>
@@ -3671,7 +3919,7 @@
           </a:ln>
           <a:extLst>
             <a:ext uri="{C572A759-6A51-4108-AA02-DFA0A04FC94B}">
-              <ma14:wrappingTextBoxFlag xmlns:ma14="http://schemas.microsoft.com/office/mac/drawingml/2011/main" xmlns="" val="1"/>
+              <ma14:wrappingTextBoxFlag xmlns="" xmlns:ma14="http://schemas.microsoft.com/office/mac/drawingml/2011/main" val="1"/>
             </a:ext>
           </a:extLst>
         </p:spPr>
@@ -5626,7 +5874,7 @@
           </a:ln>
           <a:extLst>
             <a:ext uri="{C572A759-6A51-4108-AA02-DFA0A04FC94B}">
-              <ma14:wrappingTextBoxFlag xmlns:ma14="http://schemas.microsoft.com/office/mac/drawingml/2011/main" xmlns="" val="1"/>
+              <ma14:wrappingTextBoxFlag xmlns="" xmlns:ma14="http://schemas.microsoft.com/office/mac/drawingml/2011/main" val="1"/>
             </a:ext>
           </a:extLst>
         </p:spPr>
@@ -5692,7 +5940,7 @@
           </a:ln>
           <a:extLst>
             <a:ext uri="{C572A759-6A51-4108-AA02-DFA0A04FC94B}">
-              <ma14:wrappingTextBoxFlag xmlns:ma14="http://schemas.microsoft.com/office/mac/drawingml/2011/main" xmlns="" val="1"/>
+              <ma14:wrappingTextBoxFlag xmlns="" xmlns:ma14="http://schemas.microsoft.com/office/mac/drawingml/2011/main" val="1"/>
             </a:ext>
           </a:extLst>
         </p:spPr>
@@ -6729,7 +6977,7 @@
           </a:ln>
           <a:extLst>
             <a:ext uri="{C572A759-6A51-4108-AA02-DFA0A04FC94B}">
-              <ma14:wrappingTextBoxFlag xmlns:ma14="http://schemas.microsoft.com/office/mac/drawingml/2011/main" xmlns="" val="1"/>
+              <ma14:wrappingTextBoxFlag xmlns="" xmlns:ma14="http://schemas.microsoft.com/office/mac/drawingml/2011/main" val="1"/>
             </a:ext>
           </a:extLst>
         </p:spPr>
@@ -6795,7 +7043,7 @@
           </a:ln>
           <a:extLst>
             <a:ext uri="{C572A759-6A51-4108-AA02-DFA0A04FC94B}">
-              <ma14:wrappingTextBoxFlag xmlns:ma14="http://schemas.microsoft.com/office/mac/drawingml/2011/main" xmlns="" val="1"/>
+              <ma14:wrappingTextBoxFlag xmlns="" xmlns:ma14="http://schemas.microsoft.com/office/mac/drawingml/2011/main" val="1"/>
             </a:ext>
           </a:extLst>
         </p:spPr>
@@ -7087,6 +7335,147 @@
       </p:grpSpPr>
       <p:sp>
         <p:nvSpPr>
+          <p:cNvPr id="980994" name="Rectangle 2"/>
+          <p:cNvSpPr>
+            <a:spLocks noGrp="1" noChangeArrowheads="1"/>
+          </p:cNvSpPr>
+          <p:nvPr>
+            <p:ph type="title"/>
+          </p:nvPr>
+        </p:nvSpPr>
+        <p:spPr>
+          <a:xfrm>
+            <a:off x="0" y="152400"/>
+            <a:ext cx="8610600" cy="1143000"/>
+          </a:xfrm>
+        </p:spPr>
+        <p:txBody>
+          <a:bodyPr/>
+          <a:lstStyle/>
+          <a:p>
+            <a:pPr eaLnBrk="1" hangingPunct="1">
+              <a:defRPr/>
+            </a:pPr>
+            <a:r>
+              <a:rPr lang="en-US" sz="2800" b="1" dirty="0">
+                <a:solidFill>
+                  <a:srgbClr val="57068C"/>
+                </a:solidFill>
+              </a:rPr>
+              <a:t>Defining Entity Classes and Primary Keys</a:t>
+            </a:r>
+          </a:p>
+        </p:txBody>
+      </p:sp>
+      <p:sp>
+        <p:nvSpPr>
+          <p:cNvPr id="16387" name="Rectangle 3"/>
+          <p:cNvSpPr>
+            <a:spLocks noGrp="1" noChangeArrowheads="1"/>
+          </p:cNvSpPr>
+          <p:nvPr>
+            <p:ph type="body" sz="half" idx="1"/>
+          </p:nvPr>
+        </p:nvSpPr>
+        <p:spPr>
+          <a:xfrm>
+            <a:off x="228600" y="1524000"/>
+            <a:ext cx="8763000" cy="1524000"/>
+          </a:xfrm>
+        </p:spPr>
+        <p:txBody>
+          <a:bodyPr/>
+          <a:lstStyle/>
+          <a:p>
+            <a:pPr marL="609600" indent="-609600" eaLnBrk="1" hangingPunct="1"/>
+            <a:r>
+              <a:rPr lang="en-US" sz="1800"/>
+              <a:t>What are the entity classes and primary keys for the report below?</a:t>
+            </a:r>
+          </a:p>
+          <a:p>
+            <a:pPr marL="609600" indent="-609600" eaLnBrk="1" hangingPunct="1"/>
+            <a:r>
+              <a:rPr lang="en-US" sz="1800"/>
+              <a:t>What entities/tables should we create?</a:t>
+            </a:r>
+          </a:p>
+          <a:p>
+            <a:pPr marL="609600" indent="-609600" eaLnBrk="1" hangingPunct="1"/>
+            <a:r>
+              <a:rPr lang="en-US" sz="1800"/>
+              <a:t>Are there fields that are redundant once you create the tables?</a:t>
+            </a:r>
+          </a:p>
+          <a:p>
+            <a:pPr marL="609600" indent="-609600" eaLnBrk="1" hangingPunct="1"/>
+            <a:endParaRPr lang="en-US" sz="1800"/>
+          </a:p>
+          <a:p>
+            <a:pPr marL="609600" indent="-609600" eaLnBrk="1" hangingPunct="1">
+              <a:buFontTx/>
+              <a:buNone/>
+            </a:pPr>
+            <a:endParaRPr lang="en-US" sz="1800"/>
+          </a:p>
+        </p:txBody>
+      </p:sp>
+      <p:pic>
+        <p:nvPicPr>
+          <p:cNvPr id="16388" name="Picture 4" descr="haa19472_c01"/>
+          <p:cNvPicPr>
+            <a:picLocks noGrp="1" noChangeAspect="1" noChangeArrowheads="1"/>
+          </p:cNvPicPr>
+          <p:nvPr>
+            <p:ph sz="half" idx="2"/>
+          </p:nvPr>
+        </p:nvPicPr>
+        <p:blipFill>
+          <a:blip r:embed="rId3" cstate="print"/>
+          <a:srcRect/>
+          <a:stretch>
+            <a:fillRect/>
+          </a:stretch>
+        </p:blipFill>
+        <p:spPr>
+          <a:xfrm>
+            <a:off x="304800" y="3276600"/>
+            <a:ext cx="8610600" cy="2278063"/>
+          </a:xfrm>
+        </p:spPr>
+      </p:pic>
+    </p:spTree>
+    <p:extLst>
+      <p:ext uri="{BB962C8B-B14F-4D97-AF65-F5344CB8AC3E}">
+        <p14:creationId xmlns:p14="http://schemas.microsoft.com/office/powerpoint/2010/main" val="671408367"/>
+      </p:ext>
+    </p:extLst>
+  </p:cSld>
+  <p:clrMapOvr>
+    <a:masterClrMapping/>
+  </p:clrMapOvr>
+</p:sld>
+</file>
+
+<file path=ppt/slides/slide14.xml><?xml version="1.0" encoding="utf-8"?>
+<p:sld xmlns:a="http://schemas.openxmlformats.org/drawingml/2006/main" xmlns:r="http://schemas.openxmlformats.org/officeDocument/2006/relationships" xmlns:p="http://schemas.openxmlformats.org/presentationml/2006/main">
+  <p:cSld>
+    <p:spTree>
+      <p:nvGrpSpPr>
+        <p:cNvPr id="1" name=""/>
+        <p:cNvGrpSpPr/>
+        <p:nvPr/>
+      </p:nvGrpSpPr>
+      <p:grpSpPr>
+        <a:xfrm>
+          <a:off x="0" y="0"/>
+          <a:ext cx="0" cy="0"/>
+          <a:chOff x="0" y="0"/>
+          <a:chExt cx="0" cy="0"/>
+        </a:xfrm>
+      </p:grpSpPr>
+      <p:sp>
+        <p:nvSpPr>
           <p:cNvPr id="147" name="Shape 147"/>
           <p:cNvSpPr/>
           <p:nvPr/>
@@ -7104,7 +7493,7 @@
           </a:ln>
           <a:extLst>
             <a:ext uri="{C572A759-6A51-4108-AA02-DFA0A04FC94B}">
-              <ma14:wrappingTextBoxFlag xmlns:ma14="http://schemas.microsoft.com/office/mac/drawingml/2011/main" xmlns="" val="1"/>
+              <ma14:wrappingTextBoxFlag xmlns="" xmlns:ma14="http://schemas.microsoft.com/office/mac/drawingml/2011/main" val="1"/>
             </a:ext>
           </a:extLst>
         </p:spPr>
@@ -7186,7 +7575,7 @@
           </a:ln>
           <a:extLst>
             <a:ext uri="{C572A759-6A51-4108-AA02-DFA0A04FC94B}">
-              <ma14:wrappingTextBoxFlag xmlns:ma14="http://schemas.microsoft.com/office/mac/drawingml/2011/main" xmlns="" val="1"/>
+              <ma14:wrappingTextBoxFlag xmlns="" xmlns:ma14="http://schemas.microsoft.com/office/mac/drawingml/2011/main" val="1"/>
             </a:ext>
           </a:extLst>
         </p:spPr>
@@ -7654,7 +8043,7 @@
           </a:ln>
           <a:extLst>
             <a:ext uri="{C572A759-6A51-4108-AA02-DFA0A04FC94B}">
-              <ma14:wrappingTextBoxFlag xmlns:ma14="http://schemas.microsoft.com/office/mac/drawingml/2011/main" xmlns="" val="1"/>
+              <ma14:wrappingTextBoxFlag xmlns="" xmlns:ma14="http://schemas.microsoft.com/office/mac/drawingml/2011/main" val="1"/>
             </a:ext>
           </a:extLst>
         </p:spPr>
@@ -7753,7 +8142,7 @@
           </a:ln>
           <a:extLst>
             <a:ext uri="{C572A759-6A51-4108-AA02-DFA0A04FC94B}">
-              <ma14:wrappingTextBoxFlag xmlns:ma14="http://schemas.microsoft.com/office/mac/drawingml/2011/main" xmlns="" val="1"/>
+              <ma14:wrappingTextBoxFlag xmlns="" xmlns:ma14="http://schemas.microsoft.com/office/mac/drawingml/2011/main" val="1"/>
             </a:ext>
           </a:extLst>
         </p:spPr>
@@ -8064,7 +8453,7 @@
           </a:ln>
           <a:extLst>
             <a:ext uri="{C572A759-6A51-4108-AA02-DFA0A04FC94B}">
-              <ma14:wrappingTextBoxFlag xmlns:ma14="http://schemas.microsoft.com/office/mac/drawingml/2011/main" xmlns="" val="1"/>
+              <ma14:wrappingTextBoxFlag xmlns="" xmlns:ma14="http://schemas.microsoft.com/office/mac/drawingml/2011/main" val="1"/>
             </a:ext>
           </a:extLst>
         </p:spPr>
@@ -8191,7 +8580,7 @@
           </a:ln>
           <a:extLst>
             <a:ext uri="{C572A759-6A51-4108-AA02-DFA0A04FC94B}">
-              <ma14:wrappingTextBoxFlag xmlns:ma14="http://schemas.microsoft.com/office/mac/drawingml/2011/main" xmlns="" val="1"/>
+              <ma14:wrappingTextBoxFlag xmlns="" xmlns:ma14="http://schemas.microsoft.com/office/mac/drawingml/2011/main" val="1"/>
             </a:ext>
           </a:extLst>
         </p:spPr>
@@ -8273,7 +8662,7 @@
           </a:ln>
           <a:extLst>
             <a:ext uri="{C572A759-6A51-4108-AA02-DFA0A04FC94B}">
-              <ma14:wrappingTextBoxFlag xmlns:ma14="http://schemas.microsoft.com/office/mac/drawingml/2011/main" xmlns="" val="1"/>
+              <ma14:wrappingTextBoxFlag xmlns="" xmlns:ma14="http://schemas.microsoft.com/office/mac/drawingml/2011/main" val="1"/>
             </a:ext>
           </a:extLst>
         </p:spPr>
@@ -8507,7 +8896,7 @@
           </a:ln>
           <a:extLst>
             <a:ext uri="{C572A759-6A51-4108-AA02-DFA0A04FC94B}">
-              <ma14:wrappingTextBoxFlag xmlns:ma14="http://schemas.microsoft.com/office/mac/drawingml/2011/main" xmlns="" val="1"/>
+              <ma14:wrappingTextBoxFlag xmlns="" xmlns:ma14="http://schemas.microsoft.com/office/mac/drawingml/2011/main" val="1"/>
             </a:ext>
           </a:extLst>
         </p:spPr>
@@ -8573,7 +8962,7 @@
           </a:ln>
           <a:extLst>
             <a:ext uri="{C572A759-6A51-4108-AA02-DFA0A04FC94B}">
-              <ma14:wrappingTextBoxFlag xmlns:ma14="http://schemas.microsoft.com/office/mac/drawingml/2011/main" xmlns="" val="1"/>
+              <ma14:wrappingTextBoxFlag xmlns="" xmlns:ma14="http://schemas.microsoft.com/office/mac/drawingml/2011/main" val="1"/>
             </a:ext>
           </a:extLst>
         </p:spPr>
@@ -10088,7 +10477,7 @@
           </a:ln>
           <a:extLst>
             <a:ext uri="{C572A759-6A51-4108-AA02-DFA0A04FC94B}">
-              <ma14:wrappingTextBoxFlag xmlns:ma14="http://schemas.microsoft.com/office/mac/drawingml/2011/main" xmlns="" val="1"/>
+              <ma14:wrappingTextBoxFlag xmlns="" xmlns:ma14="http://schemas.microsoft.com/office/mac/drawingml/2011/main" val="1"/>
             </a:ext>
           </a:extLst>
         </p:spPr>
@@ -10349,7 +10738,7 @@
           </a:ln>
           <a:extLst>
             <a:ext uri="{C572A759-6A51-4108-AA02-DFA0A04FC94B}">
-              <ma14:wrappingTextBoxFlag xmlns:ma14="http://schemas.microsoft.com/office/mac/drawingml/2011/main" xmlns="" val="1"/>
+              <ma14:wrappingTextBoxFlag xmlns="" xmlns:ma14="http://schemas.microsoft.com/office/mac/drawingml/2011/main" val="1"/>
             </a:ext>
           </a:extLst>
         </p:spPr>
@@ -10447,7 +10836,7 @@
           </a:ln>
           <a:extLst>
             <a:ext uri="{C572A759-6A51-4108-AA02-DFA0A04FC94B}">
-              <ma14:wrappingTextBoxFlag xmlns:ma14="http://schemas.microsoft.com/office/mac/drawingml/2011/main" xmlns="" val="1"/>
+              <ma14:wrappingTextBoxFlag xmlns="" xmlns:ma14="http://schemas.microsoft.com/office/mac/drawingml/2011/main" val="1"/>
             </a:ext>
           </a:extLst>
         </p:spPr>
@@ -10630,7 +11019,7 @@
           </a:ln>
           <a:extLst>
             <a:ext uri="{C572A759-6A51-4108-AA02-DFA0A04FC94B}">
-              <ma14:wrappingTextBoxFlag xmlns:ma14="http://schemas.microsoft.com/office/mac/drawingml/2011/main" xmlns="" val="1"/>
+              <ma14:wrappingTextBoxFlag xmlns="" xmlns:ma14="http://schemas.microsoft.com/office/mac/drawingml/2011/main" val="1"/>
             </a:ext>
           </a:extLst>
         </p:spPr>
@@ -10775,7 +11164,7 @@
           </a:ln>
           <a:extLst>
             <a:ext uri="{C572A759-6A51-4108-AA02-DFA0A04FC94B}">
-              <ma14:wrappingTextBoxFlag xmlns:ma14="http://schemas.microsoft.com/office/mac/drawingml/2011/main" xmlns="" val="1"/>
+              <ma14:wrappingTextBoxFlag xmlns="" xmlns:ma14="http://schemas.microsoft.com/office/mac/drawingml/2011/main" val="1"/>
             </a:ext>
           </a:extLst>
         </p:spPr>
@@ -11008,7 +11397,7 @@
           </a:ln>
           <a:extLst>
             <a:ext uri="{C572A759-6A51-4108-AA02-DFA0A04FC94B}">
-              <ma14:wrappingTextBoxFlag xmlns:ma14="http://schemas.microsoft.com/office/mac/drawingml/2011/main" xmlns="" val="1"/>
+              <ma14:wrappingTextBoxFlag xmlns="" xmlns:ma14="http://schemas.microsoft.com/office/mac/drawingml/2011/main" val="1"/>
             </a:ext>
           </a:extLst>
         </p:spPr>
@@ -11106,7 +11495,7 @@
           </a:ln>
           <a:extLst>
             <a:ext uri="{C572A759-6A51-4108-AA02-DFA0A04FC94B}">
-              <ma14:wrappingTextBoxFlag xmlns:ma14="http://schemas.microsoft.com/office/mac/drawingml/2011/main" xmlns="" val="1"/>
+              <ma14:wrappingTextBoxFlag xmlns="" xmlns:ma14="http://schemas.microsoft.com/office/mac/drawingml/2011/main" val="1"/>
             </a:ext>
           </a:extLst>
         </p:spPr>
@@ -11332,7 +11721,7 @@
           </a:ln>
           <a:extLst>
             <a:ext uri="{C572A759-6A51-4108-AA02-DFA0A04FC94B}">
-              <ma14:wrappingTextBoxFlag xmlns:ma14="http://schemas.microsoft.com/office/mac/drawingml/2011/main" xmlns="" val="1"/>
+              <ma14:wrappingTextBoxFlag xmlns="" xmlns:ma14="http://schemas.microsoft.com/office/mac/drawingml/2011/main" val="1"/>
             </a:ext>
           </a:extLst>
         </p:spPr>
@@ -11430,7 +11819,7 @@
           </a:ln>
           <a:extLst>
             <a:ext uri="{C572A759-6A51-4108-AA02-DFA0A04FC94B}">
-              <ma14:wrappingTextBoxFlag xmlns:ma14="http://schemas.microsoft.com/office/mac/drawingml/2011/main" xmlns="" val="1"/>
+              <ma14:wrappingTextBoxFlag xmlns="" xmlns:ma14="http://schemas.microsoft.com/office/mac/drawingml/2011/main" val="1"/>
             </a:ext>
           </a:extLst>
         </p:spPr>

--- a/session1/A2a-From_ER_Diagram_to_Relational_Schema.pptx
+++ b/session1/A2a-From_ER_Diagram_to_Relational_Schema.pptx
@@ -5,10 +5,10 @@
     <p:sldMasterId id="2147483654" r:id="rId1"/>
   </p:sldMasterIdLst>
   <p:notesMasterIdLst>
-    <p:notesMasterId r:id="rId16"/>
+    <p:notesMasterId r:id="rId19"/>
   </p:notesMasterIdLst>
   <p:handoutMasterIdLst>
-    <p:handoutMasterId r:id="rId17"/>
+    <p:handoutMasterId r:id="rId20"/>
   </p:handoutMasterIdLst>
   <p:sldIdLst>
     <p:sldId id="413" r:id="rId2"/>
@@ -19,12 +19,15 @@
     <p:sldId id="393" r:id="rId7"/>
     <p:sldId id="394" r:id="rId8"/>
     <p:sldId id="395" r:id="rId9"/>
-    <p:sldId id="397" r:id="rId10"/>
-    <p:sldId id="398" r:id="rId11"/>
-    <p:sldId id="399" r:id="rId12"/>
-    <p:sldId id="407" r:id="rId13"/>
-    <p:sldId id="417" r:id="rId14"/>
-    <p:sldId id="406" r:id="rId15"/>
+    <p:sldId id="418" r:id="rId10"/>
+    <p:sldId id="397" r:id="rId11"/>
+    <p:sldId id="419" r:id="rId12"/>
+    <p:sldId id="398" r:id="rId13"/>
+    <p:sldId id="420" r:id="rId14"/>
+    <p:sldId id="399" r:id="rId15"/>
+    <p:sldId id="407" r:id="rId16"/>
+    <p:sldId id="417" r:id="rId17"/>
+    <p:sldId id="406" r:id="rId18"/>
   </p:sldIdLst>
   <p:sldSz cx="9144000" cy="6858000" type="screen4x3"/>
   <p:notesSz cx="7010400" cy="9296400"/>
@@ -254,7 +257,7 @@
                 <a:ea typeface="Arial Unicode MS" panose="020B0604020202020204" pitchFamily="34" charset="-128"/>
                 <a:cs typeface="Arial Unicode MS" panose="020B0604020202020204" pitchFamily="34" charset="-128"/>
               </a:rPr>
-              <a:t>5/20/2021</a:t>
+              <a:t>1/17/2023</a:t>
             </a:fld>
             <a:endParaRPr lang="en-US" dirty="0">
               <a:latin typeface="Arial Unicode MS" panose="020B0604020202020204" pitchFamily="34" charset="-128"/>
@@ -596,6 +599,67 @@
     </p:spTree>
     <p:extLst>
       <p:ext uri="{BB962C8B-B14F-4D97-AF65-F5344CB8AC3E}">
+        <p14:creationId xmlns:p14="http://schemas.microsoft.com/office/powerpoint/2010/main" val="1342686816"/>
+      </p:ext>
+    </p:extLst>
+  </p:cSld>
+  <p:clrMapOvr>
+    <a:masterClrMapping/>
+  </p:clrMapOvr>
+</p:notes>
+</file>
+
+<file path=ppt/notesSlides/notesSlide2.xml><?xml version="1.0" encoding="utf-8"?>
+<p:notes xmlns:a="http://schemas.openxmlformats.org/drawingml/2006/main" xmlns:r="http://schemas.openxmlformats.org/officeDocument/2006/relationships" xmlns:p="http://schemas.openxmlformats.org/presentationml/2006/main">
+  <p:cSld>
+    <p:spTree>
+      <p:nvGrpSpPr>
+        <p:cNvPr id="1" name=""/>
+        <p:cNvGrpSpPr/>
+        <p:nvPr/>
+      </p:nvGrpSpPr>
+      <p:grpSpPr>
+        <a:xfrm>
+          <a:off x="0" y="0"/>
+          <a:ext cx="0" cy="0"/>
+          <a:chOff x="0" y="0"/>
+          <a:chExt cx="0" cy="0"/>
+        </a:xfrm>
+      </p:grpSpPr>
+      <p:sp>
+        <p:nvSpPr>
+          <p:cNvPr id="2" name="Slide Image Placeholder 1"/>
+          <p:cNvSpPr>
+            <a:spLocks noGrp="1" noRot="1" noChangeAspect="1"/>
+          </p:cNvSpPr>
+          <p:nvPr>
+            <p:ph type="sldImg"/>
+          </p:nvPr>
+        </p:nvSpPr>
+        <p:spPr/>
+      </p:sp>
+      <p:sp>
+        <p:nvSpPr>
+          <p:cNvPr id="3" name="Notes Placeholder 2"/>
+          <p:cNvSpPr>
+            <a:spLocks noGrp="1"/>
+          </p:cNvSpPr>
+          <p:nvPr>
+            <p:ph type="body" idx="1"/>
+          </p:nvPr>
+        </p:nvSpPr>
+        <p:spPr/>
+        <p:txBody>
+          <a:bodyPr/>
+          <a:lstStyle/>
+          <a:p>
+            <a:endParaRPr lang="en-US" dirty="0"/>
+          </a:p>
+        </p:txBody>
+      </p:sp>
+    </p:spTree>
+    <p:extLst>
+      <p:ext uri="{BB962C8B-B14F-4D97-AF65-F5344CB8AC3E}">
         <p14:creationId xmlns:p14="http://schemas.microsoft.com/office/powerpoint/2010/main" val="1636519286"/>
       </p:ext>
     </p:extLst>
@@ -606,7 +670,7 @@
 </p:notes>
 </file>
 
-<file path=ppt/notesSlides/notesSlide2.xml><?xml version="1.0" encoding="utf-8"?>
+<file path=ppt/notesSlides/notesSlide3.xml><?xml version="1.0" encoding="utf-8"?>
 <p:notes xmlns:a="http://schemas.openxmlformats.org/drawingml/2006/main" xmlns:r="http://schemas.openxmlformats.org/officeDocument/2006/relationships" xmlns:p="http://schemas.openxmlformats.org/presentationml/2006/main">
   <p:cSld>
     <p:spTree>
@@ -802,7 +866,7 @@
           <a:p>
             <a:fld id="{E9385586-C094-4874-A3EB-1898CF456001}" type="datetimeFigureOut">
               <a:rPr lang="en-US" smtClean="0"/>
-              <a:t>5/20/2021</a:t>
+              <a:t>1/17/2023</a:t>
             </a:fld>
             <a:endParaRPr lang="en-US"/>
           </a:p>
@@ -971,7 +1035,7 @@
           <a:p>
             <a:fld id="{E9385586-C094-4874-A3EB-1898CF456001}" type="datetimeFigureOut">
               <a:rPr lang="en-US" smtClean="0"/>
-              <a:t>5/20/2021</a:t>
+              <a:t>1/17/2023</a:t>
             </a:fld>
             <a:endParaRPr lang="en-US"/>
           </a:p>
@@ -1150,7 +1214,7 @@
           <a:p>
             <a:fld id="{E9385586-C094-4874-A3EB-1898CF456001}" type="datetimeFigureOut">
               <a:rPr lang="en-US" smtClean="0"/>
-              <a:t>5/20/2021</a:t>
+              <a:t>1/17/2023</a:t>
             </a:fld>
             <a:endParaRPr lang="en-US"/>
           </a:p>
@@ -1529,7 +1593,7 @@
           <a:p>
             <a:fld id="{E9385586-C094-4874-A3EB-1898CF456001}" type="datetimeFigureOut">
               <a:rPr lang="en-US" smtClean="0"/>
-              <a:t>5/20/2021</a:t>
+              <a:t>1/17/2023</a:t>
             </a:fld>
             <a:endParaRPr lang="en-US"/>
           </a:p>
@@ -1774,7 +1838,7 @@
           <a:p>
             <a:fld id="{E9385586-C094-4874-A3EB-1898CF456001}" type="datetimeFigureOut">
               <a:rPr lang="en-US" smtClean="0"/>
-              <a:t>5/20/2021</a:t>
+              <a:t>1/17/2023</a:t>
             </a:fld>
             <a:endParaRPr lang="en-US"/>
           </a:p>
@@ -2004,7 +2068,7 @@
           <a:p>
             <a:fld id="{E9385586-C094-4874-A3EB-1898CF456001}" type="datetimeFigureOut">
               <a:rPr lang="en-US" smtClean="0"/>
-              <a:t>5/20/2021</a:t>
+              <a:t>1/17/2023</a:t>
             </a:fld>
             <a:endParaRPr lang="en-US"/>
           </a:p>
@@ -2369,7 +2433,7 @@
           <a:p>
             <a:fld id="{E9385586-C094-4874-A3EB-1898CF456001}" type="datetimeFigureOut">
               <a:rPr lang="en-US" smtClean="0"/>
-              <a:t>5/20/2021</a:t>
+              <a:t>1/17/2023</a:t>
             </a:fld>
             <a:endParaRPr lang="en-US"/>
           </a:p>
@@ -2487,7 +2551,7 @@
           <a:p>
             <a:fld id="{E9385586-C094-4874-A3EB-1898CF456001}" type="datetimeFigureOut">
               <a:rPr lang="en-US" smtClean="0"/>
-              <a:t>5/20/2021</a:t>
+              <a:t>1/17/2023</a:t>
             </a:fld>
             <a:endParaRPr lang="en-US"/>
           </a:p>
@@ -2582,7 +2646,7 @@
           <a:p>
             <a:fld id="{E9385586-C094-4874-A3EB-1898CF456001}" type="datetimeFigureOut">
               <a:rPr lang="en-US" smtClean="0"/>
-              <a:t>5/20/2021</a:t>
+              <a:t>1/17/2023</a:t>
             </a:fld>
             <a:endParaRPr lang="en-US"/>
           </a:p>
@@ -2858,7 +2922,7 @@
           <a:p>
             <a:fld id="{E9385586-C094-4874-A3EB-1898CF456001}" type="datetimeFigureOut">
               <a:rPr lang="en-US" smtClean="0"/>
-              <a:t>5/20/2021</a:t>
+              <a:t>1/17/2023</a:t>
             </a:fld>
             <a:endParaRPr lang="en-US"/>
           </a:p>
@@ -3111,7 +3175,7 @@
           <a:p>
             <a:fld id="{E9385586-C094-4874-A3EB-1898CF456001}" type="datetimeFigureOut">
               <a:rPr lang="en-US" smtClean="0"/>
-              <a:t>5/20/2021</a:t>
+              <a:t>1/17/2023</a:t>
             </a:fld>
             <a:endParaRPr lang="en-US"/>
           </a:p>
@@ -3327,7 +3391,7 @@
             <a:fld id="{E9385586-C094-4874-A3EB-1898CF456001}" type="datetimeFigureOut">
               <a:rPr lang="en-US" smtClean="0"/>
               <a:pPr/>
-              <a:t>5/20/2021</a:t>
+              <a:t>1/17/2023</a:t>
             </a:fld>
             <a:endParaRPr lang="en-US" dirty="0"/>
           </a:p>
@@ -3804,6 +3868,429 @@
       </p:grpSpPr>
       <p:sp>
         <p:nvSpPr>
+          <p:cNvPr id="152" name="Shape 152"/>
+          <p:cNvSpPr/>
+          <p:nvPr/>
+        </p:nvSpPr>
+        <p:spPr>
+          <a:xfrm>
+            <a:off x="386308" y="147496"/>
+            <a:ext cx="7757379" cy="553998"/>
+          </a:xfrm>
+          <a:prstGeom prst="rect">
+            <a:avLst/>
+          </a:prstGeom>
+          <a:ln w="12700">
+            <a:miter lim="400000"/>
+          </a:ln>
+          <a:extLst>
+            <a:ext uri="{C572A759-6A51-4108-AA02-DFA0A04FC94B}">
+              <ma14:wrappingTextBoxFlag xmlns:ma14="http://schemas.microsoft.com/office/mac/drawingml/2011/main" xmlns="" val="1"/>
+            </a:ext>
+          </a:extLst>
+        </p:spPr>
+        <p:txBody>
+          <a:bodyPr lIns="45719" rIns="45719">
+            <a:spAutoFit/>
+          </a:bodyPr>
+          <a:lstStyle>
+            <a:lvl1pPr>
+              <a:defRPr sz="3000" b="1">
+                <a:uFill>
+                  <a:solidFill>
+                    <a:srgbClr val="FFFFFF"/>
+                  </a:solidFill>
+                </a:uFill>
+              </a:defRPr>
+            </a:lvl1pPr>
+          </a:lstStyle>
+          <a:p>
+            <a:pPr lvl="0">
+              <a:defRPr sz="1800" b="0">
+                <a:solidFill>
+                  <a:srgbClr val="000000"/>
+                </a:solidFill>
+                <a:uFillTx/>
+              </a:defRPr>
+            </a:pPr>
+            <a:r>
+              <a:rPr sz="3000" b="1" dirty="0">
+                <a:solidFill>
+                  <a:srgbClr val="57068C"/>
+                </a:solidFill>
+                <a:uFill>
+                  <a:solidFill>
+                    <a:srgbClr val="FFFFFF"/>
+                  </a:solidFill>
+                </a:uFill>
+                <a:latin typeface="Arial Unicode MS" panose="020B0604020202020204" pitchFamily="34" charset="-128"/>
+                <a:ea typeface="Arial Unicode MS" panose="020B0604020202020204" pitchFamily="34" charset="-128"/>
+                <a:cs typeface="Arial Unicode MS" panose="020B0604020202020204" pitchFamily="34" charset="-128"/>
+              </a:rPr>
+              <a:t>Step </a:t>
+            </a:r>
+            <a:r>
+              <a:rPr lang="en-US" sz="3000" b="1" dirty="0">
+                <a:solidFill>
+                  <a:srgbClr val="57068C"/>
+                </a:solidFill>
+                <a:uFill>
+                  <a:solidFill>
+                    <a:srgbClr val="FFFFFF"/>
+                  </a:solidFill>
+                </a:uFill>
+                <a:latin typeface="Arial Unicode MS" panose="020B0604020202020204" pitchFamily="34" charset="-128"/>
+                <a:ea typeface="Arial Unicode MS" panose="020B0604020202020204" pitchFamily="34" charset="-128"/>
+                <a:cs typeface="Arial Unicode MS" panose="020B0604020202020204" pitchFamily="34" charset="-128"/>
+              </a:rPr>
+              <a:t>4</a:t>
+            </a:r>
+            <a:r>
+              <a:rPr sz="3000" b="1" dirty="0">
+                <a:solidFill>
+                  <a:srgbClr val="57068C"/>
+                </a:solidFill>
+                <a:uFill>
+                  <a:solidFill>
+                    <a:srgbClr val="FFFFFF"/>
+                  </a:solidFill>
+                </a:uFill>
+                <a:latin typeface="Arial Unicode MS" panose="020B0604020202020204" pitchFamily="34" charset="-128"/>
+                <a:ea typeface="Arial Unicode MS" panose="020B0604020202020204" pitchFamily="34" charset="-128"/>
+                <a:cs typeface="Arial Unicode MS" panose="020B0604020202020204" pitchFamily="34" charset="-128"/>
+              </a:rPr>
+              <a:t>: Many to many relationships</a:t>
+            </a:r>
+          </a:p>
+        </p:txBody>
+      </p:sp>
+      <p:sp>
+        <p:nvSpPr>
+          <p:cNvPr id="153" name="Shape 153"/>
+          <p:cNvSpPr/>
+          <p:nvPr/>
+        </p:nvSpPr>
+        <p:spPr>
+          <a:xfrm>
+            <a:off x="469899" y="1790700"/>
+            <a:ext cx="7590196" cy="2857192"/>
+          </a:xfrm>
+          <a:prstGeom prst="rect">
+            <a:avLst/>
+          </a:prstGeom>
+          <a:ln w="12700">
+            <a:miter lim="400000"/>
+          </a:ln>
+          <a:extLst>
+            <a:ext uri="{C572A759-6A51-4108-AA02-DFA0A04FC94B}">
+              <ma14:wrappingTextBoxFlag xmlns:ma14="http://schemas.microsoft.com/office/mac/drawingml/2011/main" xmlns="" val="1"/>
+            </a:ext>
+          </a:extLst>
+        </p:spPr>
+        <p:txBody>
+          <a:bodyPr lIns="45719" rIns="45719">
+            <a:spAutoFit/>
+          </a:bodyPr>
+          <a:lstStyle/>
+          <a:p>
+            <a:pPr marL="319453" lvl="0" indent="-281353">
+              <a:spcBef>
+                <a:spcPts val="700"/>
+              </a:spcBef>
+              <a:buSzPct val="50000"/>
+              <a:buBlip>
+                <a:blip r:embed="rId2"/>
+              </a:buBlip>
+              <a:defRPr sz="1800">
+                <a:solidFill>
+                  <a:srgbClr val="000000"/>
+                </a:solidFill>
+                <a:uFillTx/>
+              </a:defRPr>
+            </a:pPr>
+            <a:r>
+              <a:rPr lang="en-US" sz="2400" dirty="0">
+                <a:solidFill>
+                  <a:schemeClr val="tx1"/>
+                </a:solidFill>
+                <a:uFill>
+                  <a:solidFill/>
+                </a:uFill>
+                <a:latin typeface="Arial Unicode MS" panose="020B0604020202020204" pitchFamily="34" charset="-128"/>
+                <a:ea typeface="Arial Unicode MS" panose="020B0604020202020204" pitchFamily="34" charset="-128"/>
+                <a:cs typeface="Arial Unicode MS" panose="020B0604020202020204" pitchFamily="34" charset="-128"/>
+                <a:sym typeface="Iowan Old Style Roman"/>
+              </a:rPr>
+              <a:t>Need to introduce </a:t>
+            </a:r>
+            <a:r>
+              <a:rPr lang="en-US" sz="2400" b="1" dirty="0">
+                <a:solidFill>
+                  <a:schemeClr val="tx1"/>
+                </a:solidFill>
+                <a:latin typeface="Arial Unicode MS" panose="020B0604020202020204" pitchFamily="34" charset="-128"/>
+                <a:ea typeface="Arial Unicode MS" panose="020B0604020202020204" pitchFamily="34" charset="-128"/>
+                <a:cs typeface="Arial Unicode MS" panose="020B0604020202020204" pitchFamily="34" charset="-128"/>
+                <a:sym typeface="Iowan Old Style Roman"/>
+              </a:rPr>
+              <a:t>bridge table</a:t>
+            </a:r>
+            <a:r>
+              <a:rPr lang="en-US" sz="2400" dirty="0">
+                <a:solidFill>
+                  <a:schemeClr val="tx1"/>
+                </a:solidFill>
+                <a:latin typeface="Arial Unicode MS" panose="020B0604020202020204" pitchFamily="34" charset="-128"/>
+                <a:ea typeface="Arial Unicode MS" panose="020B0604020202020204" pitchFamily="34" charset="-128"/>
+                <a:cs typeface="Arial Unicode MS" panose="020B0604020202020204" pitchFamily="34" charset="-128"/>
+                <a:sym typeface="Iowan Old Style Roman"/>
+              </a:rPr>
+              <a:t> (</a:t>
+            </a:r>
+            <a:r>
+              <a:rPr sz="2400" dirty="0">
+                <a:solidFill>
+                  <a:schemeClr val="tx1"/>
+                </a:solidFill>
+                <a:uFill>
+                  <a:solidFill/>
+                </a:uFill>
+                <a:latin typeface="Arial Unicode MS" panose="020B0604020202020204" pitchFamily="34" charset="-128"/>
+                <a:ea typeface="Arial Unicode MS" panose="020B0604020202020204" pitchFamily="34" charset="-128"/>
+                <a:cs typeface="Arial Unicode MS" panose="020B0604020202020204" pitchFamily="34" charset="-128"/>
+                <a:sym typeface="Iowan Old Style Roman"/>
+              </a:rPr>
+              <a:t>Each Many-to-Many relationship becomes a separate table</a:t>
+            </a:r>
+            <a:r>
+              <a:rPr lang="en-US" sz="2400" dirty="0">
+                <a:solidFill>
+                  <a:schemeClr val="tx1"/>
+                </a:solidFill>
+                <a:uFill>
+                  <a:solidFill/>
+                </a:uFill>
+                <a:latin typeface="Arial Unicode MS" panose="020B0604020202020204" pitchFamily="34" charset="-128"/>
+                <a:ea typeface="Arial Unicode MS" panose="020B0604020202020204" pitchFamily="34" charset="-128"/>
+                <a:cs typeface="Arial Unicode MS" panose="020B0604020202020204" pitchFamily="34" charset="-128"/>
+                <a:sym typeface="Iowan Old Style Roman"/>
+              </a:rPr>
+              <a:t>)</a:t>
+            </a:r>
+            <a:endParaRPr sz="2400" dirty="0">
+              <a:solidFill>
+                <a:schemeClr val="tx1"/>
+              </a:solidFill>
+              <a:uFill>
+                <a:solidFill/>
+              </a:uFill>
+              <a:latin typeface="Arial Unicode MS" panose="020B0604020202020204" pitchFamily="34" charset="-128"/>
+              <a:ea typeface="Arial Unicode MS" panose="020B0604020202020204" pitchFamily="34" charset="-128"/>
+              <a:cs typeface="Arial Unicode MS" panose="020B0604020202020204" pitchFamily="34" charset="-128"/>
+              <a:sym typeface="Iowan Old Style Roman"/>
+            </a:endParaRPr>
+          </a:p>
+          <a:p>
+            <a:pPr marL="319453" lvl="0" indent="-281353">
+              <a:spcBef>
+                <a:spcPts val="700"/>
+              </a:spcBef>
+              <a:buSzPct val="50000"/>
+              <a:buBlip>
+                <a:blip r:embed="rId2"/>
+              </a:buBlip>
+              <a:defRPr sz="1800">
+                <a:solidFill>
+                  <a:srgbClr val="000000"/>
+                </a:solidFill>
+                <a:uFillTx/>
+              </a:defRPr>
+            </a:pPr>
+            <a:r>
+              <a:rPr sz="2400" dirty="0">
+                <a:solidFill>
+                  <a:schemeClr val="tx1"/>
+                </a:solidFill>
+                <a:uFill>
+                  <a:solidFill/>
+                </a:uFill>
+                <a:latin typeface="Arial Unicode MS" panose="020B0604020202020204" pitchFamily="34" charset="-128"/>
+                <a:ea typeface="Arial Unicode MS" panose="020B0604020202020204" pitchFamily="34" charset="-128"/>
+                <a:cs typeface="Arial Unicode MS" panose="020B0604020202020204" pitchFamily="34" charset="-128"/>
+                <a:sym typeface="Iowan Old Style Roman"/>
+              </a:rPr>
+              <a:t>The primary key of the</a:t>
+            </a:r>
+            <a:r>
+              <a:rPr lang="en-US" sz="2400" dirty="0">
+                <a:solidFill>
+                  <a:schemeClr val="tx1"/>
+                </a:solidFill>
+                <a:uFill>
+                  <a:solidFill/>
+                </a:uFill>
+                <a:latin typeface="Arial Unicode MS" panose="020B0604020202020204" pitchFamily="34" charset="-128"/>
+                <a:ea typeface="Arial Unicode MS" panose="020B0604020202020204" pitchFamily="34" charset="-128"/>
+                <a:cs typeface="Arial Unicode MS" panose="020B0604020202020204" pitchFamily="34" charset="-128"/>
+                <a:sym typeface="Iowan Old Style Roman"/>
+              </a:rPr>
+              <a:t> bridge</a:t>
+            </a:r>
+            <a:r>
+              <a:rPr sz="2400" dirty="0">
+                <a:solidFill>
+                  <a:schemeClr val="tx1"/>
+                </a:solidFill>
+                <a:uFill>
+                  <a:solidFill/>
+                </a:uFill>
+                <a:latin typeface="Arial Unicode MS" panose="020B0604020202020204" pitchFamily="34" charset="-128"/>
+                <a:ea typeface="Arial Unicode MS" panose="020B0604020202020204" pitchFamily="34" charset="-128"/>
+                <a:cs typeface="Arial Unicode MS" panose="020B0604020202020204" pitchFamily="34" charset="-128"/>
+                <a:sym typeface="Iowan Old Style Roman"/>
+              </a:rPr>
+              <a:t> table is the </a:t>
+            </a:r>
+            <a:r>
+              <a:rPr sz="2400" b="1" i="1" dirty="0">
+                <a:solidFill>
+                  <a:schemeClr val="tx1"/>
+                </a:solidFill>
+                <a:uFill>
+                  <a:solidFill/>
+                </a:uFill>
+                <a:latin typeface="Arial Unicode MS" panose="020B0604020202020204" pitchFamily="34" charset="-128"/>
+                <a:ea typeface="Arial Unicode MS" panose="020B0604020202020204" pitchFamily="34" charset="-128"/>
+                <a:cs typeface="Arial Unicode MS" panose="020B0604020202020204" pitchFamily="34" charset="-128"/>
+                <a:sym typeface="Iowan Old Style Roman"/>
+              </a:rPr>
+              <a:t>combination of the primary keys </a:t>
+            </a:r>
+            <a:r>
+              <a:rPr sz="2400" dirty="0">
+                <a:solidFill>
+                  <a:schemeClr val="tx1"/>
+                </a:solidFill>
+                <a:uFill>
+                  <a:solidFill/>
+                </a:uFill>
+                <a:latin typeface="Arial Unicode MS" panose="020B0604020202020204" pitchFamily="34" charset="-128"/>
+                <a:ea typeface="Arial Unicode MS" panose="020B0604020202020204" pitchFamily="34" charset="-128"/>
+                <a:cs typeface="Arial Unicode MS" panose="020B0604020202020204" pitchFamily="34" charset="-128"/>
+                <a:sym typeface="Iowan Old Style Roman"/>
+              </a:rPr>
+              <a:t>of the entity types participating in the relationship</a:t>
+            </a:r>
+          </a:p>
+          <a:p>
+            <a:pPr marL="319453" lvl="0" indent="-281353">
+              <a:spcBef>
+                <a:spcPts val="700"/>
+              </a:spcBef>
+              <a:buSzPct val="50000"/>
+              <a:buBlip>
+                <a:blip r:embed="rId2"/>
+              </a:buBlip>
+              <a:defRPr sz="1800">
+                <a:solidFill>
+                  <a:srgbClr val="000000"/>
+                </a:solidFill>
+                <a:uFillTx/>
+              </a:defRPr>
+            </a:pPr>
+            <a:r>
+              <a:rPr lang="en-US" sz="2400" dirty="0">
+                <a:solidFill>
+                  <a:schemeClr val="tx1"/>
+                </a:solidFill>
+                <a:uFill>
+                  <a:solidFill/>
+                </a:uFill>
+                <a:latin typeface="Arial Unicode MS" panose="020B0604020202020204" pitchFamily="34" charset="-128"/>
+                <a:ea typeface="Arial Unicode MS" panose="020B0604020202020204" pitchFamily="34" charset="-128"/>
+                <a:cs typeface="Arial Unicode MS" panose="020B0604020202020204" pitchFamily="34" charset="-128"/>
+                <a:sym typeface="Iowan Old Style Roman"/>
+              </a:rPr>
+              <a:t>Each of the primary keys stored in the bridge table is a </a:t>
+            </a:r>
+            <a:r>
+              <a:rPr sz="2400" dirty="0">
+                <a:solidFill>
+                  <a:schemeClr val="tx1"/>
+                </a:solidFill>
+                <a:uFill>
+                  <a:solidFill/>
+                </a:uFill>
+                <a:latin typeface="Arial Unicode MS" panose="020B0604020202020204" pitchFamily="34" charset="-128"/>
+                <a:ea typeface="Arial Unicode MS" panose="020B0604020202020204" pitchFamily="34" charset="-128"/>
+                <a:cs typeface="Arial Unicode MS" panose="020B0604020202020204" pitchFamily="34" charset="-128"/>
+                <a:sym typeface="Iowan Old Style Roman"/>
+              </a:rPr>
+              <a:t>foreign key</a:t>
+            </a:r>
+            <a:r>
+              <a:rPr lang="en-US" sz="2400" dirty="0">
+                <a:solidFill>
+                  <a:schemeClr val="tx1"/>
+                </a:solidFill>
+                <a:uFill>
+                  <a:solidFill/>
+                </a:uFill>
+                <a:latin typeface="Arial Unicode MS" panose="020B0604020202020204" pitchFamily="34" charset="-128"/>
+                <a:ea typeface="Arial Unicode MS" panose="020B0604020202020204" pitchFamily="34" charset="-128"/>
+                <a:cs typeface="Arial Unicode MS" panose="020B0604020202020204" pitchFamily="34" charset="-128"/>
+                <a:sym typeface="Iowan Old Style Roman"/>
+              </a:rPr>
+              <a:t>, pointing to the original entity table</a:t>
+            </a:r>
+            <a:endParaRPr sz="2400" dirty="0">
+              <a:solidFill>
+                <a:schemeClr val="tx1"/>
+              </a:solidFill>
+              <a:uFill>
+                <a:solidFill/>
+              </a:uFill>
+              <a:latin typeface="Arial Unicode MS" panose="020B0604020202020204" pitchFamily="34" charset="-128"/>
+              <a:ea typeface="Arial Unicode MS" panose="020B0604020202020204" pitchFamily="34" charset="-128"/>
+              <a:cs typeface="Arial Unicode MS" panose="020B0604020202020204" pitchFamily="34" charset="-128"/>
+              <a:sym typeface="Iowan Old Style Roman"/>
+            </a:endParaRPr>
+          </a:p>
+        </p:txBody>
+      </p:sp>
+    </p:spTree>
+    <p:extLst>
+      <p:ext uri="{BB962C8B-B14F-4D97-AF65-F5344CB8AC3E}">
+        <p14:creationId xmlns:p14="http://schemas.microsoft.com/office/powerpoint/2010/main" val="220331729"/>
+      </p:ext>
+    </p:extLst>
+  </p:cSld>
+  <p:clrMapOvr>
+    <a:masterClrMapping/>
+  </p:clrMapOvr>
+  <p:transition spd="med"/>
+</p:sld>
+</file>
+
+<file path=ppt/slides/slide11.xml><?xml version="1.0" encoding="utf-8"?>
+<p:sld xmlns:a="http://schemas.openxmlformats.org/drawingml/2006/main" xmlns:r="http://schemas.openxmlformats.org/officeDocument/2006/relationships" xmlns:p="http://schemas.openxmlformats.org/presentationml/2006/main">
+  <p:cSld>
+    <p:spTree>
+      <p:nvGrpSpPr>
+        <p:cNvPr id="1" name=""/>
+        <p:cNvGrpSpPr/>
+        <p:nvPr/>
+      </p:nvGrpSpPr>
+      <p:grpSpPr>
+        <a:xfrm>
+          <a:off x="0" y="0"/>
+          <a:ext cx="0" cy="0"/>
+          <a:chOff x="0" y="0"/>
+          <a:chExt cx="0" cy="0"/>
+        </a:xfrm>
+      </p:grpSpPr>
+      <p:sp>
+        <p:nvSpPr>
           <p:cNvPr id="156" name="Shape 156"/>
           <p:cNvSpPr/>
           <p:nvPr/>
@@ -3821,7 +4308,7 @@
           </a:ln>
           <a:extLst>
             <a:ext uri="{C572A759-6A51-4108-AA02-DFA0A04FC94B}">
-              <ma14:wrappingTextBoxFlag xmlns="" xmlns:ma14="http://schemas.microsoft.com/office/mac/drawingml/2011/main" val="1"/>
+              <ma14:wrappingTextBoxFlag xmlns:ma14="http://schemas.microsoft.com/office/mac/drawingml/2011/main" xmlns="" val="1"/>
             </a:ext>
           </a:extLst>
         </p:spPr>
@@ -3919,7 +4406,7 @@
           </a:ln>
           <a:extLst>
             <a:ext uri="{C572A759-6A51-4108-AA02-DFA0A04FC94B}">
-              <ma14:wrappingTextBoxFlag xmlns="" xmlns:ma14="http://schemas.microsoft.com/office/mac/drawingml/2011/main" val="1"/>
+              <ma14:wrappingTextBoxFlag xmlns:ma14="http://schemas.microsoft.com/office/mac/drawingml/2011/main" xmlns="" val="1"/>
             </a:ext>
           </a:extLst>
         </p:spPr>
@@ -4069,20 +4556,219 @@
       </p:sp>
       <p:pic>
         <p:nvPicPr>
-          <p:cNvPr id="158" name="Screen Shot 2014-02-24 at 2.27.32 PM.png"/>
-          <p:cNvPicPr/>
+          <p:cNvPr id="3" name="Picture 2" descr="Diagram&#10;&#10;Description automatically generated">
+            <a:extLst>
+              <a:ext uri="{FF2B5EF4-FFF2-40B4-BE49-F238E27FC236}">
+                <a16:creationId xmlns:a16="http://schemas.microsoft.com/office/drawing/2014/main" id="{F7B5E7C7-0227-17C0-2D0C-F396069A07BB}"/>
+              </a:ext>
+            </a:extLst>
+          </p:cNvPr>
+          <p:cNvPicPr>
+            <a:picLocks noChangeAspect="1"/>
+          </p:cNvPicPr>
           <p:nvPr/>
         </p:nvPicPr>
         <p:blipFill>
-          <a:blip r:embed="rId4"/>
+          <a:blip r:embed="rId4" cstate="print">
+            <a:extLst>
+              <a:ext uri="{28A0092B-C50C-407E-A947-70E740481C1C}">
+                <a14:useLocalDpi xmlns:a14="http://schemas.microsoft.com/office/drawing/2010/main" val="0"/>
+              </a:ext>
+            </a:extLst>
+          </a:blip>
           <a:stretch>
             <a:fillRect/>
           </a:stretch>
         </p:blipFill>
         <p:spPr>
           <a:xfrm>
-            <a:off x="1555471" y="1661685"/>
-            <a:ext cx="5673481" cy="2427887"/>
+            <a:off x="1060135" y="1722685"/>
+            <a:ext cx="7083552" cy="4881241"/>
+          </a:xfrm>
+          <a:prstGeom prst="rect">
+            <a:avLst/>
+          </a:prstGeom>
+        </p:spPr>
+      </p:pic>
+      <p:sp>
+        <p:nvSpPr>
+          <p:cNvPr id="4" name="Shape 173">
+            <a:extLst>
+              <a:ext uri="{FF2B5EF4-FFF2-40B4-BE49-F238E27FC236}">
+                <a16:creationId xmlns:a16="http://schemas.microsoft.com/office/drawing/2014/main" id="{7C9CF947-6DFC-1A89-0172-148DE248E972}"/>
+              </a:ext>
+            </a:extLst>
+          </p:cNvPr>
+          <p:cNvSpPr/>
+          <p:nvPr/>
+        </p:nvSpPr>
+        <p:spPr>
+          <a:xfrm>
+            <a:off x="5559552" y="3429000"/>
+            <a:ext cx="2731008" cy="3174926"/>
+          </a:xfrm>
+          <a:prstGeom prst="rect">
+            <a:avLst/>
+          </a:prstGeom>
+          <a:ln w="38100">
+            <a:solidFill>
+              <a:srgbClr val="FF2600"/>
+            </a:solidFill>
+            <a:round/>
+          </a:ln>
+        </p:spPr>
+        <p:txBody>
+          <a:bodyPr lIns="0" tIns="0" rIns="0" bIns="0"/>
+          <a:lstStyle/>
+          <a:p>
+            <a:pPr lvl="0">
+              <a:defRPr sz="1800">
+                <a:solidFill>
+                  <a:srgbClr val="FF2600"/>
+                </a:solidFill>
+                <a:latin typeface="+mn-lt"/>
+                <a:ea typeface="+mn-ea"/>
+                <a:cs typeface="+mn-cs"/>
+                <a:sym typeface="Arial"/>
+              </a:defRPr>
+            </a:pPr>
+            <a:endParaRPr dirty="0">
+              <a:solidFill>
+                <a:schemeClr val="tx1"/>
+              </a:solidFill>
+              <a:latin typeface="Arial Unicode MS" panose="020B0604020202020204" pitchFamily="34" charset="-128"/>
+              <a:ea typeface="Arial Unicode MS" panose="020B0604020202020204" pitchFamily="34" charset="-128"/>
+              <a:cs typeface="Arial Unicode MS" panose="020B0604020202020204" pitchFamily="34" charset="-128"/>
+            </a:endParaRPr>
+          </a:p>
+        </p:txBody>
+      </p:sp>
+    </p:spTree>
+    <p:extLst>
+      <p:ext uri="{BB962C8B-B14F-4D97-AF65-F5344CB8AC3E}">
+        <p14:creationId xmlns:p14="http://schemas.microsoft.com/office/powerpoint/2010/main" val="143707886"/>
+      </p:ext>
+    </p:extLst>
+  </p:cSld>
+  <p:clrMapOvr>
+    <a:masterClrMapping/>
+  </p:clrMapOvr>
+  <p:transition spd="med"/>
+  <p:timing>
+    <p:tnLst>
+      <p:par>
+        <p:cTn id="1" dur="indefinite" restart="never" fill="hold" nodeType="tmRoot">
+          <p:childTnLst>
+            <p:seq concurrent="1" nextAc="seek">
+              <p:cTn id="2" dur="indefinite" nodeType="mainSeq">
+                <p:childTnLst>
+                  <p:par>
+                    <p:cTn id="3" fill="hold">
+                      <p:stCondLst>
+                        <p:cond delay="indefinite"/>
+                      </p:stCondLst>
+                      <p:childTnLst>
+                        <p:par>
+                          <p:cTn id="4" fill="hold">
+                            <p:stCondLst>
+                              <p:cond delay="0"/>
+                            </p:stCondLst>
+                            <p:childTnLst>
+                              <p:par>
+                                <p:cTn id="5" presetID="9" presetClass="entr" presetSubtype="16" fill="hold" grpId="0" nodeType="clickEffect">
+                                  <p:stCondLst>
+                                    <p:cond delay="0"/>
+                                  </p:stCondLst>
+                                  <p:iterate>
+                                    <p:tmAbs val="0"/>
+                                  </p:iterate>
+                                  <p:childTnLst>
+                                    <p:set>
+                                      <p:cBhvr>
+                                        <p:cTn id="6" fill="hold"/>
+                                        <p:tgtEl>
+                                          <p:spTgt spid="4"/>
+                                        </p:tgtEl>
+                                        <p:attrNameLst>
+                                          <p:attrName>style.visibility</p:attrName>
+                                        </p:attrNameLst>
+                                      </p:cBhvr>
+                                      <p:to>
+                                        <p:strVal val="visible"/>
+                                      </p:to>
+                                    </p:set>
+                                    <p:animEffect transition="in" filter="dissolve(in)">
+                                      <p:cBhvr>
+                                        <p:cTn id="7" dur="750"/>
+                                        <p:tgtEl>
+                                          <p:spTgt spid="4"/>
+                                        </p:tgtEl>
+                                      </p:cBhvr>
+                                    </p:animEffect>
+                                  </p:childTnLst>
+                                </p:cTn>
+                              </p:par>
+                            </p:childTnLst>
+                          </p:cTn>
+                        </p:par>
+                      </p:childTnLst>
+                    </p:cTn>
+                  </p:par>
+                </p:childTnLst>
+              </p:cTn>
+              <p:prevCondLst>
+                <p:cond evt="onPrev" delay="0">
+                  <p:tgtEl>
+                    <p:sldTgt/>
+                  </p:tgtEl>
+                </p:cond>
+              </p:prevCondLst>
+              <p:nextCondLst>
+                <p:cond evt="onNext" delay="0">
+                  <p:tgtEl>
+                    <p:sldTgt/>
+                  </p:tgtEl>
+                </p:cond>
+              </p:nextCondLst>
+            </p:seq>
+          </p:childTnLst>
+        </p:cTn>
+      </p:par>
+    </p:tnLst>
+    <p:bldLst>
+      <p:bldP spid="4" grpId="0" animBg="1" advAuto="0"/>
+    </p:bldLst>
+  </p:timing>
+</p:sld>
+</file>
+
+<file path=ppt/slides/slide12.xml><?xml version="1.0" encoding="utf-8"?>
+<p:sld xmlns:a="http://schemas.openxmlformats.org/drawingml/2006/main" xmlns:r="http://schemas.openxmlformats.org/officeDocument/2006/relationships" xmlns:p="http://schemas.openxmlformats.org/presentationml/2006/main">
+  <p:cSld>
+    <p:spTree>
+      <p:nvGrpSpPr>
+        <p:cNvPr id="1" name=""/>
+        <p:cNvGrpSpPr/>
+        <p:nvPr/>
+      </p:nvGrpSpPr>
+      <p:grpSpPr>
+        <a:xfrm>
+          <a:off x="0" y="0"/>
+          <a:ext cx="0" cy="0"/>
+          <a:chOff x="0" y="0"/>
+          <a:chExt cx="0" cy="0"/>
+        </a:xfrm>
+      </p:grpSpPr>
+      <p:sp>
+        <p:nvSpPr>
+          <p:cNvPr id="156" name="Shape 156"/>
+          <p:cNvSpPr/>
+          <p:nvPr/>
+        </p:nvSpPr>
+        <p:spPr>
+          <a:xfrm>
+            <a:off x="386308" y="147496"/>
+            <a:ext cx="7757379" cy="553998"/>
           </a:xfrm>
           <a:prstGeom prst="rect">
             <a:avLst/>
@@ -4090,16 +4776,351 @@
           <a:ln w="12700">
             <a:miter lim="400000"/>
           </a:ln>
+          <a:extLst>
+            <a:ext uri="{C572A759-6A51-4108-AA02-DFA0A04FC94B}">
+              <ma14:wrappingTextBoxFlag xmlns:ma14="http://schemas.microsoft.com/office/mac/drawingml/2011/main" xmlns="" val="1"/>
+            </a:ext>
+          </a:extLst>
         </p:spPr>
-      </p:pic>
+        <p:txBody>
+          <a:bodyPr lIns="45719" rIns="45719">
+            <a:spAutoFit/>
+          </a:bodyPr>
+          <a:lstStyle>
+            <a:lvl1pPr>
+              <a:defRPr sz="3000" b="1">
+                <a:uFill>
+                  <a:solidFill>
+                    <a:srgbClr val="FFFFFF"/>
+                  </a:solidFill>
+                </a:uFill>
+              </a:defRPr>
+            </a:lvl1pPr>
+          </a:lstStyle>
+          <a:p>
+            <a:pPr lvl="0">
+              <a:defRPr sz="1800" b="0">
+                <a:solidFill>
+                  <a:srgbClr val="000000"/>
+                </a:solidFill>
+                <a:uFillTx/>
+              </a:defRPr>
+            </a:pPr>
+            <a:r>
+              <a:rPr sz="3000" b="1" dirty="0">
+                <a:solidFill>
+                  <a:srgbClr val="57068C"/>
+                </a:solidFill>
+                <a:uFill>
+                  <a:solidFill>
+                    <a:srgbClr val="FFFFFF"/>
+                  </a:solidFill>
+                </a:uFill>
+                <a:latin typeface="Arial Unicode MS" panose="020B0604020202020204" pitchFamily="34" charset="-128"/>
+                <a:ea typeface="Arial Unicode MS" panose="020B0604020202020204" pitchFamily="34" charset="-128"/>
+                <a:cs typeface="Arial Unicode MS" panose="020B0604020202020204" pitchFamily="34" charset="-128"/>
+              </a:rPr>
+              <a:t>Step </a:t>
+            </a:r>
+            <a:r>
+              <a:rPr lang="en-US" sz="3000" b="1" dirty="0">
+                <a:solidFill>
+                  <a:srgbClr val="57068C"/>
+                </a:solidFill>
+                <a:uFill>
+                  <a:solidFill>
+                    <a:srgbClr val="FFFFFF"/>
+                  </a:solidFill>
+                </a:uFill>
+                <a:latin typeface="Arial Unicode MS" panose="020B0604020202020204" pitchFamily="34" charset="-128"/>
+                <a:ea typeface="Arial Unicode MS" panose="020B0604020202020204" pitchFamily="34" charset="-128"/>
+                <a:cs typeface="Arial Unicode MS" panose="020B0604020202020204" pitchFamily="34" charset="-128"/>
+              </a:rPr>
+              <a:t>4</a:t>
+            </a:r>
+            <a:r>
+              <a:rPr sz="3000" b="1" dirty="0">
+                <a:solidFill>
+                  <a:srgbClr val="57068C"/>
+                </a:solidFill>
+                <a:uFill>
+                  <a:solidFill>
+                    <a:srgbClr val="FFFFFF"/>
+                  </a:solidFill>
+                </a:uFill>
+                <a:latin typeface="Arial Unicode MS" panose="020B0604020202020204" pitchFamily="34" charset="-128"/>
+                <a:ea typeface="Arial Unicode MS" panose="020B0604020202020204" pitchFamily="34" charset="-128"/>
+                <a:cs typeface="Arial Unicode MS" panose="020B0604020202020204" pitchFamily="34" charset="-128"/>
+              </a:rPr>
+              <a:t>: Example</a:t>
+            </a:r>
+          </a:p>
+        </p:txBody>
+      </p:sp>
+      <p:sp>
+        <p:nvSpPr>
+          <p:cNvPr id="157" name="Shape 157"/>
+          <p:cNvSpPr/>
+          <p:nvPr/>
+        </p:nvSpPr>
+        <p:spPr>
+          <a:xfrm>
+            <a:off x="439418" y="803089"/>
+            <a:ext cx="8014139" cy="828432"/>
+          </a:xfrm>
+          <a:prstGeom prst="rect">
+            <a:avLst/>
+          </a:prstGeom>
+          <a:ln w="12700">
+            <a:miter lim="400000"/>
+          </a:ln>
+          <a:extLst>
+            <a:ext uri="{C572A759-6A51-4108-AA02-DFA0A04FC94B}">
+              <ma14:wrappingTextBoxFlag xmlns:ma14="http://schemas.microsoft.com/office/mac/drawingml/2011/main" xmlns="" val="1"/>
+            </a:ext>
+          </a:extLst>
+        </p:spPr>
+        <p:txBody>
+          <a:bodyPr wrap="square" lIns="45719" rIns="45719">
+            <a:spAutoFit/>
+          </a:bodyPr>
+          <a:lstStyle/>
+          <a:p>
+            <a:pPr marL="284284" lvl="0" indent="-246184">
+              <a:spcBef>
+                <a:spcPts val="700"/>
+              </a:spcBef>
+              <a:buSzPct val="50000"/>
+              <a:buBlip>
+                <a:blip r:embed="rId3"/>
+              </a:buBlip>
+              <a:defRPr sz="1800">
+                <a:solidFill>
+                  <a:srgbClr val="000000"/>
+                </a:solidFill>
+                <a:uFillTx/>
+              </a:defRPr>
+            </a:pPr>
+            <a:r>
+              <a:rPr sz="2100" dirty="0">
+                <a:solidFill>
+                  <a:schemeClr val="tx1"/>
+                </a:solidFill>
+                <a:uFill>
+                  <a:solidFill/>
+                </a:uFill>
+                <a:latin typeface="Arial Unicode MS" panose="020B0604020202020204" pitchFamily="34" charset="-128"/>
+                <a:ea typeface="Arial Unicode MS" panose="020B0604020202020204" pitchFamily="34" charset="-128"/>
+                <a:cs typeface="Arial Unicode MS" panose="020B0604020202020204" pitchFamily="34" charset="-128"/>
+                <a:sym typeface="Iowan Old Style Roman"/>
+              </a:rPr>
+              <a:t>Lets </a:t>
+            </a:r>
+            <a:r>
+              <a:rPr sz="2100" b="1" dirty="0">
+                <a:solidFill>
+                  <a:schemeClr val="tx1"/>
+                </a:solidFill>
+                <a:uFill>
+                  <a:solidFill/>
+                </a:uFill>
+                <a:latin typeface="Arial Unicode MS" panose="020B0604020202020204" pitchFamily="34" charset="-128"/>
+                <a:ea typeface="Arial Unicode MS" panose="020B0604020202020204" pitchFamily="34" charset="-128"/>
+                <a:cs typeface="Arial Unicode MS" panose="020B0604020202020204" pitchFamily="34" charset="-128"/>
+                <a:sym typeface="Iowan Old Style Roman"/>
+              </a:rPr>
+              <a:t>assume</a:t>
+            </a:r>
+            <a:r>
+              <a:rPr sz="2100" dirty="0">
+                <a:solidFill>
+                  <a:schemeClr val="tx1"/>
+                </a:solidFill>
+                <a:uFill>
+                  <a:solidFill/>
+                </a:uFill>
+                <a:latin typeface="Arial Unicode MS" panose="020B0604020202020204" pitchFamily="34" charset="-128"/>
+                <a:ea typeface="Arial Unicode MS" panose="020B0604020202020204" pitchFamily="34" charset="-128"/>
+                <a:cs typeface="Arial Unicode MS" panose="020B0604020202020204" pitchFamily="34" charset="-128"/>
+                <a:sym typeface="Iowan Old Style Roman"/>
+              </a:rPr>
+              <a:t> that a </a:t>
+            </a:r>
+            <a:r>
+              <a:rPr sz="2100" u="sng" dirty="0">
+                <a:solidFill>
+                  <a:schemeClr val="tx1"/>
+                </a:solidFill>
+                <a:uFill>
+                  <a:solidFill/>
+                </a:uFill>
+                <a:latin typeface="Arial Unicode MS" panose="020B0604020202020204" pitchFamily="34" charset="-128"/>
+                <a:ea typeface="Arial Unicode MS" panose="020B0604020202020204" pitchFamily="34" charset="-128"/>
+                <a:cs typeface="Arial Unicode MS" panose="020B0604020202020204" pitchFamily="34" charset="-128"/>
+                <a:sym typeface="Iowan Old Style Roman"/>
+              </a:rPr>
+              <a:t>reading</a:t>
+            </a:r>
+            <a:r>
+              <a:rPr sz="2100" dirty="0">
+                <a:solidFill>
+                  <a:schemeClr val="tx1"/>
+                </a:solidFill>
+                <a:uFill>
+                  <a:solidFill/>
+                </a:uFill>
+                <a:latin typeface="Arial Unicode MS" panose="020B0604020202020204" pitchFamily="34" charset="-128"/>
+                <a:ea typeface="Arial Unicode MS" panose="020B0604020202020204" pitchFamily="34" charset="-128"/>
+                <a:cs typeface="Arial Unicode MS" panose="020B0604020202020204" pitchFamily="34" charset="-128"/>
+                <a:sym typeface="Iowan Old Style Roman"/>
+              </a:rPr>
+              <a:t> can be done by </a:t>
+            </a:r>
+            <a:r>
+              <a:rPr sz="2100" b="1" dirty="0">
+                <a:solidFill>
+                  <a:schemeClr val="tx1"/>
+                </a:solidFill>
+                <a:uFill>
+                  <a:solidFill/>
+                </a:uFill>
+                <a:latin typeface="Arial Unicode MS" panose="020B0604020202020204" pitchFamily="34" charset="-128"/>
+                <a:ea typeface="Arial Unicode MS" panose="020B0604020202020204" pitchFamily="34" charset="-128"/>
+                <a:cs typeface="Arial Unicode MS" panose="020B0604020202020204" pitchFamily="34" charset="-128"/>
+                <a:sym typeface="Iowan Old Style Roman"/>
+              </a:rPr>
+              <a:t>many</a:t>
+            </a:r>
+            <a:r>
+              <a:rPr sz="2100" dirty="0">
+                <a:solidFill>
+                  <a:schemeClr val="tx1"/>
+                </a:solidFill>
+                <a:uFill>
+                  <a:solidFill/>
+                </a:uFill>
+                <a:latin typeface="Arial Unicode MS" panose="020B0604020202020204" pitchFamily="34" charset="-128"/>
+                <a:ea typeface="Arial Unicode MS" panose="020B0604020202020204" pitchFamily="34" charset="-128"/>
+                <a:cs typeface="Arial Unicode MS" panose="020B0604020202020204" pitchFamily="34" charset="-128"/>
+                <a:sym typeface="Iowan Old Style Roman"/>
+              </a:rPr>
+              <a:t> </a:t>
+            </a:r>
+            <a:r>
+              <a:rPr sz="2100" u="sng" dirty="0">
+                <a:solidFill>
+                  <a:schemeClr val="tx1"/>
+                </a:solidFill>
+                <a:uFill>
+                  <a:solidFill/>
+                </a:uFill>
+                <a:latin typeface="Arial Unicode MS" panose="020B0604020202020204" pitchFamily="34" charset="-128"/>
+                <a:ea typeface="Arial Unicode MS" panose="020B0604020202020204" pitchFamily="34" charset="-128"/>
+                <a:cs typeface="Arial Unicode MS" panose="020B0604020202020204" pitchFamily="34" charset="-128"/>
+                <a:sym typeface="Iowan Old Style Roman"/>
+              </a:rPr>
+              <a:t>employees</a:t>
+            </a:r>
+            <a:endParaRPr lang="en-US" sz="2100" u="sng" dirty="0">
+              <a:solidFill>
+                <a:schemeClr val="tx1"/>
+              </a:solidFill>
+              <a:uFill>
+                <a:solidFill/>
+              </a:uFill>
+              <a:latin typeface="Arial Unicode MS" panose="020B0604020202020204" pitchFamily="34" charset="-128"/>
+              <a:ea typeface="Arial Unicode MS" panose="020B0604020202020204" pitchFamily="34" charset="-128"/>
+              <a:cs typeface="Arial Unicode MS" panose="020B0604020202020204" pitchFamily="34" charset="-128"/>
+              <a:sym typeface="Iowan Old Style Roman"/>
+            </a:endParaRPr>
+          </a:p>
+          <a:p>
+            <a:pPr marL="284284" lvl="0" indent="-246184">
+              <a:spcBef>
+                <a:spcPts val="700"/>
+              </a:spcBef>
+              <a:buSzPct val="50000"/>
+              <a:buBlip>
+                <a:blip r:embed="rId3"/>
+              </a:buBlip>
+              <a:defRPr sz="1800">
+                <a:solidFill>
+                  <a:srgbClr val="000000"/>
+                </a:solidFill>
+                <a:uFillTx/>
+              </a:defRPr>
+            </a:pPr>
+            <a:r>
+              <a:rPr lang="en-US" sz="2100" dirty="0">
+                <a:solidFill>
+                  <a:schemeClr val="tx1"/>
+                </a:solidFill>
+                <a:uFill>
+                  <a:solidFill/>
+                </a:uFill>
+                <a:latin typeface="Arial Unicode MS" panose="020B0604020202020204" pitchFamily="34" charset="-128"/>
+                <a:ea typeface="Arial Unicode MS" panose="020B0604020202020204" pitchFamily="34" charset="-128"/>
+                <a:cs typeface="Arial Unicode MS" panose="020B0604020202020204" pitchFamily="34" charset="-128"/>
+                <a:sym typeface="Iowan Old Style Roman"/>
+              </a:rPr>
+              <a:t>The many-to-many relationship becomes a </a:t>
+            </a:r>
+            <a:r>
+              <a:rPr lang="en-US" sz="2100" b="1" dirty="0">
+                <a:solidFill>
+                  <a:schemeClr val="tx1"/>
+                </a:solidFill>
+                <a:uFill>
+                  <a:solidFill/>
+                </a:uFill>
+                <a:latin typeface="Arial Unicode MS" panose="020B0604020202020204" pitchFamily="34" charset="-128"/>
+                <a:ea typeface="Arial Unicode MS" panose="020B0604020202020204" pitchFamily="34" charset="-128"/>
+                <a:cs typeface="Arial Unicode MS" panose="020B0604020202020204" pitchFamily="34" charset="-128"/>
+                <a:sym typeface="Iowan Old Style Roman"/>
+              </a:rPr>
+              <a:t>b</a:t>
+            </a:r>
+            <a:r>
+              <a:rPr lang="en-US" sz="2100" b="1" dirty="0">
+                <a:solidFill>
+                  <a:schemeClr val="tx1"/>
+                </a:solidFill>
+                <a:latin typeface="Arial Unicode MS" panose="020B0604020202020204" pitchFamily="34" charset="-128"/>
+                <a:ea typeface="Arial Unicode MS" panose="020B0604020202020204" pitchFamily="34" charset="-128"/>
+                <a:cs typeface="Arial Unicode MS" panose="020B0604020202020204" pitchFamily="34" charset="-128"/>
+                <a:sym typeface="Iowan Old Style Roman"/>
+              </a:rPr>
+              <a:t>ridge table</a:t>
+            </a:r>
+            <a:endParaRPr sz="2100" b="1" dirty="0">
+              <a:solidFill>
+                <a:schemeClr val="tx1"/>
+              </a:solidFill>
+              <a:uFill>
+                <a:solidFill/>
+              </a:uFill>
+              <a:latin typeface="Arial Unicode MS" panose="020B0604020202020204" pitchFamily="34" charset="-128"/>
+              <a:ea typeface="Arial Unicode MS" panose="020B0604020202020204" pitchFamily="34" charset="-128"/>
+              <a:cs typeface="Arial Unicode MS" panose="020B0604020202020204" pitchFamily="34" charset="-128"/>
+              <a:sym typeface="Iowan Old Style Roman"/>
+            </a:endParaRPr>
+          </a:p>
+        </p:txBody>
+      </p:sp>
       <p:graphicFrame>
         <p:nvGraphicFramePr>
           <p:cNvPr id="159" name="Table 159"/>
           <p:cNvGraphicFramePr/>
-          <p:nvPr/>
+          <p:nvPr>
+            <p:extLst>
+              <p:ext uri="{D42A27DB-BD31-4B8C-83A1-F6EECF244321}">
+                <p14:modId xmlns:p14="http://schemas.microsoft.com/office/powerpoint/2010/main" val="2757661266"/>
+              </p:ext>
+            </p:extLst>
+          </p:nvPr>
         </p:nvGraphicFramePr>
         <p:xfrm>
-          <a:off x="482401" y="5391670"/>
+          <a:off x="127943" y="5477167"/>
           <a:ext cx="2991047" cy="1113696"/>
         </p:xfrm>
         <a:graphic>
@@ -4109,14 +5130,14 @@
                 <a:tableStyleId>{4C3C2611-4C71-4FC5-86AE-919BDF0F9419}</a:tableStyleId>
               </a:tblPr>
               <a:tblGrid>
-                <a:gridCol w="1187495">
+                <a:gridCol w="925159">
                   <a:extLst>
                     <a:ext uri="{9D8B030D-6E8A-4147-A177-3AD203B41FA5}">
                       <a16:colId xmlns:a16="http://schemas.microsoft.com/office/drawing/2014/main" val="20000"/>
                     </a:ext>
                   </a:extLst>
                 </a:gridCol>
-                <a:gridCol w="947168">
+                <a:gridCol w="1209504">
                   <a:extLst>
                     <a:ext uri="{9D8B030D-6E8A-4147-A177-3AD203B41FA5}">
                       <a16:colId xmlns:a16="http://schemas.microsoft.com/office/drawing/2014/main" val="20001"/>
@@ -4131,7 +5152,7 @@
                   </a:extLst>
                 </a:gridCol>
               </a:tblGrid>
-              <a:tr h="283938">
+              <a:tr h="0">
                 <a:tc>
                   <a:txBody>
                     <a:bodyPr/>
@@ -4160,7 +5181,35 @@
                           </a:uFill>
                           <a:latin typeface="Arial Unicode MS" panose="020B0604020202020204" pitchFamily="34" charset="-128"/>
                         </a:rPr>
-                        <a:t>Reading No	</a:t>
+                        <a:t>Reading </a:t>
+                      </a:r>
+                      <a:r>
+                        <a:rPr lang="en-US" sz="1200" b="1" i="1" dirty="0">
+                          <a:solidFill>
+                            <a:srgbClr val="FF2600"/>
+                          </a:solidFill>
+                          <a:uFill>
+                            <a:solidFill>
+                              <a:srgbClr val="FFFFFF"/>
+                            </a:solidFill>
+                          </a:uFill>
+                          <a:latin typeface="Arial Unicode MS" panose="020B0604020202020204" pitchFamily="34" charset="-128"/>
+                        </a:rPr>
+                        <a:t>Id</a:t>
+                      </a:r>
+                      <a:r>
+                        <a:rPr sz="1200" b="1" i="1" dirty="0">
+                          <a:solidFill>
+                            <a:srgbClr val="FF2600"/>
+                          </a:solidFill>
+                          <a:uFill>
+                            <a:solidFill>
+                              <a:srgbClr val="FFFFFF"/>
+                            </a:solidFill>
+                          </a:uFill>
+                          <a:latin typeface="Arial Unicode MS" panose="020B0604020202020204" pitchFamily="34" charset="-128"/>
+                        </a:rPr>
+                        <a:t>	</a:t>
                       </a:r>
                     </a:p>
                   </a:txBody>
@@ -4196,7 +5245,7 @@
                         </a:defRPr>
                       </a:pPr>
                       <a:r>
-                        <a:rPr sz="1200" b="1" i="1" dirty="0">
+                        <a:rPr lang="en-US" sz="1200" b="1" i="1" dirty="0" err="1">
                           <a:solidFill>
                             <a:srgbClr val="FFFFFF"/>
                           </a:solidFill>
@@ -4207,8 +5256,19 @@
                           </a:uFill>
                           <a:latin typeface="Arial Unicode MS" panose="020B0604020202020204" pitchFamily="34" charset="-128"/>
                         </a:rPr>
-                        <a:t>Timestamp</a:t>
+                        <a:t>Measure_Date</a:t>
                       </a:r>
+                      <a:endParaRPr sz="1200" b="1" i="1" dirty="0">
+                        <a:solidFill>
+                          <a:srgbClr val="FFFFFF"/>
+                        </a:solidFill>
+                        <a:uFill>
+                          <a:solidFill>
+                            <a:srgbClr val="FFFFFF"/>
+                          </a:solidFill>
+                        </a:uFill>
+                        <a:latin typeface="Arial Unicode MS" panose="020B0604020202020204" pitchFamily="34" charset="-128"/>
+                      </a:endParaRPr>
                     </a:p>
                   </a:txBody>
                   <a:tcPr marL="63500" marR="63500" marT="63500" marB="63500" horzOverflow="overflow">
@@ -4469,11 +5529,17 @@
         <p:nvGraphicFramePr>
           <p:cNvPr id="160" name="Table 160"/>
           <p:cNvGraphicFramePr/>
-          <p:nvPr/>
+          <p:nvPr>
+            <p:extLst>
+              <p:ext uri="{D42A27DB-BD31-4B8C-83A1-F6EECF244321}">
+                <p14:modId xmlns:p14="http://schemas.microsoft.com/office/powerpoint/2010/main" val="4271907291"/>
+              </p:ext>
+            </p:extLst>
+          </p:nvPr>
         </p:nvGraphicFramePr>
         <p:xfrm>
-          <a:off x="3071663" y="4160319"/>
-          <a:ext cx="2460723" cy="1095534"/>
+          <a:off x="3118990" y="4039456"/>
+          <a:ext cx="1946953" cy="1095534"/>
         </p:xfrm>
         <a:graphic>
           <a:graphicData uri="http://schemas.openxmlformats.org/drawingml/2006/table">
@@ -4482,14 +5548,14 @@
                 <a:tableStyleId>{4C3C2611-4C71-4FC5-86AE-919BDF0F9419}</a:tableStyleId>
               </a:tblPr>
               <a:tblGrid>
-                <a:gridCol w="1298423">
+                <a:gridCol w="929028">
                   <a:extLst>
                     <a:ext uri="{9D8B030D-6E8A-4147-A177-3AD203B41FA5}">
                       <a16:colId xmlns:a16="http://schemas.microsoft.com/office/drawing/2014/main" val="20000"/>
                     </a:ext>
                   </a:extLst>
                 </a:gridCol>
-                <a:gridCol w="1162300">
+                <a:gridCol w="1017925">
                   <a:extLst>
                     <a:ext uri="{9D8B030D-6E8A-4147-A177-3AD203B41FA5}">
                       <a16:colId xmlns:a16="http://schemas.microsoft.com/office/drawing/2014/main" val="20001"/>
@@ -4515,7 +5581,7 @@
                         </a:defRPr>
                       </a:pPr>
                       <a:r>
-                        <a:rPr sz="1300" b="1" i="1" dirty="0">
+                        <a:rPr sz="1200" b="1" i="1" dirty="0">
                           <a:solidFill>
                             <a:srgbClr val="FF2600"/>
                           </a:solidFill>
@@ -4526,8 +5592,33 @@
                           </a:uFill>
                           <a:latin typeface="Arial Unicode MS" panose="020B0604020202020204" pitchFamily="34" charset="-128"/>
                         </a:rPr>
-                        <a:t>Reading No</a:t>
+                        <a:t>Reading </a:t>
                       </a:r>
+                      <a:r>
+                        <a:rPr lang="en-US" sz="1200" b="1" i="1" dirty="0">
+                          <a:solidFill>
+                            <a:srgbClr val="FF2600"/>
+                          </a:solidFill>
+                          <a:uFill>
+                            <a:solidFill>
+                              <a:srgbClr val="FFFFFF"/>
+                            </a:solidFill>
+                          </a:uFill>
+                          <a:latin typeface="Arial Unicode MS" panose="020B0604020202020204" pitchFamily="34" charset="-128"/>
+                        </a:rPr>
+                        <a:t>Id</a:t>
+                      </a:r>
+                      <a:endParaRPr sz="1200" b="1" i="1" dirty="0">
+                        <a:solidFill>
+                          <a:srgbClr val="FF2600"/>
+                        </a:solidFill>
+                        <a:uFill>
+                          <a:solidFill>
+                            <a:srgbClr val="FFFFFF"/>
+                          </a:solidFill>
+                        </a:uFill>
+                        <a:latin typeface="Arial Unicode MS" panose="020B0604020202020204" pitchFamily="34" charset="-128"/>
+                      </a:endParaRPr>
                     </a:p>
                   </a:txBody>
                   <a:tcPr marL="63500" marR="63500" marT="63500" marB="63500" horzOverflow="overflow">
@@ -4562,7 +5653,7 @@
                         </a:defRPr>
                       </a:pPr>
                       <a:r>
-                        <a:rPr sz="1200" b="1" i="1" dirty="0">
+                        <a:rPr sz="1100" b="1" i="1" dirty="0">
                           <a:solidFill>
                             <a:srgbClr val="008F00"/>
                           </a:solidFill>
@@ -4573,8 +5664,33 @@
                           </a:uFill>
                           <a:latin typeface="Arial Unicode MS" panose="020B0604020202020204" pitchFamily="34" charset="-128"/>
                         </a:rPr>
-                        <a:t>Employee No</a:t>
+                        <a:t>Employee </a:t>
                       </a:r>
+                      <a:r>
+                        <a:rPr lang="en-US" sz="1100" b="1" i="1" dirty="0">
+                          <a:solidFill>
+                            <a:srgbClr val="008F00"/>
+                          </a:solidFill>
+                          <a:uFill>
+                            <a:solidFill>
+                              <a:srgbClr val="FFFFFF"/>
+                            </a:solidFill>
+                          </a:uFill>
+                          <a:latin typeface="Arial Unicode MS" panose="020B0604020202020204" pitchFamily="34" charset="-128"/>
+                        </a:rPr>
+                        <a:t>Id</a:t>
+                      </a:r>
+                      <a:endParaRPr sz="1100" b="1" i="1" dirty="0">
+                        <a:solidFill>
+                          <a:srgbClr val="008F00"/>
+                        </a:solidFill>
+                        <a:uFill>
+                          <a:solidFill>
+                            <a:srgbClr val="FFFFFF"/>
+                          </a:solidFill>
+                        </a:uFill>
+                        <a:latin typeface="Arial Unicode MS" panose="020B0604020202020204" pitchFamily="34" charset="-128"/>
+                      </a:endParaRPr>
                     </a:p>
                   </a:txBody>
                   <a:tcPr marL="63500" marR="63500" marT="63500" marB="63500" horzOverflow="overflow">
@@ -4732,10 +5848,16 @@
         <p:nvGraphicFramePr>
           <p:cNvPr id="161" name="Table 161"/>
           <p:cNvGraphicFramePr/>
-          <p:nvPr/>
+          <p:nvPr>
+            <p:extLst>
+              <p:ext uri="{D42A27DB-BD31-4B8C-83A1-F6EECF244321}">
+                <p14:modId xmlns:p14="http://schemas.microsoft.com/office/powerpoint/2010/main" val="1202672676"/>
+              </p:ext>
+            </p:extLst>
+          </p:nvPr>
         </p:nvGraphicFramePr>
         <p:xfrm>
-          <a:off x="5130601" y="5391670"/>
+          <a:off x="5670552" y="5391670"/>
           <a:ext cx="2991047" cy="1113696"/>
         </p:xfrm>
         <a:graphic>
@@ -4796,7 +5918,35 @@
                           </a:uFill>
                           <a:latin typeface="Arial Unicode MS" panose="020B0604020202020204" pitchFamily="34" charset="-128"/>
                         </a:rPr>
-                        <a:t>Employee No	</a:t>
+                        <a:t>Employee </a:t>
+                      </a:r>
+                      <a:r>
+                        <a:rPr lang="en-US" sz="1200" b="1" i="1" dirty="0">
+                          <a:solidFill>
+                            <a:srgbClr val="008F00"/>
+                          </a:solidFill>
+                          <a:uFill>
+                            <a:solidFill>
+                              <a:srgbClr val="FFFFFF"/>
+                            </a:solidFill>
+                          </a:uFill>
+                          <a:latin typeface="Arial Unicode MS" panose="020B0604020202020204" pitchFamily="34" charset="-128"/>
+                        </a:rPr>
+                        <a:t>Id</a:t>
+                      </a:r>
+                      <a:r>
+                        <a:rPr sz="1200" b="1" i="1" dirty="0">
+                          <a:solidFill>
+                            <a:srgbClr val="008F00"/>
+                          </a:solidFill>
+                          <a:uFill>
+                            <a:solidFill>
+                              <a:srgbClr val="FFFFFF"/>
+                            </a:solidFill>
+                          </a:uFill>
+                          <a:latin typeface="Arial Unicode MS" panose="020B0604020202020204" pitchFamily="34" charset="-128"/>
+                        </a:rPr>
+                        <a:t>	</a:t>
                       </a:r>
                     </a:p>
                   </a:txBody>
@@ -5165,8 +6315,8 @@
         </p:nvSpPr>
         <p:spPr>
           <a:xfrm>
-            <a:off x="4302025" y="3507613"/>
-            <a:ext cx="1" cy="523241"/>
+            <a:off x="4202131" y="2697681"/>
+            <a:ext cx="99896" cy="1333173"/>
           </a:xfrm>
           <a:prstGeom prst="line">
             <a:avLst/>
@@ -5221,8 +6371,8 @@
         </p:nvSpPr>
         <p:spPr>
           <a:xfrm>
-            <a:off x="6299641" y="3722624"/>
-            <a:ext cx="1" cy="1469019"/>
+            <a:off x="5923056" y="3102796"/>
+            <a:ext cx="770553" cy="2244906"/>
           </a:xfrm>
           <a:prstGeom prst="line">
             <a:avLst/>
@@ -5262,6 +6412,173 @@
               <a:solidFill>
                 <a:schemeClr val="tx1"/>
               </a:solidFill>
+              <a:latin typeface="Arial Unicode MS" panose="020B0604020202020204" pitchFamily="34" charset="-128"/>
+              <a:ea typeface="Arial Unicode MS" panose="020B0604020202020204" pitchFamily="34" charset="-128"/>
+              <a:cs typeface="Arial Unicode MS" panose="020B0604020202020204" pitchFamily="34" charset="-128"/>
+            </a:endParaRPr>
+          </a:p>
+        </p:txBody>
+      </p:sp>
+      <p:pic>
+        <p:nvPicPr>
+          <p:cNvPr id="7" name="Picture 6" descr="Qr code&#10;&#10;Description automatically generated with medium confidence">
+            <a:extLst>
+              <a:ext uri="{FF2B5EF4-FFF2-40B4-BE49-F238E27FC236}">
+                <a16:creationId xmlns:a16="http://schemas.microsoft.com/office/drawing/2014/main" id="{C09F0D46-FC62-8E49-278D-91AEBB90AA2A}"/>
+              </a:ext>
+            </a:extLst>
+          </p:cNvPr>
+          <p:cNvPicPr>
+            <a:picLocks noChangeAspect="1"/>
+          </p:cNvPicPr>
+          <p:nvPr/>
+        </p:nvPicPr>
+        <p:blipFill rotWithShape="1">
+          <a:blip r:embed="rId4" cstate="print">
+            <a:extLst>
+              <a:ext uri="{28A0092B-C50C-407E-A947-70E740481C1C}">
+                <a14:useLocalDpi xmlns:a14="http://schemas.microsoft.com/office/drawing/2010/main" val="0"/>
+              </a:ext>
+            </a:extLst>
+          </a:blip>
+          <a:srcRect l="41667"/>
+          <a:stretch/>
+        </p:blipFill>
+        <p:spPr>
+          <a:xfrm>
+            <a:off x="897994" y="1015139"/>
+            <a:ext cx="5954162" cy="2615899"/>
+          </a:xfrm>
+          <a:prstGeom prst="rect">
+            <a:avLst/>
+          </a:prstGeom>
+        </p:spPr>
+      </p:pic>
+      <p:sp>
+        <p:nvSpPr>
+          <p:cNvPr id="8" name="Shape 173">
+            <a:extLst>
+              <a:ext uri="{FF2B5EF4-FFF2-40B4-BE49-F238E27FC236}">
+                <a16:creationId xmlns:a16="http://schemas.microsoft.com/office/drawing/2014/main" id="{779D5915-1941-DA76-8590-C5F82D01E32D}"/>
+              </a:ext>
+            </a:extLst>
+          </p:cNvPr>
+          <p:cNvSpPr/>
+          <p:nvPr/>
+        </p:nvSpPr>
+        <p:spPr>
+          <a:xfrm>
+            <a:off x="3051505" y="1999343"/>
+            <a:ext cx="2085574" cy="3477823"/>
+          </a:xfrm>
+          <a:prstGeom prst="rect">
+            <a:avLst/>
+          </a:prstGeom>
+          <a:ln w="38100">
+            <a:solidFill>
+              <a:srgbClr val="FF2600"/>
+            </a:solidFill>
+            <a:round/>
+          </a:ln>
+        </p:spPr>
+        <p:txBody>
+          <a:bodyPr lIns="0" tIns="0" rIns="0" bIns="0"/>
+          <a:lstStyle/>
+          <a:p>
+            <a:pPr lvl="0">
+              <a:defRPr sz="1800">
+                <a:solidFill>
+                  <a:srgbClr val="FF2600"/>
+                </a:solidFill>
+                <a:latin typeface="+mn-lt"/>
+                <a:ea typeface="+mn-ea"/>
+                <a:cs typeface="+mn-cs"/>
+                <a:sym typeface="Arial"/>
+              </a:defRPr>
+            </a:pPr>
+            <a:endParaRPr dirty="0">
+              <a:solidFill>
+                <a:schemeClr val="tx1"/>
+              </a:solidFill>
+              <a:latin typeface="Arial Unicode MS" panose="020B0604020202020204" pitchFamily="34" charset="-128"/>
+              <a:ea typeface="Arial Unicode MS" panose="020B0604020202020204" pitchFamily="34" charset="-128"/>
+              <a:cs typeface="Arial Unicode MS" panose="020B0604020202020204" pitchFamily="34" charset="-128"/>
+            </a:endParaRPr>
+          </a:p>
+        </p:txBody>
+      </p:sp>
+      <p:sp>
+        <p:nvSpPr>
+          <p:cNvPr id="9" name="Shape 308">
+            <a:extLst>
+              <a:ext uri="{FF2B5EF4-FFF2-40B4-BE49-F238E27FC236}">
+                <a16:creationId xmlns:a16="http://schemas.microsoft.com/office/drawing/2014/main" id="{5D26D237-33FE-DD43-E940-1EB897B605FF}"/>
+              </a:ext>
+            </a:extLst>
+          </p:cNvPr>
+          <p:cNvSpPr/>
+          <p:nvPr/>
+        </p:nvSpPr>
+        <p:spPr>
+          <a:xfrm>
+            <a:off x="2861848" y="5422154"/>
+            <a:ext cx="2880358" cy="369332"/>
+          </a:xfrm>
+          <a:prstGeom prst="rect">
+            <a:avLst/>
+          </a:prstGeom>
+          <a:ln w="12700">
+            <a:miter lim="400000"/>
+          </a:ln>
+          <a:extLst>
+            <a:ext uri="{C572A759-6A51-4108-AA02-DFA0A04FC94B}">
+              <ma14:wrappingTextBoxFlag xmlns:ma14="http://schemas.microsoft.com/office/mac/drawingml/2011/main" xmlns="" val="1"/>
+            </a:ext>
+          </a:extLst>
+        </p:spPr>
+        <p:txBody>
+          <a:bodyPr wrap="square" lIns="0" tIns="0" rIns="0" bIns="0">
+            <a:spAutoFit/>
+          </a:bodyPr>
+          <a:lstStyle>
+            <a:lvl1pPr>
+              <a:defRPr>
+                <a:solidFill>
+                  <a:srgbClr val="FF2600"/>
+                </a:solidFill>
+              </a:defRPr>
+            </a:lvl1pPr>
+          </a:lstStyle>
+          <a:p>
+            <a:pPr lvl="0" algn="ctr">
+              <a:defRPr sz="1800">
+                <a:solidFill>
+                  <a:srgbClr val="000000"/>
+                </a:solidFill>
+                <a:uFillTx/>
+              </a:defRPr>
+            </a:pPr>
+            <a:r>
+              <a:rPr lang="en-US" sz="2400" b="1" dirty="0">
+                <a:solidFill>
+                  <a:srgbClr val="57068C"/>
+                </a:solidFill>
+                <a:uFill>
+                  <a:solidFill/>
+                </a:uFill>
+                <a:latin typeface="Arial Unicode MS" panose="020B0604020202020204" pitchFamily="34" charset="-128"/>
+                <a:ea typeface="Arial Unicode MS" panose="020B0604020202020204" pitchFamily="34" charset="-128"/>
+                <a:cs typeface="Arial Unicode MS" panose="020B0604020202020204" pitchFamily="34" charset="-128"/>
+              </a:rPr>
+              <a:t>Bridge Table</a:t>
+            </a:r>
+            <a:endParaRPr sz="2400" dirty="0">
+              <a:solidFill>
+                <a:srgbClr val="57068C"/>
+              </a:solidFill>
+              <a:uFill>
+                <a:solidFill/>
+              </a:uFill>
               <a:latin typeface="Arial Unicode MS" panose="020B0604020202020204" pitchFamily="34" charset="-128"/>
               <a:ea typeface="Arial Unicode MS" panose="020B0604020202020204" pitchFamily="34" charset="-128"/>
               <a:cs typeface="Arial Unicode MS" panose="020B0604020202020204" pitchFamily="34" charset="-128"/>
@@ -5301,7 +6618,7 @@
                             </p:stCondLst>
                             <p:childTnLst>
                               <p:par>
-                                <p:cTn id="5" presetID="23" presetClass="entr" presetSubtype="32" fill="hold" grpId="0" nodeType="clickEffect">
+                                <p:cTn id="5" presetID="9" presetClass="entr" presetSubtype="16" fill="hold" grpId="0" nodeType="clickEffect">
                                   <p:stCondLst>
                                     <p:cond delay="0"/>
                                   </p:stCondLst>
@@ -5312,96 +6629,6 @@
                                     <p:set>
                                       <p:cBhvr>
                                         <p:cTn id="6" fill="hold"/>
-                                        <p:tgtEl>
-                                          <p:spTgt spid="158"/>
-                                        </p:tgtEl>
-                                        <p:attrNameLst>
-                                          <p:attrName>style.visibility</p:attrName>
-                                        </p:attrNameLst>
-                                      </p:cBhvr>
-                                      <p:to>
-                                        <p:strVal val="visible"/>
-                                      </p:to>
-                                    </p:set>
-                                    <p:anim calcmode="lin" valueType="num">
-                                      <p:cBhvr>
-                                        <p:cTn id="7" dur="750" fill="hold"/>
-                                        <p:tgtEl>
-                                          <p:spTgt spid="158"/>
-                                        </p:tgtEl>
-                                        <p:attrNameLst>
-                                          <p:attrName>ppt_w</p:attrName>
-                                        </p:attrNameLst>
-                                      </p:cBhvr>
-                                      <p:tavLst>
-                                        <p:tav tm="0">
-                                          <p:val>
-                                            <p:fltVal val="0"/>
-                                          </p:val>
-                                        </p:tav>
-                                        <p:tav tm="100000">
-                                          <p:val>
-                                            <p:strVal val="#ppt_w"/>
-                                          </p:val>
-                                        </p:tav>
-                                      </p:tavLst>
-                                    </p:anim>
-                                    <p:anim calcmode="lin" valueType="num">
-                                      <p:cBhvr>
-                                        <p:cTn id="8" dur="750" fill="hold"/>
-                                        <p:tgtEl>
-                                          <p:spTgt spid="158"/>
-                                        </p:tgtEl>
-                                        <p:attrNameLst>
-                                          <p:attrName>ppt_h</p:attrName>
-                                        </p:attrNameLst>
-                                      </p:cBhvr>
-                                      <p:tavLst>
-                                        <p:tav tm="0">
-                                          <p:val>
-                                            <p:fltVal val="0"/>
-                                          </p:val>
-                                        </p:tav>
-                                        <p:tav tm="100000">
-                                          <p:val>
-                                            <p:strVal val="#ppt_h"/>
-                                          </p:val>
-                                        </p:tav>
-                                      </p:tavLst>
-                                    </p:anim>
-                                  </p:childTnLst>
-                                </p:cTn>
-                              </p:par>
-                            </p:childTnLst>
-                          </p:cTn>
-                        </p:par>
-                      </p:childTnLst>
-                    </p:cTn>
-                  </p:par>
-                  <p:par>
-                    <p:cTn id="9" fill="hold">
-                      <p:stCondLst>
-                        <p:cond delay="indefinite"/>
-                      </p:stCondLst>
-                      <p:childTnLst>
-                        <p:par>
-                          <p:cTn id="10" fill="hold">
-                            <p:stCondLst>
-                              <p:cond delay="0"/>
-                            </p:stCondLst>
-                            <p:childTnLst>
-                              <p:par>
-                                <p:cTn id="11" presetID="9" presetClass="entr" presetSubtype="16" fill="hold" grpId="0" nodeType="clickEffect">
-                                  <p:stCondLst>
-                                    <p:cond delay="0"/>
-                                  </p:stCondLst>
-                                  <p:iterate>
-                                    <p:tmAbs val="0"/>
-                                  </p:iterate>
-                                  <p:childTnLst>
-                                    <p:set>
-                                      <p:cBhvr>
-                                        <p:cTn id="12" fill="hold"/>
                                         <p:tgtEl>
                                           <p:spTgt spid="163"/>
                                         </p:tgtEl>
@@ -5415,7 +6642,7 @@
                                     </p:set>
                                     <p:animEffect transition="in" filter="dissolve(in)">
                                       <p:cBhvr>
-                                        <p:cTn id="13" dur="750"/>
+                                        <p:cTn id="7" dur="750"/>
                                         <p:tgtEl>
                                           <p:spTgt spid="163"/>
                                         </p:tgtEl>
@@ -5431,19 +6658,19 @@
                     </p:cTn>
                   </p:par>
                   <p:par>
-                    <p:cTn id="14" fill="hold">
+                    <p:cTn id="8" fill="hold">
                       <p:stCondLst>
                         <p:cond delay="indefinite"/>
                       </p:stCondLst>
                       <p:childTnLst>
                         <p:par>
-                          <p:cTn id="15" fill="hold">
+                          <p:cTn id="9" fill="hold">
                             <p:stCondLst>
                               <p:cond delay="0"/>
                             </p:stCondLst>
                             <p:childTnLst>
                               <p:par>
-                                <p:cTn id="16" presetID="23" presetClass="entr" presetSubtype="32" fill="hold" grpId="0" nodeType="clickEffect">
+                                <p:cTn id="10" presetID="23" presetClass="entr" presetSubtype="32" fill="hold" grpId="0" nodeType="clickEffect">
                                   <p:stCondLst>
                                     <p:cond delay="0"/>
                                   </p:stCondLst>
@@ -5453,7 +6680,7 @@
                                   <p:childTnLst>
                                     <p:set>
                                       <p:cBhvr>
-                                        <p:cTn id="17" fill="hold"/>
+                                        <p:cTn id="11" fill="hold"/>
                                         <p:tgtEl>
                                           <p:spTgt spid="160"/>
                                         </p:tgtEl>
@@ -5467,7 +6694,7 @@
                                     </p:set>
                                     <p:anim calcmode="lin" valueType="num">
                                       <p:cBhvr>
-                                        <p:cTn id="18" dur="750" fill="hold"/>
+                                        <p:cTn id="12" dur="750" fill="hold"/>
                                         <p:tgtEl>
                                           <p:spTgt spid="160"/>
                                         </p:tgtEl>
@@ -5490,7 +6717,7 @@
                                     </p:anim>
                                     <p:anim calcmode="lin" valueType="num">
                                       <p:cBhvr>
-                                        <p:cTn id="19" dur="750" fill="hold"/>
+                                        <p:cTn id="13" dur="750" fill="hold"/>
                                         <p:tgtEl>
                                           <p:spTgt spid="160"/>
                                         </p:tgtEl>
@@ -5521,19 +6748,19 @@
                     </p:cTn>
                   </p:par>
                   <p:par>
-                    <p:cTn id="20" fill="hold">
+                    <p:cTn id="14" fill="hold">
                       <p:stCondLst>
                         <p:cond delay="indefinite"/>
                       </p:stCondLst>
                       <p:childTnLst>
                         <p:par>
-                          <p:cTn id="21" fill="hold">
+                          <p:cTn id="15" fill="hold">
                             <p:stCondLst>
                               <p:cond delay="0"/>
                             </p:stCondLst>
                             <p:childTnLst>
                               <p:par>
-                                <p:cTn id="22" presetID="9" presetClass="entr" presetSubtype="16" fill="hold" grpId="0" nodeType="clickEffect">
+                                <p:cTn id="16" presetID="9" presetClass="entr" presetSubtype="16" fill="hold" grpId="0" nodeType="clickEffect">
                                   <p:stCondLst>
                                     <p:cond delay="0"/>
                                   </p:stCondLst>
@@ -5543,7 +6770,7 @@
                                   <p:childTnLst>
                                     <p:set>
                                       <p:cBhvr>
-                                        <p:cTn id="23" fill="hold"/>
+                                        <p:cTn id="17" fill="hold"/>
                                         <p:tgtEl>
                                           <p:spTgt spid="162"/>
                                         </p:tgtEl>
@@ -5557,7 +6784,7 @@
                                     </p:set>
                                     <p:animEffect transition="in" filter="dissolve(in)">
                                       <p:cBhvr>
-                                        <p:cTn id="24" dur="750"/>
+                                        <p:cTn id="18" dur="750"/>
                                         <p:tgtEl>
                                           <p:spTgt spid="162"/>
                                         </p:tgtEl>
@@ -5573,19 +6800,19 @@
                     </p:cTn>
                   </p:par>
                   <p:par>
-                    <p:cTn id="25" fill="hold">
+                    <p:cTn id="19" fill="hold">
                       <p:stCondLst>
                         <p:cond delay="indefinite"/>
                       </p:stCondLst>
                       <p:childTnLst>
                         <p:par>
-                          <p:cTn id="26" fill="hold">
+                          <p:cTn id="20" fill="hold">
                             <p:stCondLst>
                               <p:cond delay="0"/>
                             </p:stCondLst>
                             <p:childTnLst>
                               <p:par>
-                                <p:cTn id="27" presetID="23" presetClass="entr" presetSubtype="32" fill="hold" grpId="0" nodeType="clickEffect">
+                                <p:cTn id="21" presetID="23" presetClass="entr" presetSubtype="32" fill="hold" grpId="0" nodeType="clickEffect">
                                   <p:stCondLst>
                                     <p:cond delay="0"/>
                                   </p:stCondLst>
@@ -5595,7 +6822,7 @@
                                   <p:childTnLst>
                                     <p:set>
                                       <p:cBhvr>
-                                        <p:cTn id="28" fill="hold"/>
+                                        <p:cTn id="22" fill="hold"/>
                                         <p:tgtEl>
                                           <p:spTgt spid="159"/>
                                         </p:tgtEl>
@@ -5609,7 +6836,7 @@
                                     </p:set>
                                     <p:anim calcmode="lin" valueType="num">
                                       <p:cBhvr>
-                                        <p:cTn id="29" dur="750" fill="hold"/>
+                                        <p:cTn id="23" dur="750" fill="hold"/>
                                         <p:tgtEl>
                                           <p:spTgt spid="159"/>
                                         </p:tgtEl>
@@ -5632,7 +6859,7 @@
                                     </p:anim>
                                     <p:anim calcmode="lin" valueType="num">
                                       <p:cBhvr>
-                                        <p:cTn id="30" dur="750" fill="hold"/>
+                                        <p:cTn id="24" dur="750" fill="hold"/>
                                         <p:tgtEl>
                                           <p:spTgt spid="159"/>
                                         </p:tgtEl>
@@ -5663,19 +6890,19 @@
                     </p:cTn>
                   </p:par>
                   <p:par>
-                    <p:cTn id="31" fill="hold">
+                    <p:cTn id="25" fill="hold">
                       <p:stCondLst>
                         <p:cond delay="indefinite"/>
                       </p:stCondLst>
                       <p:childTnLst>
                         <p:par>
-                          <p:cTn id="32" fill="hold">
+                          <p:cTn id="26" fill="hold">
                             <p:stCondLst>
                               <p:cond delay="0"/>
                             </p:stCondLst>
                             <p:childTnLst>
                               <p:par>
-                                <p:cTn id="33" presetID="9" presetClass="entr" presetSubtype="16" fill="hold" grpId="0" nodeType="clickEffect">
+                                <p:cTn id="27" presetID="9" presetClass="entr" presetSubtype="16" fill="hold" grpId="0" nodeType="clickEffect">
                                   <p:stCondLst>
                                     <p:cond delay="0"/>
                                   </p:stCondLst>
@@ -5685,7 +6912,7 @@
                                   <p:childTnLst>
                                     <p:set>
                                       <p:cBhvr>
-                                        <p:cTn id="34" fill="hold"/>
+                                        <p:cTn id="28" fill="hold"/>
                                         <p:tgtEl>
                                           <p:spTgt spid="164"/>
                                         </p:tgtEl>
@@ -5699,12 +6926,102 @@
                                     </p:set>
                                     <p:animEffect transition="in" filter="dissolve(in)">
                                       <p:cBhvr>
-                                        <p:cTn id="35" dur="750"/>
+                                        <p:cTn id="29" dur="750"/>
                                         <p:tgtEl>
                                           <p:spTgt spid="164"/>
                                         </p:tgtEl>
                                       </p:cBhvr>
                                     </p:animEffect>
+                                  </p:childTnLst>
+                                </p:cTn>
+                              </p:par>
+                            </p:childTnLst>
+                          </p:cTn>
+                        </p:par>
+                      </p:childTnLst>
+                    </p:cTn>
+                  </p:par>
+                  <p:par>
+                    <p:cTn id="30" fill="hold">
+                      <p:stCondLst>
+                        <p:cond delay="indefinite"/>
+                      </p:stCondLst>
+                      <p:childTnLst>
+                        <p:par>
+                          <p:cTn id="31" fill="hold">
+                            <p:stCondLst>
+                              <p:cond delay="0"/>
+                            </p:stCondLst>
+                            <p:childTnLst>
+                              <p:par>
+                                <p:cTn id="32" presetID="23" presetClass="entr" presetSubtype="32" fill="hold" grpId="0" nodeType="clickEffect">
+                                  <p:stCondLst>
+                                    <p:cond delay="0"/>
+                                  </p:stCondLst>
+                                  <p:iterate>
+                                    <p:tmAbs val="0"/>
+                                  </p:iterate>
+                                  <p:childTnLst>
+                                    <p:set>
+                                      <p:cBhvr>
+                                        <p:cTn id="33" fill="hold"/>
+                                        <p:tgtEl>
+                                          <p:spTgt spid="161"/>
+                                        </p:tgtEl>
+                                        <p:attrNameLst>
+                                          <p:attrName>style.visibility</p:attrName>
+                                        </p:attrNameLst>
+                                      </p:cBhvr>
+                                      <p:to>
+                                        <p:strVal val="visible"/>
+                                      </p:to>
+                                    </p:set>
+                                    <p:anim calcmode="lin" valueType="num">
+                                      <p:cBhvr>
+                                        <p:cTn id="34" dur="750" fill="hold"/>
+                                        <p:tgtEl>
+                                          <p:spTgt spid="161"/>
+                                        </p:tgtEl>
+                                        <p:attrNameLst>
+                                          <p:attrName>ppt_w</p:attrName>
+                                        </p:attrNameLst>
+                                      </p:cBhvr>
+                                      <p:tavLst>
+                                        <p:tav tm="0">
+                                          <p:val>
+                                            <p:fltVal val="0"/>
+                                          </p:val>
+                                        </p:tav>
+                                        <p:tav tm="100000">
+                                          <p:val>
+                                            <p:strVal val="#ppt_w"/>
+                                          </p:val>
+                                        </p:tav>
+                                      </p:tavLst>
+                                    </p:anim>
+                                    <p:anim calcmode="lin" valueType="num">
+                                      <p:cBhvr>
+                                        <p:cTn id="35" dur="750" fill="hold"/>
+                                        <p:tgtEl>
+                                          <p:spTgt spid="161"/>
+                                        </p:tgtEl>
+                                        <p:attrNameLst>
+                                          <p:attrName>ppt_h</p:attrName>
+                                        </p:attrNameLst>
+                                      </p:cBhvr>
+                                      <p:tavLst>
+                                        <p:tav tm="0">
+                                          <p:val>
+                                            <p:fltVal val="0"/>
+                                          </p:val>
+                                        </p:tav>
+                                        <p:tav tm="100000">
+                                          <p:val>
+                                            <p:strVal val="#ppt_h"/>
+                                          </p:val>
+                                        </p:tav>
+                                      </p:tavLst>
+                                    </p:anim>
                                   </p:childTnLst>
                                 </p:cTn>
                               </p:par>
@@ -5727,7 +7044,7 @@
                             </p:stCondLst>
                             <p:childTnLst>
                               <p:par>
-                                <p:cTn id="38" presetID="23" presetClass="entr" presetSubtype="32" fill="hold" grpId="0" nodeType="clickEffect">
+                                <p:cTn id="38" presetID="9" presetClass="entr" presetSubtype="16" fill="hold" grpId="0" nodeType="clickEffect">
                                   <p:stCondLst>
                                     <p:cond delay="0"/>
                                   </p:stCondLst>
@@ -5739,7 +7056,7 @@
                                       <p:cBhvr>
                                         <p:cTn id="39" fill="hold"/>
                                         <p:tgtEl>
-                                          <p:spTgt spid="161"/>
+                                          <p:spTgt spid="8"/>
                                         </p:tgtEl>
                                         <p:attrNameLst>
                                           <p:attrName>style.visibility</p:attrName>
@@ -5749,52 +7066,14 @@
                                         <p:strVal val="visible"/>
                                       </p:to>
                                     </p:set>
-                                    <p:anim calcmode="lin" valueType="num">
+                                    <p:animEffect transition="in" filter="dissolve(in)">
                                       <p:cBhvr>
-                                        <p:cTn id="40" dur="750" fill="hold"/>
+                                        <p:cTn id="40" dur="750"/>
                                         <p:tgtEl>
-                                          <p:spTgt spid="161"/>
+                                          <p:spTgt spid="8"/>
                                         </p:tgtEl>
-                                        <p:attrNameLst>
-                                          <p:attrName>ppt_w</p:attrName>
-                                        </p:attrNameLst>
                                       </p:cBhvr>
-                                      <p:tavLst>
-                                        <p:tav tm="0">
-                                          <p:val>
-                                            <p:fltVal val="0"/>
-                                          </p:val>
-                                        </p:tav>
-                                        <p:tav tm="100000">
-                                          <p:val>
-                                            <p:strVal val="#ppt_w"/>
-                                          </p:val>
-                                        </p:tav>
-                                      </p:tavLst>
-                                    </p:anim>
-                                    <p:anim calcmode="lin" valueType="num">
-                                      <p:cBhvr>
-                                        <p:cTn id="41" dur="750" fill="hold"/>
-                                        <p:tgtEl>
-                                          <p:spTgt spid="161"/>
-                                        </p:tgtEl>
-                                        <p:attrNameLst>
-                                          <p:attrName>ppt_h</p:attrName>
-                                        </p:attrNameLst>
-                                      </p:cBhvr>
-                                      <p:tavLst>
-                                        <p:tav tm="0">
-                                          <p:val>
-                                            <p:fltVal val="0"/>
-                                          </p:val>
-                                        </p:tav>
-                                        <p:tav tm="100000">
-                                          <p:val>
-                                            <p:strVal val="#ppt_h"/>
-                                          </p:val>
-                                        </p:tav>
-                                      </p:tavLst>
-                                    </p:anim>
+                                    </p:animEffect>
                                   </p:childTnLst>
                                 </p:cTn>
                               </p:par>
@@ -5826,19 +7105,187 @@
       </p:par>
     </p:tnLst>
     <p:bldLst>
-      <p:bldP spid="158" grpId="0" animBg="1" advAuto="0"/>
       <p:bldP spid="159" grpId="0" advAuto="0"/>
       <p:bldP spid="160" grpId="0" advAuto="0"/>
       <p:bldP spid="161" grpId="0" advAuto="0"/>
       <p:bldP spid="162" grpId="0" animBg="1" advAuto="0"/>
       <p:bldP spid="163" grpId="0" animBg="1" advAuto="0"/>
       <p:bldP spid="164" grpId="0" animBg="1" advAuto="0"/>
+      <p:bldP spid="8" grpId="0" animBg="1" advAuto="0"/>
     </p:bldLst>
   </p:timing>
 </p:sld>
 </file>
 
-<file path=ppt/slides/slide11.xml><?xml version="1.0" encoding="utf-8"?>
+<file path=ppt/slides/slide13.xml><?xml version="1.0" encoding="utf-8"?>
+<p:sld xmlns:a="http://schemas.openxmlformats.org/drawingml/2006/main" xmlns:r="http://schemas.openxmlformats.org/officeDocument/2006/relationships" xmlns:p="http://schemas.openxmlformats.org/presentationml/2006/main">
+  <p:cSld>
+    <p:spTree>
+      <p:nvGrpSpPr>
+        <p:cNvPr id="1" name=""/>
+        <p:cNvGrpSpPr/>
+        <p:nvPr/>
+      </p:nvGrpSpPr>
+      <p:grpSpPr>
+        <a:xfrm>
+          <a:off x="0" y="0"/>
+          <a:ext cx="0" cy="0"/>
+          <a:chOff x="0" y="0"/>
+          <a:chExt cx="0" cy="0"/>
+        </a:xfrm>
+      </p:grpSpPr>
+      <p:sp>
+        <p:nvSpPr>
+          <p:cNvPr id="4" name="Shape 126">
+            <a:extLst>
+              <a:ext uri="{FF2B5EF4-FFF2-40B4-BE49-F238E27FC236}">
+                <a16:creationId xmlns:a16="http://schemas.microsoft.com/office/drawing/2014/main" id="{A08D1A6C-B119-C791-BF32-A0C30CF23009}"/>
+              </a:ext>
+            </a:extLst>
+          </p:cNvPr>
+          <p:cNvSpPr/>
+          <p:nvPr/>
+        </p:nvSpPr>
+        <p:spPr>
+          <a:xfrm>
+            <a:off x="386308" y="147496"/>
+            <a:ext cx="7757379" cy="553998"/>
+          </a:xfrm>
+          <a:prstGeom prst="rect">
+            <a:avLst/>
+          </a:prstGeom>
+          <a:ln w="12700">
+            <a:miter lim="400000"/>
+          </a:ln>
+          <a:extLst>
+            <a:ext uri="{C572A759-6A51-4108-AA02-DFA0A04FC94B}">
+              <ma14:wrappingTextBoxFlag xmlns:ma14="http://schemas.microsoft.com/office/mac/drawingml/2011/main" xmlns="" val="1"/>
+            </a:ext>
+          </a:extLst>
+        </p:spPr>
+        <p:txBody>
+          <a:bodyPr lIns="45719" rIns="45719">
+            <a:spAutoFit/>
+          </a:bodyPr>
+          <a:lstStyle>
+            <a:lvl1pPr>
+              <a:defRPr sz="3000" b="1">
+                <a:uFill>
+                  <a:solidFill>
+                    <a:srgbClr val="FFFFFF"/>
+                  </a:solidFill>
+                </a:uFill>
+              </a:defRPr>
+            </a:lvl1pPr>
+          </a:lstStyle>
+          <a:p>
+            <a:pPr lvl="0">
+              <a:defRPr sz="1800" b="0">
+                <a:solidFill>
+                  <a:srgbClr val="000000"/>
+                </a:solidFill>
+                <a:uFillTx/>
+              </a:defRPr>
+            </a:pPr>
+            <a:r>
+              <a:rPr sz="3000" b="1" dirty="0">
+                <a:solidFill>
+                  <a:srgbClr val="57068C"/>
+                </a:solidFill>
+                <a:uFill>
+                  <a:solidFill>
+                    <a:srgbClr val="FFFFFF"/>
+                  </a:solidFill>
+                </a:uFill>
+                <a:latin typeface="Arial Unicode MS" panose="020B0604020202020204" pitchFamily="34" charset="-128"/>
+                <a:ea typeface="Arial Unicode MS" panose="020B0604020202020204" pitchFamily="34" charset="-128"/>
+                <a:cs typeface="Arial Unicode MS" panose="020B0604020202020204" pitchFamily="34" charset="-128"/>
+              </a:rPr>
+              <a:t>Relational </a:t>
+            </a:r>
+            <a:r>
+              <a:rPr lang="en-US" sz="3000" b="1" dirty="0">
+                <a:solidFill>
+                  <a:srgbClr val="57068C"/>
+                </a:solidFill>
+                <a:uFill>
+                  <a:solidFill>
+                    <a:srgbClr val="FFFFFF"/>
+                  </a:solidFill>
+                </a:uFill>
+                <a:latin typeface="Arial Unicode MS" panose="020B0604020202020204" pitchFamily="34" charset="-128"/>
+                <a:ea typeface="Arial Unicode MS" panose="020B0604020202020204" pitchFamily="34" charset="-128"/>
+                <a:cs typeface="Arial Unicode MS" panose="020B0604020202020204" pitchFamily="34" charset="-128"/>
+              </a:rPr>
+              <a:t>Schema</a:t>
+            </a:r>
+            <a:endParaRPr sz="3000" b="1" dirty="0">
+              <a:solidFill>
+                <a:srgbClr val="57068C"/>
+              </a:solidFill>
+              <a:uFill>
+                <a:solidFill>
+                  <a:srgbClr val="FFFFFF"/>
+                </a:solidFill>
+              </a:uFill>
+              <a:latin typeface="Arial Unicode MS" panose="020B0604020202020204" pitchFamily="34" charset="-128"/>
+              <a:ea typeface="Arial Unicode MS" panose="020B0604020202020204" pitchFamily="34" charset="-128"/>
+              <a:cs typeface="Arial Unicode MS" panose="020B0604020202020204" pitchFamily="34" charset="-128"/>
+            </a:endParaRPr>
+          </a:p>
+        </p:txBody>
+      </p:sp>
+      <p:pic>
+        <p:nvPicPr>
+          <p:cNvPr id="5" name="Picture 4" descr="Text&#10;&#10;Description automatically generated">
+            <a:extLst>
+              <a:ext uri="{FF2B5EF4-FFF2-40B4-BE49-F238E27FC236}">
+                <a16:creationId xmlns:a16="http://schemas.microsoft.com/office/drawing/2014/main" id="{D346CF24-3B67-5914-3258-C76E7F269834}"/>
+              </a:ext>
+            </a:extLst>
+          </p:cNvPr>
+          <p:cNvPicPr>
+            <a:picLocks noChangeAspect="1"/>
+          </p:cNvPicPr>
+          <p:nvPr/>
+        </p:nvPicPr>
+        <p:blipFill>
+          <a:blip r:embed="rId2" cstate="print">
+            <a:extLst>
+              <a:ext uri="{28A0092B-C50C-407E-A947-70E740481C1C}">
+                <a14:useLocalDpi xmlns:a14="http://schemas.microsoft.com/office/drawing/2010/main" val="0"/>
+              </a:ext>
+            </a:extLst>
+          </a:blip>
+          <a:stretch>
+            <a:fillRect/>
+          </a:stretch>
+        </p:blipFill>
+        <p:spPr>
+          <a:xfrm>
+            <a:off x="0" y="1949482"/>
+            <a:ext cx="9144000" cy="2959036"/>
+          </a:xfrm>
+          <a:prstGeom prst="rect">
+            <a:avLst/>
+          </a:prstGeom>
+        </p:spPr>
+      </p:pic>
+    </p:spTree>
+    <p:extLst>
+      <p:ext uri="{BB962C8B-B14F-4D97-AF65-F5344CB8AC3E}">
+        <p14:creationId xmlns:p14="http://schemas.microsoft.com/office/powerpoint/2010/main" val="2168037345"/>
+      </p:ext>
+    </p:extLst>
+  </p:cSld>
+  <p:clrMapOvr>
+    <a:masterClrMapping/>
+  </p:clrMapOvr>
+  <p:transition spd="med"/>
+</p:sld>
+</file>
+
+<file path=ppt/slides/slide14.xml><?xml version="1.0" encoding="utf-8"?>
 <p:sld xmlns:a="http://schemas.openxmlformats.org/drawingml/2006/main" xmlns:r="http://schemas.openxmlformats.org/officeDocument/2006/relationships" xmlns:p="http://schemas.openxmlformats.org/presentationml/2006/main">
   <p:cSld>
     <p:spTree>
@@ -5874,7 +7321,7 @@
           </a:ln>
           <a:extLst>
             <a:ext uri="{C572A759-6A51-4108-AA02-DFA0A04FC94B}">
-              <ma14:wrappingTextBoxFlag xmlns="" xmlns:ma14="http://schemas.microsoft.com/office/mac/drawingml/2011/main" val="1"/>
+              <ma14:wrappingTextBoxFlag xmlns:ma14="http://schemas.microsoft.com/office/mac/drawingml/2011/main" xmlns="" val="1"/>
             </a:ext>
           </a:extLst>
         </p:spPr>
@@ -5930,7 +7377,7 @@
         <p:spPr>
           <a:xfrm>
             <a:off x="330200" y="1130300"/>
-            <a:ext cx="7590195" cy="4355038"/>
+            <a:ext cx="8527288" cy="3339376"/>
           </a:xfrm>
           <a:prstGeom prst="rect">
             <a:avLst/>
@@ -5940,12 +7387,12 @@
           </a:ln>
           <a:extLst>
             <a:ext uri="{C572A759-6A51-4108-AA02-DFA0A04FC94B}">
-              <ma14:wrappingTextBoxFlag xmlns="" xmlns:ma14="http://schemas.microsoft.com/office/mac/drawingml/2011/main" val="1"/>
+              <ma14:wrappingTextBoxFlag xmlns:ma14="http://schemas.microsoft.com/office/mac/drawingml/2011/main" xmlns="" val="1"/>
             </a:ext>
           </a:extLst>
         </p:spPr>
         <p:txBody>
-          <a:bodyPr lIns="45719" rIns="45719">
+          <a:bodyPr wrap="square" lIns="45719" rIns="45719">
             <a:spAutoFit/>
           </a:bodyPr>
           <a:lstStyle/>
@@ -6004,7 +7451,22 @@
                 <a:cs typeface="Arial Unicode MS" panose="020B0604020202020204" pitchFamily="34" charset="-128"/>
                 <a:sym typeface="Iowan Old Style Roman"/>
               </a:rPr>
-              <a:t>meter_no</a:t>
+              <a:t>meter_</a:t>
+            </a:r>
+            <a:r>
+              <a:rPr lang="en-US" sz="2200" u="sng" dirty="0" err="1">
+                <a:solidFill>
+                  <a:schemeClr val="tx1"/>
+                </a:solidFill>
+                <a:uFill>
+                  <a:solidFill/>
+                </a:uFill>
+                <a:latin typeface="Arial Unicode MS" panose="020B0604020202020204" pitchFamily="34" charset="-128"/>
+                <a:ea typeface="Arial Unicode MS" panose="020B0604020202020204" pitchFamily="34" charset="-128"/>
+                <a:cs typeface="Arial Unicode MS" panose="020B0604020202020204" pitchFamily="34" charset="-128"/>
+                <a:sym typeface="Iowan Old Style Roman"/>
+              </a:rPr>
+              <a:t>id</a:t>
             </a:r>
             <a:r>
               <a:rPr sz="2200" dirty="0">
@@ -6034,7 +7496,22 @@
                 <a:cs typeface="Arial Unicode MS" panose="020B0604020202020204" pitchFamily="34" charset="-128"/>
                 <a:sym typeface="Iowan Old Style Roman"/>
               </a:rPr>
-              <a:t>cust_no</a:t>
+              <a:t>cust_</a:t>
+            </a:r>
+            <a:r>
+              <a:rPr lang="en-US" sz="2200" i="1" dirty="0" err="1">
+                <a:solidFill>
+                  <a:schemeClr val="tx1"/>
+                </a:solidFill>
+                <a:uFill>
+                  <a:solidFill/>
+                </a:uFill>
+                <a:latin typeface="Arial Unicode MS" panose="020B0604020202020204" pitchFamily="34" charset="-128"/>
+                <a:ea typeface="Arial Unicode MS" panose="020B0604020202020204" pitchFamily="34" charset="-128"/>
+                <a:cs typeface="Arial Unicode MS" panose="020B0604020202020204" pitchFamily="34" charset="-128"/>
+                <a:sym typeface="Iowan Old Style Roman"/>
+              </a:rPr>
+              <a:t>id</a:t>
             </a:r>
             <a:r>
               <a:rPr sz="2200" dirty="0">
@@ -6107,7 +7584,22 @@
                 <a:cs typeface="Arial Unicode MS" panose="020B0604020202020204" pitchFamily="34" charset="-128"/>
                 <a:sym typeface="Iowan Old Style Roman"/>
               </a:rPr>
-              <a:t>cust_no</a:t>
+              <a:t>cust_</a:t>
+            </a:r>
+            <a:r>
+              <a:rPr lang="en-US" sz="2200" u="sng" dirty="0" err="1">
+                <a:solidFill>
+                  <a:schemeClr val="tx1"/>
+                </a:solidFill>
+                <a:uFill>
+                  <a:solidFill/>
+                </a:uFill>
+                <a:latin typeface="Arial Unicode MS" panose="020B0604020202020204" pitchFamily="34" charset="-128"/>
+                <a:ea typeface="Arial Unicode MS" panose="020B0604020202020204" pitchFamily="34" charset="-128"/>
+                <a:cs typeface="Arial Unicode MS" panose="020B0604020202020204" pitchFamily="34" charset="-128"/>
+                <a:sym typeface="Iowan Old Style Roman"/>
+              </a:rPr>
+              <a:t>id</a:t>
             </a:r>
             <a:r>
               <a:rPr sz="2200" dirty="0">
@@ -6122,7 +7614,37 @@
                 <a:cs typeface="Arial Unicode MS" panose="020B0604020202020204" pitchFamily="34" charset="-128"/>
                 <a:sym typeface="Iowan Old Style Roman"/>
               </a:rPr>
-              <a:t>, name, street, type, </a:t>
+              <a:t>, name, </a:t>
+            </a:r>
+            <a:r>
+              <a:rPr lang="en-US" sz="2200" dirty="0">
+                <a:solidFill>
+                  <a:schemeClr val="tx1"/>
+                </a:solidFill>
+                <a:uFill>
+                  <a:solidFill/>
+                </a:uFill>
+                <a:latin typeface="Arial Unicode MS" panose="020B0604020202020204" pitchFamily="34" charset="-128"/>
+                <a:ea typeface="Arial Unicode MS" panose="020B0604020202020204" pitchFamily="34" charset="-128"/>
+                <a:cs typeface="Arial Unicode MS" panose="020B0604020202020204" pitchFamily="34" charset="-128"/>
+                <a:sym typeface="Iowan Old Style Roman"/>
+              </a:rPr>
+              <a:t>address</a:t>
+            </a:r>
+            <a:r>
+              <a:rPr sz="2200" dirty="0">
+                <a:solidFill>
+                  <a:schemeClr val="tx1"/>
+                </a:solidFill>
+                <a:uFill>
+                  <a:solidFill/>
+                </a:uFill>
+                <a:latin typeface="Arial Unicode MS" panose="020B0604020202020204" pitchFamily="34" charset="-128"/>
+                <a:ea typeface="Arial Unicode MS" panose="020B0604020202020204" pitchFamily="34" charset="-128"/>
+                <a:cs typeface="Arial Unicode MS" panose="020B0604020202020204" pitchFamily="34" charset="-128"/>
+                <a:sym typeface="Iowan Old Style Roman"/>
+              </a:rPr>
+              <a:t>, type, </a:t>
             </a:r>
             <a:r>
               <a:rPr sz="2200" i="1" dirty="0" err="1">
@@ -6137,7 +7659,22 @@
                 <a:cs typeface="Arial Unicode MS" panose="020B0604020202020204" pitchFamily="34" charset="-128"/>
                 <a:sym typeface="Iowan Old Style Roman"/>
               </a:rPr>
-              <a:t>rate_no</a:t>
+              <a:t>rate_</a:t>
+            </a:r>
+            <a:r>
+              <a:rPr lang="en-US" sz="2200" i="1" dirty="0" err="1">
+                <a:solidFill>
+                  <a:schemeClr val="tx1"/>
+                </a:solidFill>
+                <a:uFill>
+                  <a:solidFill/>
+                </a:uFill>
+                <a:latin typeface="Arial Unicode MS" panose="020B0604020202020204" pitchFamily="34" charset="-128"/>
+                <a:ea typeface="Arial Unicode MS" panose="020B0604020202020204" pitchFamily="34" charset="-128"/>
+                <a:cs typeface="Arial Unicode MS" panose="020B0604020202020204" pitchFamily="34" charset="-128"/>
+                <a:sym typeface="Iowan Old Style Roman"/>
+              </a:rPr>
+              <a:t>id</a:t>
             </a:r>
             <a:r>
               <a:rPr sz="2200" dirty="0">
@@ -6152,37 +7689,7 @@
                 <a:cs typeface="Arial Unicode MS" panose="020B0604020202020204" pitchFamily="34" charset="-128"/>
                 <a:sym typeface="Iowan Old Style Roman"/>
               </a:rPr>
-              <a:t>, </a:t>
-            </a:r>
-            <a:r>
-              <a:rPr sz="2200" dirty="0" err="1">
-                <a:solidFill>
-                  <a:schemeClr val="tx1"/>
-                </a:solidFill>
-                <a:uFill>
-                  <a:solidFill/>
-                </a:uFill>
-                <a:latin typeface="Arial Unicode MS" panose="020B0604020202020204" pitchFamily="34" charset="-128"/>
-                <a:ea typeface="Arial Unicode MS" panose="020B0604020202020204" pitchFamily="34" charset="-128"/>
-                <a:cs typeface="Arial Unicode MS" panose="020B0604020202020204" pitchFamily="34" charset="-128"/>
-                <a:sym typeface="Iowan Old Style Roman"/>
-              </a:rPr>
-              <a:t>zip_code</a:t>
-            </a:r>
-            <a:r>
-              <a:rPr sz="2200" dirty="0">
-                <a:solidFill>
-                  <a:schemeClr val="tx1"/>
-                </a:solidFill>
-                <a:uFill>
-                  <a:solidFill/>
-                </a:uFill>
-                <a:latin typeface="Arial Unicode MS" panose="020B0604020202020204" pitchFamily="34" charset="-128"/>
-                <a:ea typeface="Arial Unicode MS" panose="020B0604020202020204" pitchFamily="34" charset="-128"/>
-                <a:cs typeface="Arial Unicode MS" panose="020B0604020202020204" pitchFamily="34" charset="-128"/>
-                <a:sym typeface="Iowan Old Style Roman"/>
-              </a:rPr>
-              <a:t>, state, city)</a:t>
+              <a:t>)</a:t>
             </a:r>
           </a:p>
           <a:p>
@@ -6240,7 +7747,22 @@
                 <a:cs typeface="Arial Unicode MS" panose="020B0604020202020204" pitchFamily="34" charset="-128"/>
                 <a:sym typeface="Iowan Old Style Roman"/>
               </a:rPr>
-              <a:t>rate_no</a:t>
+              <a:t>rate_</a:t>
+            </a:r>
+            <a:r>
+              <a:rPr lang="en-US" sz="2200" u="sng" dirty="0" err="1">
+                <a:solidFill>
+                  <a:schemeClr val="tx1"/>
+                </a:solidFill>
+                <a:uFill>
+                  <a:solidFill/>
+                </a:uFill>
+                <a:latin typeface="Arial Unicode MS" panose="020B0604020202020204" pitchFamily="34" charset="-128"/>
+                <a:ea typeface="Arial Unicode MS" panose="020B0604020202020204" pitchFamily="34" charset="-128"/>
+                <a:cs typeface="Arial Unicode MS" panose="020B0604020202020204" pitchFamily="34" charset="-128"/>
+                <a:sym typeface="Iowan Old Style Roman"/>
+              </a:rPr>
+              <a:t>id</a:t>
             </a:r>
             <a:r>
               <a:rPr sz="2200" dirty="0">
@@ -6403,7 +7925,52 @@
                 <a:cs typeface="Arial Unicode MS" panose="020B0604020202020204" pitchFamily="34" charset="-128"/>
                 <a:sym typeface="Iowan Old Style Roman"/>
               </a:rPr>
-              <a:t>reading_no</a:t>
+              <a:t>reading_</a:t>
+            </a:r>
+            <a:r>
+              <a:rPr lang="en-US" sz="2200" u="sng" dirty="0" err="1">
+                <a:solidFill>
+                  <a:schemeClr val="tx1"/>
+                </a:solidFill>
+                <a:uFill>
+                  <a:solidFill/>
+                </a:uFill>
+                <a:latin typeface="Arial Unicode MS" panose="020B0604020202020204" pitchFamily="34" charset="-128"/>
+                <a:ea typeface="Arial Unicode MS" panose="020B0604020202020204" pitchFamily="34" charset="-128"/>
+                <a:cs typeface="Arial Unicode MS" panose="020B0604020202020204" pitchFamily="34" charset="-128"/>
+                <a:sym typeface="Iowan Old Style Roman"/>
+              </a:rPr>
+              <a:t>id</a:t>
+            </a:r>
+            <a:r>
+              <a:rPr sz="2200" dirty="0">
+                <a:solidFill>
+                  <a:schemeClr val="tx1"/>
+                </a:solidFill>
+                <a:uFill>
+                  <a:solidFill/>
+                </a:uFill>
+                <a:latin typeface="Arial Unicode MS" panose="020B0604020202020204" pitchFamily="34" charset="-128"/>
+                <a:ea typeface="Arial Unicode MS" panose="020B0604020202020204" pitchFamily="34" charset="-128"/>
+                <a:cs typeface="Arial Unicode MS" panose="020B0604020202020204" pitchFamily="34" charset="-128"/>
+                <a:sym typeface="Iowan Old Style Roman"/>
+              </a:rPr>
+              <a:t>,</a:t>
+            </a:r>
+            <a:r>
+              <a:rPr lang="en-US" sz="2200" dirty="0">
+                <a:solidFill>
+                  <a:schemeClr val="tx1"/>
+                </a:solidFill>
+                <a:uFill>
+                  <a:solidFill/>
+                </a:uFill>
+                <a:latin typeface="Arial Unicode MS" panose="020B0604020202020204" pitchFamily="34" charset="-128"/>
+                <a:ea typeface="Arial Unicode MS" panose="020B0604020202020204" pitchFamily="34" charset="-128"/>
+                <a:cs typeface="Arial Unicode MS" panose="020B0604020202020204" pitchFamily="34" charset="-128"/>
+                <a:sym typeface="Iowan Old Style Roman"/>
+              </a:rPr>
+              <a:t> </a:t>
             </a:r>
             <a:r>
               <a:rPr sz="2200" dirty="0" err="1">
@@ -6418,7 +7985,7 @@
                 <a:cs typeface="Arial Unicode MS" panose="020B0604020202020204" pitchFamily="34" charset="-128"/>
                 <a:sym typeface="Iowan Old Style Roman"/>
               </a:rPr>
-              <a:t>,timestamp,consumption</a:t>
+              <a:t>timestamp,consumption</a:t>
             </a:r>
             <a:r>
               <a:rPr sz="2200" dirty="0">
@@ -6448,7 +8015,22 @@
                 <a:cs typeface="Arial Unicode MS" panose="020B0604020202020204" pitchFamily="34" charset="-128"/>
                 <a:sym typeface="Iowan Old Style Roman"/>
               </a:rPr>
-              <a:t>meter_no</a:t>
+              <a:t>meter_</a:t>
+            </a:r>
+            <a:r>
+              <a:rPr lang="en-US" sz="2200" i="1" dirty="0" err="1">
+                <a:solidFill>
+                  <a:schemeClr val="tx1"/>
+                </a:solidFill>
+                <a:uFill>
+                  <a:solidFill/>
+                </a:uFill>
+                <a:latin typeface="Arial Unicode MS" panose="020B0604020202020204" pitchFamily="34" charset="-128"/>
+                <a:ea typeface="Arial Unicode MS" panose="020B0604020202020204" pitchFamily="34" charset="-128"/>
+                <a:cs typeface="Arial Unicode MS" panose="020B0604020202020204" pitchFamily="34" charset="-128"/>
+                <a:sym typeface="Iowan Old Style Roman"/>
+              </a:rPr>
+              <a:t>id</a:t>
             </a:r>
             <a:r>
               <a:rPr sz="2200" dirty="0">
@@ -6478,7 +8060,22 @@
                 <a:cs typeface="Arial Unicode MS" panose="020B0604020202020204" pitchFamily="34" charset="-128"/>
                 <a:sym typeface="Iowan Old Style Roman"/>
               </a:rPr>
-              <a:t>bill_no</a:t>
+              <a:t>bill_</a:t>
+            </a:r>
+            <a:r>
+              <a:rPr lang="en-US" sz="2200" i="1" dirty="0" err="1">
+                <a:solidFill>
+                  <a:schemeClr val="tx1"/>
+                </a:solidFill>
+                <a:uFill>
+                  <a:solidFill/>
+                </a:uFill>
+                <a:latin typeface="Arial Unicode MS" panose="020B0604020202020204" pitchFamily="34" charset="-128"/>
+                <a:ea typeface="Arial Unicode MS" panose="020B0604020202020204" pitchFamily="34" charset="-128"/>
+                <a:cs typeface="Arial Unicode MS" panose="020B0604020202020204" pitchFamily="34" charset="-128"/>
+                <a:sym typeface="Iowan Old Style Roman"/>
+              </a:rPr>
+              <a:t>id</a:t>
             </a:r>
             <a:r>
               <a:rPr sz="2200" dirty="0">
@@ -6509,7 +8106,7 @@
               </a:defRPr>
             </a:pPr>
             <a:r>
-              <a:rPr sz="2200" b="1" dirty="0" err="1">
+              <a:rPr lang="en-US" sz="2200" b="1" dirty="0" err="1">
                 <a:solidFill>
                   <a:schemeClr val="tx1"/>
                 </a:solidFill>
@@ -6521,7 +8118,22 @@
                 <a:cs typeface="Arial Unicode MS" panose="020B0604020202020204" pitchFamily="34" charset="-128"/>
                 <a:sym typeface="Iowan Old Style Roman"/>
               </a:rPr>
-              <a:t>Reading_has_Employee</a:t>
+              <a:t>Employee_Measurements</a:t>
+            </a:r>
+            <a:r>
+              <a:rPr lang="en-US" sz="2200" b="1" dirty="0">
+                <a:solidFill>
+                  <a:schemeClr val="tx1"/>
+                </a:solidFill>
+                <a:uFill>
+                  <a:solidFill/>
+                </a:uFill>
+                <a:latin typeface="Arial Unicode MS" panose="020B0604020202020204" pitchFamily="34" charset="-128"/>
+                <a:ea typeface="Arial Unicode MS" panose="020B0604020202020204" pitchFamily="34" charset="-128"/>
+                <a:cs typeface="Arial Unicode MS" panose="020B0604020202020204" pitchFamily="34" charset="-128"/>
+                <a:sym typeface="Iowan Old Style Roman"/>
+              </a:rPr>
+              <a:t> </a:t>
             </a:r>
             <a:r>
               <a:rPr sz="2200" dirty="0">
@@ -6536,7 +8148,7 @@
                 <a:cs typeface="Arial Unicode MS" panose="020B0604020202020204" pitchFamily="34" charset="-128"/>
                 <a:sym typeface="Iowan Old Style Roman"/>
               </a:rPr>
-              <a:t> (</a:t>
+              <a:t>(</a:t>
             </a:r>
             <a:r>
               <a:rPr sz="2200" i="1" u="sng" dirty="0" err="1">
@@ -6551,7 +8163,22 @@
                 <a:cs typeface="Arial Unicode MS" panose="020B0604020202020204" pitchFamily="34" charset="-128"/>
                 <a:sym typeface="Iowan Old Style Roman"/>
               </a:rPr>
-              <a:t>reading_no</a:t>
+              <a:t>reading_</a:t>
+            </a:r>
+            <a:r>
+              <a:rPr lang="en-US" sz="2200" i="1" u="sng" dirty="0" err="1">
+                <a:solidFill>
+                  <a:schemeClr val="tx1"/>
+                </a:solidFill>
+                <a:uFill>
+                  <a:solidFill/>
+                </a:uFill>
+                <a:latin typeface="Arial Unicode MS" panose="020B0604020202020204" pitchFamily="34" charset="-128"/>
+                <a:ea typeface="Arial Unicode MS" panose="020B0604020202020204" pitchFamily="34" charset="-128"/>
+                <a:cs typeface="Arial Unicode MS" panose="020B0604020202020204" pitchFamily="34" charset="-128"/>
+                <a:sym typeface="Iowan Old Style Roman"/>
+              </a:rPr>
+              <a:t>id</a:t>
             </a:r>
             <a:r>
               <a:rPr sz="2200" dirty="0">
@@ -6581,7 +8208,22 @@
                 <a:cs typeface="Arial Unicode MS" panose="020B0604020202020204" pitchFamily="34" charset="-128"/>
                 <a:sym typeface="Iowan Old Style Roman"/>
               </a:rPr>
-              <a:t>employee_no</a:t>
+              <a:t>employee_</a:t>
+            </a:r>
+            <a:r>
+              <a:rPr lang="en-US" sz="2200" i="1" u="sng" dirty="0" err="1">
+                <a:solidFill>
+                  <a:schemeClr val="tx1"/>
+                </a:solidFill>
+                <a:uFill>
+                  <a:solidFill/>
+                </a:uFill>
+                <a:latin typeface="Arial Unicode MS" panose="020B0604020202020204" pitchFamily="34" charset="-128"/>
+                <a:ea typeface="Arial Unicode MS" panose="020B0604020202020204" pitchFamily="34" charset="-128"/>
+                <a:cs typeface="Arial Unicode MS" panose="020B0604020202020204" pitchFamily="34" charset="-128"/>
+                <a:sym typeface="Iowan Old Style Roman"/>
+              </a:rPr>
+              <a:t>id</a:t>
             </a:r>
             <a:r>
               <a:rPr sz="2200" dirty="0">
@@ -6654,7 +8296,22 @@
                 <a:cs typeface="Arial Unicode MS" panose="020B0604020202020204" pitchFamily="34" charset="-128"/>
                 <a:sym typeface="Iowan Old Style Roman"/>
               </a:rPr>
-              <a:t>employee_no</a:t>
+              <a:t>employee_</a:t>
+            </a:r>
+            <a:r>
+              <a:rPr lang="en-US" sz="2200" u="sng" dirty="0" err="1">
+                <a:solidFill>
+                  <a:schemeClr val="tx1"/>
+                </a:solidFill>
+                <a:uFill>
+                  <a:solidFill/>
+                </a:uFill>
+                <a:latin typeface="Arial Unicode MS" panose="020B0604020202020204" pitchFamily="34" charset="-128"/>
+                <a:ea typeface="Arial Unicode MS" panose="020B0604020202020204" pitchFamily="34" charset="-128"/>
+                <a:cs typeface="Arial Unicode MS" panose="020B0604020202020204" pitchFamily="34" charset="-128"/>
+                <a:sym typeface="Iowan Old Style Roman"/>
+              </a:rPr>
+              <a:t>id</a:t>
             </a:r>
             <a:r>
               <a:rPr sz="2200" dirty="0">
@@ -6669,67 +8326,7 @@
                 <a:cs typeface="Arial Unicode MS" panose="020B0604020202020204" pitchFamily="34" charset="-128"/>
                 <a:sym typeface="Iowan Old Style Roman"/>
               </a:rPr>
-              <a:t>, name, address, city, </a:t>
-            </a:r>
-            <a:r>
-              <a:rPr sz="2200" dirty="0" err="1">
-                <a:solidFill>
-                  <a:schemeClr val="tx1"/>
-                </a:solidFill>
-                <a:uFill>
-                  <a:solidFill/>
-                </a:uFill>
-                <a:latin typeface="Arial Unicode MS" panose="020B0604020202020204" pitchFamily="34" charset="-128"/>
-                <a:ea typeface="Arial Unicode MS" panose="020B0604020202020204" pitchFamily="34" charset="-128"/>
-                <a:cs typeface="Arial Unicode MS" panose="020B0604020202020204" pitchFamily="34" charset="-128"/>
-                <a:sym typeface="Iowan Old Style Roman"/>
-              </a:rPr>
-              <a:t>dept</a:t>
-            </a:r>
-            <a:r>
-              <a:rPr sz="2200" dirty="0">
-                <a:solidFill>
-                  <a:schemeClr val="tx1"/>
-                </a:solidFill>
-                <a:uFill>
-                  <a:solidFill/>
-                </a:uFill>
-                <a:latin typeface="Arial Unicode MS" panose="020B0604020202020204" pitchFamily="34" charset="-128"/>
-                <a:ea typeface="Arial Unicode MS" panose="020B0604020202020204" pitchFamily="34" charset="-128"/>
-                <a:cs typeface="Arial Unicode MS" panose="020B0604020202020204" pitchFamily="34" charset="-128"/>
-                <a:sym typeface="Iowan Old Style Roman"/>
-              </a:rPr>
-              <a:t>, </a:t>
-            </a:r>
-            <a:r>
-              <a:rPr sz="2200" dirty="0" err="1">
-                <a:solidFill>
-                  <a:schemeClr val="tx1"/>
-                </a:solidFill>
-                <a:uFill>
-                  <a:solidFill/>
-                </a:uFill>
-                <a:latin typeface="Arial Unicode MS" panose="020B0604020202020204" pitchFamily="34" charset="-128"/>
-                <a:ea typeface="Arial Unicode MS" panose="020B0604020202020204" pitchFamily="34" charset="-128"/>
-                <a:cs typeface="Arial Unicode MS" panose="020B0604020202020204" pitchFamily="34" charset="-128"/>
-                <a:sym typeface="Iowan Old Style Roman"/>
-              </a:rPr>
-              <a:t>zip_code</a:t>
-            </a:r>
-            <a:r>
-              <a:rPr sz="2200" dirty="0">
-                <a:solidFill>
-                  <a:schemeClr val="tx1"/>
-                </a:solidFill>
-                <a:uFill>
-                  <a:solidFill/>
-                </a:uFill>
-                <a:latin typeface="Arial Unicode MS" panose="020B0604020202020204" pitchFamily="34" charset="-128"/>
-                <a:ea typeface="Arial Unicode MS" panose="020B0604020202020204" pitchFamily="34" charset="-128"/>
-                <a:cs typeface="Arial Unicode MS" panose="020B0604020202020204" pitchFamily="34" charset="-128"/>
-                <a:sym typeface="Iowan Old Style Roman"/>
-              </a:rPr>
-              <a:t>, state, age)</a:t>
+              <a:t>, name)</a:t>
             </a:r>
           </a:p>
           <a:p>
@@ -6787,7 +8384,22 @@
                 <a:cs typeface="Arial Unicode MS" panose="020B0604020202020204" pitchFamily="34" charset="-128"/>
                 <a:sym typeface="Iowan Old Style Roman"/>
               </a:rPr>
-              <a:t>bill_no</a:t>
+              <a:t>bill_</a:t>
+            </a:r>
+            <a:r>
+              <a:rPr lang="en-US" sz="2200" u="sng" dirty="0" err="1">
+                <a:solidFill>
+                  <a:schemeClr val="tx1"/>
+                </a:solidFill>
+                <a:uFill>
+                  <a:solidFill/>
+                </a:uFill>
+                <a:latin typeface="Arial Unicode MS" panose="020B0604020202020204" pitchFamily="34" charset="-128"/>
+                <a:ea typeface="Arial Unicode MS" panose="020B0604020202020204" pitchFamily="34" charset="-128"/>
+                <a:cs typeface="Arial Unicode MS" panose="020B0604020202020204" pitchFamily="34" charset="-128"/>
+                <a:sym typeface="Iowan Old Style Roman"/>
+              </a:rPr>
+              <a:t>id</a:t>
             </a:r>
             <a:r>
               <a:rPr sz="2200" dirty="0">
@@ -6817,7 +8429,22 @@
                 <a:cs typeface="Arial Unicode MS" panose="020B0604020202020204" pitchFamily="34" charset="-128"/>
                 <a:sym typeface="Iowan Old Style Roman"/>
               </a:rPr>
-              <a:t>cust_no</a:t>
+              <a:t>cust_</a:t>
+            </a:r>
+            <a:r>
+              <a:rPr lang="en-US" sz="2200" i="1" dirty="0" err="1">
+                <a:solidFill>
+                  <a:schemeClr val="tx1"/>
+                </a:solidFill>
+                <a:uFill>
+                  <a:solidFill/>
+                </a:uFill>
+                <a:latin typeface="Arial Unicode MS" panose="020B0604020202020204" pitchFamily="34" charset="-128"/>
+                <a:ea typeface="Arial Unicode MS" panose="020B0604020202020204" pitchFamily="34" charset="-128"/>
+                <a:cs typeface="Arial Unicode MS" panose="020B0604020202020204" pitchFamily="34" charset="-128"/>
+                <a:sym typeface="Iowan Old Style Roman"/>
+              </a:rPr>
+              <a:t>id</a:t>
             </a:r>
             <a:r>
               <a:rPr sz="2200" dirty="0">
@@ -6835,6 +8462,21 @@
               <a:t>, </a:t>
             </a:r>
             <a:r>
+              <a:rPr lang="en-US" sz="2200" dirty="0" err="1">
+                <a:solidFill>
+                  <a:schemeClr val="tx1"/>
+                </a:solidFill>
+                <a:uFill>
+                  <a:solidFill/>
+                </a:uFill>
+                <a:latin typeface="Arial Unicode MS" panose="020B0604020202020204" pitchFamily="34" charset="-128"/>
+                <a:ea typeface="Arial Unicode MS" panose="020B0604020202020204" pitchFamily="34" charset="-128"/>
+                <a:cs typeface="Arial Unicode MS" panose="020B0604020202020204" pitchFamily="34" charset="-128"/>
+                <a:sym typeface="Iowan Old Style Roman"/>
+              </a:rPr>
+              <a:t>bill</a:t>
+            </a:r>
+            <a:r>
               <a:rPr sz="2200" dirty="0" err="1">
                 <a:solidFill>
                   <a:schemeClr val="tx1"/>
@@ -6847,7 +8489,7 @@
                 <a:cs typeface="Arial Unicode MS" panose="020B0604020202020204" pitchFamily="34" charset="-128"/>
                 <a:sym typeface="Iowan Old Style Roman"/>
               </a:rPr>
-              <a:t>start_date</a:t>
+              <a:t>_date</a:t>
             </a:r>
             <a:r>
               <a:rPr sz="2200" dirty="0">
@@ -6865,7 +8507,7 @@
               <a:t>, </a:t>
             </a:r>
             <a:r>
-              <a:rPr sz="2200" dirty="0" err="1">
+              <a:rPr lang="en-US" sz="2200" dirty="0">
                 <a:solidFill>
                   <a:schemeClr val="tx1"/>
                 </a:solidFill>
@@ -6877,37 +8519,7 @@
                 <a:cs typeface="Arial Unicode MS" panose="020B0604020202020204" pitchFamily="34" charset="-128"/>
                 <a:sym typeface="Iowan Old Style Roman"/>
               </a:rPr>
-              <a:t>end_date</a:t>
-            </a:r>
-            <a:r>
-              <a:rPr sz="2200" dirty="0">
-                <a:solidFill>
-                  <a:schemeClr val="tx1"/>
-                </a:solidFill>
-                <a:uFill>
-                  <a:solidFill/>
-                </a:uFill>
-                <a:latin typeface="Arial Unicode MS" panose="020B0604020202020204" pitchFamily="34" charset="-128"/>
-                <a:ea typeface="Arial Unicode MS" panose="020B0604020202020204" pitchFamily="34" charset="-128"/>
-                <a:cs typeface="Arial Unicode MS" panose="020B0604020202020204" pitchFamily="34" charset="-128"/>
-                <a:sym typeface="Iowan Old Style Roman"/>
-              </a:rPr>
-              <a:t>, </a:t>
-            </a:r>
-            <a:r>
-              <a:rPr sz="2200" dirty="0" err="1">
-                <a:solidFill>
-                  <a:schemeClr val="tx1"/>
-                </a:solidFill>
-                <a:uFill>
-                  <a:solidFill/>
-                </a:uFill>
-                <a:latin typeface="Arial Unicode MS" panose="020B0604020202020204" pitchFamily="34" charset="-128"/>
-                <a:ea typeface="Arial Unicode MS" panose="020B0604020202020204" pitchFamily="34" charset="-128"/>
-                <a:cs typeface="Arial Unicode MS" panose="020B0604020202020204" pitchFamily="34" charset="-128"/>
-                <a:sym typeface="Iowan Old Style Roman"/>
-              </a:rPr>
-              <a:t>due_date</a:t>
+              <a:t>amount</a:t>
             </a:r>
             <a:r>
               <a:rPr sz="2200" dirty="0">
@@ -6941,7 +8553,7 @@
 </p:sld>
 </file>
 
-<file path=ppt/slides/slide12.xml><?xml version="1.0" encoding="utf-8"?>
+<file path=ppt/slides/slide15.xml><?xml version="1.0" encoding="utf-8"?>
 <p:sld xmlns:a="http://schemas.openxmlformats.org/drawingml/2006/main" xmlns:r="http://schemas.openxmlformats.org/officeDocument/2006/relationships" xmlns:p="http://schemas.openxmlformats.org/presentationml/2006/main">
   <p:cSld>
     <p:spTree>
@@ -6977,7 +8589,7 @@
           </a:ln>
           <a:extLst>
             <a:ext uri="{C572A759-6A51-4108-AA02-DFA0A04FC94B}">
-              <ma14:wrappingTextBoxFlag xmlns="" xmlns:ma14="http://schemas.microsoft.com/office/mac/drawingml/2011/main" val="1"/>
+              <ma14:wrappingTextBoxFlag xmlns:ma14="http://schemas.microsoft.com/office/mac/drawingml/2011/main" xmlns="" val="1"/>
             </a:ext>
           </a:extLst>
         </p:spPr>
@@ -7043,7 +8655,7 @@
           </a:ln>
           <a:extLst>
             <a:ext uri="{C572A759-6A51-4108-AA02-DFA0A04FC94B}">
-              <ma14:wrappingTextBoxFlag xmlns="" xmlns:ma14="http://schemas.microsoft.com/office/mac/drawingml/2011/main" val="1"/>
+              <ma14:wrappingTextBoxFlag xmlns:ma14="http://schemas.microsoft.com/office/mac/drawingml/2011/main" xmlns="" val="1"/>
             </a:ext>
           </a:extLst>
         </p:spPr>
@@ -7316,7 +8928,7 @@
 </p:sld>
 </file>
 
-<file path=ppt/slides/slide13.xml><?xml version="1.0" encoding="utf-8"?>
+<file path=ppt/slides/slide16.xml><?xml version="1.0" encoding="utf-8"?>
 <p:sld xmlns:a="http://schemas.openxmlformats.org/drawingml/2006/main" xmlns:r="http://schemas.openxmlformats.org/officeDocument/2006/relationships" xmlns:p="http://schemas.openxmlformats.org/presentationml/2006/main">
   <p:cSld>
     <p:spTree>
@@ -7457,7 +9069,7 @@
 </p:sld>
 </file>
 
-<file path=ppt/slides/slide14.xml><?xml version="1.0" encoding="utf-8"?>
+<file path=ppt/slides/slide17.xml><?xml version="1.0" encoding="utf-8"?>
 <p:sld xmlns:a="http://schemas.openxmlformats.org/drawingml/2006/main" xmlns:r="http://schemas.openxmlformats.org/officeDocument/2006/relationships" xmlns:p="http://schemas.openxmlformats.org/presentationml/2006/main">
   <p:cSld>
     <p:spTree>
@@ -7493,7 +9105,7 @@
           </a:ln>
           <a:extLst>
             <a:ext uri="{C572A759-6A51-4108-AA02-DFA0A04FC94B}">
-              <ma14:wrappingTextBoxFlag xmlns="" xmlns:ma14="http://schemas.microsoft.com/office/mac/drawingml/2011/main" val="1"/>
+              <ma14:wrappingTextBoxFlag xmlns:ma14="http://schemas.microsoft.com/office/mac/drawingml/2011/main" xmlns="" val="1"/>
             </a:ext>
           </a:extLst>
         </p:spPr>
@@ -7575,7 +9187,7 @@
           </a:ln>
           <a:extLst>
             <a:ext uri="{C572A759-6A51-4108-AA02-DFA0A04FC94B}">
-              <ma14:wrappingTextBoxFlag xmlns="" xmlns:ma14="http://schemas.microsoft.com/office/mac/drawingml/2011/main" val="1"/>
+              <ma14:wrappingTextBoxFlag xmlns:ma14="http://schemas.microsoft.com/office/mac/drawingml/2011/main" xmlns="" val="1"/>
             </a:ext>
           </a:extLst>
         </p:spPr>
@@ -8043,7 +9655,7 @@
           </a:ln>
           <a:extLst>
             <a:ext uri="{C572A759-6A51-4108-AA02-DFA0A04FC94B}">
-              <ma14:wrappingTextBoxFlag xmlns="" xmlns:ma14="http://schemas.microsoft.com/office/mac/drawingml/2011/main" val="1"/>
+              <ma14:wrappingTextBoxFlag xmlns:ma14="http://schemas.microsoft.com/office/mac/drawingml/2011/main" xmlns="" val="1"/>
             </a:ext>
           </a:extLst>
         </p:spPr>
@@ -8142,7 +9754,7 @@
           </a:ln>
           <a:extLst>
             <a:ext uri="{C572A759-6A51-4108-AA02-DFA0A04FC94B}">
-              <ma14:wrappingTextBoxFlag xmlns="" xmlns:ma14="http://schemas.microsoft.com/office/mac/drawingml/2011/main" val="1"/>
+              <ma14:wrappingTextBoxFlag xmlns:ma14="http://schemas.microsoft.com/office/mac/drawingml/2011/main" xmlns="" val="1"/>
             </a:ext>
           </a:extLst>
         </p:spPr>
@@ -8453,7 +10065,7 @@
           </a:ln>
           <a:extLst>
             <a:ext uri="{C572A759-6A51-4108-AA02-DFA0A04FC94B}">
-              <ma14:wrappingTextBoxFlag xmlns="" xmlns:ma14="http://schemas.microsoft.com/office/mac/drawingml/2011/main" val="1"/>
+              <ma14:wrappingTextBoxFlag xmlns:ma14="http://schemas.microsoft.com/office/mac/drawingml/2011/main" xmlns="" val="1"/>
             </a:ext>
           </a:extLst>
         </p:spPr>
@@ -8580,7 +10192,7 @@
           </a:ln>
           <a:extLst>
             <a:ext uri="{C572A759-6A51-4108-AA02-DFA0A04FC94B}">
-              <ma14:wrappingTextBoxFlag xmlns="" xmlns:ma14="http://schemas.microsoft.com/office/mac/drawingml/2011/main" val="1"/>
+              <ma14:wrappingTextBoxFlag xmlns:ma14="http://schemas.microsoft.com/office/mac/drawingml/2011/main" xmlns="" val="1"/>
             </a:ext>
           </a:extLst>
         </p:spPr>
@@ -8662,7 +10274,7 @@
           </a:ln>
           <a:extLst>
             <a:ext uri="{C572A759-6A51-4108-AA02-DFA0A04FC94B}">
-              <ma14:wrappingTextBoxFlag xmlns="" xmlns:ma14="http://schemas.microsoft.com/office/mac/drawingml/2011/main" val="1"/>
+              <ma14:wrappingTextBoxFlag xmlns:ma14="http://schemas.microsoft.com/office/mac/drawingml/2011/main" xmlns="" val="1"/>
             </a:ext>
           </a:extLst>
         </p:spPr>
@@ -8847,36 +10459,6 @@
           <a:chExt cx="0" cy="0"/>
         </a:xfrm>
       </p:grpSpPr>
-      <p:pic>
-        <p:nvPicPr>
-          <p:cNvPr id="2" name="Picture 1">
-            <a:extLst>
-              <a:ext uri="{FF2B5EF4-FFF2-40B4-BE49-F238E27FC236}">
-                <a16:creationId xmlns:a16="http://schemas.microsoft.com/office/drawing/2014/main" id="{7AF882D1-B946-4F74-BE29-586EED26B274}"/>
-              </a:ext>
-            </a:extLst>
-          </p:cNvPr>
-          <p:cNvPicPr>
-            <a:picLocks noChangeAspect="1"/>
-          </p:cNvPicPr>
-          <p:nvPr/>
-        </p:nvPicPr>
-        <p:blipFill>
-          <a:blip r:embed="rId2"/>
-          <a:stretch>
-            <a:fillRect/>
-          </a:stretch>
-        </p:blipFill>
-        <p:spPr>
-          <a:xfrm>
-            <a:off x="4648075" y="679732"/>
-            <a:ext cx="2282398" cy="2157449"/>
-          </a:xfrm>
-          <a:prstGeom prst="rect">
-            <a:avLst/>
-          </a:prstGeom>
-        </p:spPr>
-      </p:pic>
       <p:sp>
         <p:nvSpPr>
           <p:cNvPr id="142" name="Shape 142"/>
@@ -8896,7 +10478,7 @@
           </a:ln>
           <a:extLst>
             <a:ext uri="{C572A759-6A51-4108-AA02-DFA0A04FC94B}">
-              <ma14:wrappingTextBoxFlag xmlns="" xmlns:ma14="http://schemas.microsoft.com/office/mac/drawingml/2011/main" val="1"/>
+              <ma14:wrappingTextBoxFlag xmlns:ma14="http://schemas.microsoft.com/office/mac/drawingml/2011/main" xmlns="" val="1"/>
             </a:ext>
           </a:extLst>
         </p:spPr>
@@ -8951,8 +10533,8 @@
         </p:nvSpPr>
         <p:spPr>
           <a:xfrm>
-            <a:off x="457200" y="2070100"/>
-            <a:ext cx="2637195" cy="2831544"/>
+            <a:off x="81280" y="5534115"/>
+            <a:ext cx="2637195" cy="1261884"/>
           </a:xfrm>
           <a:prstGeom prst="rect">
             <a:avLst/>
@@ -8962,7 +10544,7 @@
           </a:ln>
           <a:extLst>
             <a:ext uri="{C572A759-6A51-4108-AA02-DFA0A04FC94B}">
-              <ma14:wrappingTextBoxFlag xmlns="" xmlns:ma14="http://schemas.microsoft.com/office/mac/drawingml/2011/main" val="1"/>
+              <ma14:wrappingTextBoxFlag xmlns:ma14="http://schemas.microsoft.com/office/mac/drawingml/2011/main" xmlns="" val="1"/>
             </a:ext>
           </a:extLst>
         </p:spPr>
@@ -8983,7 +10565,22 @@
                 <a:uFillTx/>
               </a:defRPr>
             </a:pPr>
-            <a:endParaRPr sz="1900" dirty="0">
+            <a:r>
+              <a:rPr lang="en-US" sz="1900" i="1" dirty="0">
+                <a:solidFill>
+                  <a:schemeClr val="tx1"/>
+                </a:solidFill>
+                <a:uFill>
+                  <a:solidFill/>
+                </a:uFill>
+                <a:latin typeface="Arial Unicode MS" panose="020B0604020202020204" pitchFamily="34" charset="-128"/>
+                <a:ea typeface="Arial Unicode MS" panose="020B0604020202020204" pitchFamily="34" charset="-128"/>
+                <a:cs typeface="Arial Unicode MS" panose="020B0604020202020204" pitchFamily="34" charset="-128"/>
+                <a:sym typeface="Iowan Old Style Roman"/>
+              </a:rPr>
+              <a:t>We do this mapping for all our entities in the ER Diagram, creating one table per entity</a:t>
+            </a:r>
+            <a:endParaRPr sz="1900" i="1" dirty="0">
               <a:solidFill>
                 <a:schemeClr val="tx1"/>
               </a:solidFill>
@@ -8996,225 +10593,6 @@
               <a:sym typeface="Iowan Old Style Roman"/>
             </a:endParaRPr>
           </a:p>
-          <a:p>
-            <a:pPr marL="378069" lvl="0" indent="-339969">
-              <a:spcBef>
-                <a:spcPts val="700"/>
-              </a:spcBef>
-              <a:buSzPct val="50000"/>
-              <a:buBlip>
-                <a:blip r:embed="rId3"/>
-              </a:buBlip>
-              <a:defRPr sz="1800">
-                <a:solidFill>
-                  <a:srgbClr val="000000"/>
-                </a:solidFill>
-                <a:uFillTx/>
-              </a:defRPr>
-            </a:pPr>
-            <a:r>
-              <a:rPr sz="2900" dirty="0">
-                <a:solidFill>
-                  <a:schemeClr val="tx1"/>
-                </a:solidFill>
-                <a:uFill>
-                  <a:solidFill/>
-                </a:uFill>
-                <a:latin typeface="Arial Unicode MS" panose="020B0604020202020204" pitchFamily="34" charset="-128"/>
-                <a:ea typeface="Arial Unicode MS" panose="020B0604020202020204" pitchFamily="34" charset="-128"/>
-                <a:cs typeface="Arial Unicode MS" panose="020B0604020202020204" pitchFamily="34" charset="-128"/>
-                <a:sym typeface="Iowan Old Style Roman"/>
-              </a:rPr>
-              <a:t>Rate</a:t>
-            </a:r>
-            <a:r>
-              <a:rPr sz="1900" dirty="0">
-                <a:solidFill>
-                  <a:schemeClr val="tx1"/>
-                </a:solidFill>
-                <a:uFill>
-                  <a:solidFill/>
-                </a:uFill>
-                <a:latin typeface="Arial Unicode MS" panose="020B0604020202020204" pitchFamily="34" charset="-128"/>
-                <a:ea typeface="Arial Unicode MS" panose="020B0604020202020204" pitchFamily="34" charset="-128"/>
-                <a:cs typeface="Arial Unicode MS" panose="020B0604020202020204" pitchFamily="34" charset="-128"/>
-                <a:sym typeface="Iowan Old Style Roman"/>
-              </a:rPr>
-              <a:t>  </a:t>
-            </a:r>
-          </a:p>
-          <a:p>
-            <a:pPr marL="260838" lvl="0" indent="-222738">
-              <a:spcBef>
-                <a:spcPts val="700"/>
-              </a:spcBef>
-              <a:buSzPct val="50000"/>
-              <a:buBlip>
-                <a:blip r:embed="rId3"/>
-              </a:buBlip>
-              <a:defRPr sz="1800">
-                <a:solidFill>
-                  <a:srgbClr val="000000"/>
-                </a:solidFill>
-                <a:uFillTx/>
-              </a:defRPr>
-            </a:pPr>
-            <a:r>
-              <a:rPr lang="en-US" sz="1900" dirty="0">
-                <a:solidFill>
-                  <a:schemeClr val="tx1"/>
-                </a:solidFill>
-                <a:uFill>
-                  <a:solidFill/>
-                </a:uFill>
-                <a:latin typeface="Arial Unicode MS" panose="020B0604020202020204" pitchFamily="34" charset="-128"/>
-                <a:ea typeface="Arial Unicode MS" panose="020B0604020202020204" pitchFamily="34" charset="-128"/>
-                <a:cs typeface="Arial Unicode MS" panose="020B0604020202020204" pitchFamily="34" charset="-128"/>
-                <a:sym typeface="Iowan Old Style Roman"/>
-              </a:rPr>
-              <a:t>Customer</a:t>
-            </a:r>
-            <a:endParaRPr sz="1900" dirty="0">
-              <a:solidFill>
-                <a:schemeClr val="tx1"/>
-              </a:solidFill>
-              <a:uFill>
-                <a:solidFill/>
-              </a:uFill>
-              <a:latin typeface="Arial Unicode MS" panose="020B0604020202020204" pitchFamily="34" charset="-128"/>
-              <a:ea typeface="Arial Unicode MS" panose="020B0604020202020204" pitchFamily="34" charset="-128"/>
-              <a:cs typeface="Arial Unicode MS" panose="020B0604020202020204" pitchFamily="34" charset="-128"/>
-              <a:sym typeface="Iowan Old Style Roman"/>
-            </a:endParaRPr>
-          </a:p>
-          <a:p>
-            <a:pPr marL="260838" lvl="0" indent="-222738">
-              <a:spcBef>
-                <a:spcPts val="700"/>
-              </a:spcBef>
-              <a:buSzPct val="50000"/>
-              <a:buBlip>
-                <a:blip r:embed="rId3"/>
-              </a:buBlip>
-              <a:defRPr sz="1800">
-                <a:solidFill>
-                  <a:srgbClr val="000000"/>
-                </a:solidFill>
-                <a:uFillTx/>
-              </a:defRPr>
-            </a:pPr>
-            <a:r>
-              <a:rPr sz="1900" dirty="0">
-                <a:solidFill>
-                  <a:schemeClr val="tx1"/>
-                </a:solidFill>
-                <a:uFill>
-                  <a:solidFill/>
-                </a:uFill>
-                <a:latin typeface="Arial Unicode MS" panose="020B0604020202020204" pitchFamily="34" charset="-128"/>
-                <a:ea typeface="Arial Unicode MS" panose="020B0604020202020204" pitchFamily="34" charset="-128"/>
-                <a:cs typeface="Arial Unicode MS" panose="020B0604020202020204" pitchFamily="34" charset="-128"/>
-                <a:sym typeface="Iowan Old Style Roman"/>
-              </a:rPr>
-              <a:t>Meter</a:t>
-            </a:r>
-          </a:p>
-          <a:p>
-            <a:pPr marL="260838" lvl="0" indent="-222738">
-              <a:spcBef>
-                <a:spcPts val="700"/>
-              </a:spcBef>
-              <a:buSzPct val="50000"/>
-              <a:buBlip>
-                <a:blip r:embed="rId3"/>
-              </a:buBlip>
-              <a:defRPr sz="1800">
-                <a:solidFill>
-                  <a:srgbClr val="000000"/>
-                </a:solidFill>
-                <a:uFillTx/>
-              </a:defRPr>
-            </a:pPr>
-            <a:r>
-              <a:rPr sz="1900" dirty="0">
-                <a:solidFill>
-                  <a:schemeClr val="tx1"/>
-                </a:solidFill>
-                <a:uFill>
-                  <a:solidFill/>
-                </a:uFill>
-                <a:latin typeface="Arial Unicode MS" panose="020B0604020202020204" pitchFamily="34" charset="-128"/>
-                <a:ea typeface="Arial Unicode MS" panose="020B0604020202020204" pitchFamily="34" charset="-128"/>
-                <a:cs typeface="Arial Unicode MS" panose="020B0604020202020204" pitchFamily="34" charset="-128"/>
-                <a:sym typeface="Iowan Old Style Roman"/>
-              </a:rPr>
-              <a:t>Reading</a:t>
-            </a:r>
-          </a:p>
-          <a:p>
-            <a:pPr marL="260838" lvl="0" indent="-222738">
-              <a:spcBef>
-                <a:spcPts val="700"/>
-              </a:spcBef>
-              <a:buSzPct val="50000"/>
-              <a:buBlip>
-                <a:blip r:embed="rId3"/>
-              </a:buBlip>
-              <a:defRPr sz="1800">
-                <a:solidFill>
-                  <a:srgbClr val="000000"/>
-                </a:solidFill>
-                <a:uFillTx/>
-              </a:defRPr>
-            </a:pPr>
-            <a:r>
-              <a:rPr sz="1900" dirty="0">
-                <a:solidFill>
-                  <a:schemeClr val="tx1"/>
-                </a:solidFill>
-                <a:uFill>
-                  <a:solidFill/>
-                </a:uFill>
-                <a:latin typeface="Arial Unicode MS" panose="020B0604020202020204" pitchFamily="34" charset="-128"/>
-                <a:ea typeface="Arial Unicode MS" panose="020B0604020202020204" pitchFamily="34" charset="-128"/>
-                <a:cs typeface="Arial Unicode MS" panose="020B0604020202020204" pitchFamily="34" charset="-128"/>
-                <a:sym typeface="Iowan Old Style Roman"/>
-              </a:rPr>
-              <a:t>Employee</a:t>
-            </a:r>
-          </a:p>
-          <a:p>
-            <a:pPr marL="260838" lvl="0" indent="-222738">
-              <a:spcBef>
-                <a:spcPts val="700"/>
-              </a:spcBef>
-              <a:buSzPct val="50000"/>
-              <a:buBlip>
-                <a:blip r:embed="rId3"/>
-              </a:buBlip>
-              <a:defRPr sz="1800">
-                <a:solidFill>
-                  <a:srgbClr val="000000"/>
-                </a:solidFill>
-                <a:uFillTx/>
-              </a:defRPr>
-            </a:pPr>
-            <a:r>
-              <a:rPr sz="1900" dirty="0">
-                <a:solidFill>
-                  <a:schemeClr val="tx1"/>
-                </a:solidFill>
-                <a:uFill>
-                  <a:solidFill/>
-                </a:uFill>
-                <a:latin typeface="Arial Unicode MS" panose="020B0604020202020204" pitchFamily="34" charset="-128"/>
-                <a:ea typeface="Arial Unicode MS" panose="020B0604020202020204" pitchFamily="34" charset="-128"/>
-                <a:cs typeface="Arial Unicode MS" panose="020B0604020202020204" pitchFamily="34" charset="-128"/>
-                <a:sym typeface="Iowan Old Style Roman"/>
-              </a:rPr>
-              <a:t>Bill</a:t>
-            </a:r>
-          </a:p>
         </p:txBody>
       </p:sp>
       <p:graphicFrame>
@@ -9224,13 +10602,13 @@
           <p:nvPr>
             <p:extLst>
               <p:ext uri="{D42A27DB-BD31-4B8C-83A1-F6EECF244321}">
-                <p14:modId xmlns:p14="http://schemas.microsoft.com/office/powerpoint/2010/main" val="2146524307"/>
+                <p14:modId xmlns:p14="http://schemas.microsoft.com/office/powerpoint/2010/main" val="179679226"/>
               </p:ext>
             </p:extLst>
           </p:nvPr>
         </p:nvGraphicFramePr>
         <p:xfrm>
-          <a:off x="3162302" y="3619462"/>
+          <a:off x="3162302" y="4295102"/>
           <a:ext cx="5492747" cy="2504249"/>
         </p:xfrm>
         <a:graphic>
@@ -9294,7 +10672,7 @@
                         </a:defRPr>
                       </a:pPr>
                       <a:r>
-                        <a:rPr sz="1200" b="1" i="1" dirty="0" err="1">
+                        <a:rPr lang="en-US" sz="1200" b="1" i="1" dirty="0">
                           <a:solidFill>
                             <a:srgbClr val="FFFFFF"/>
                           </a:solidFill>
@@ -9305,7 +10683,7 @@
                           </a:uFill>
                           <a:latin typeface="Arial Unicode MS" panose="020B0604020202020204" pitchFamily="34" charset="-128"/>
                         </a:rPr>
-                        <a:t>Rate_no</a:t>
+                        <a:t>id</a:t>
                       </a:r>
                       <a:endParaRPr sz="1200" b="1" i="1" dirty="0">
                         <a:solidFill>
@@ -9352,6 +10730,20 @@
                         </a:defRPr>
                       </a:pPr>
                       <a:r>
+                        <a:rPr lang="en-US" sz="1100" b="1" i="1" dirty="0">
+                          <a:solidFill>
+                            <a:srgbClr val="FFFFFF"/>
+                          </a:solidFill>
+                          <a:uFill>
+                            <a:solidFill>
+                              <a:srgbClr val="FFFFFF"/>
+                            </a:solidFill>
+                          </a:uFill>
+                          <a:latin typeface="Arial Unicode MS" panose="020B0604020202020204" pitchFamily="34" charset="-128"/>
+                        </a:rPr>
+                        <a:t>d</a:t>
+                      </a:r>
+                      <a:r>
                         <a:rPr sz="1100" b="1" i="1" dirty="0">
                           <a:solidFill>
                             <a:srgbClr val="FFFFFF"/>
@@ -9363,7 +10755,7 @@
                           </a:uFill>
                           <a:latin typeface="Arial Unicode MS" panose="020B0604020202020204" pitchFamily="34" charset="-128"/>
                         </a:rPr>
-                        <a:t>Description</a:t>
+                        <a:t>escription</a:t>
                       </a:r>
                     </a:p>
                   </a:txBody>
@@ -9399,7 +10791,7 @@
                         </a:defRPr>
                       </a:pPr>
                       <a:r>
-                        <a:rPr sz="1000" b="1" i="1" dirty="0">
+                        <a:rPr lang="en-US" sz="1000" b="1" i="1" dirty="0" err="1">
                           <a:solidFill>
                             <a:srgbClr val="FFFFFF"/>
                           </a:solidFill>
@@ -9410,22 +10802,7 @@
                           </a:uFill>
                           <a:latin typeface="Arial Unicode MS" panose="020B0604020202020204" pitchFamily="34" charset="-128"/>
                         </a:rPr>
-                        <a:t>Fixed
-</a:t>
-                      </a:r>
-                      <a:r>
-                        <a:rPr lang="en-US" sz="1000" b="1" i="1" dirty="0">
-                          <a:solidFill>
-                            <a:srgbClr val="FFFFFF"/>
-                          </a:solidFill>
-                          <a:uFill>
-                            <a:solidFill>
-                              <a:srgbClr val="FFFFFF"/>
-                            </a:solidFill>
-                          </a:uFill>
-                          <a:latin typeface="Arial Unicode MS" panose="020B0604020202020204" pitchFamily="34" charset="-128"/>
-                        </a:rPr>
-                        <a:t>price</a:t>
+                        <a:t>Fixed_price</a:t>
                       </a:r>
                       <a:endParaRPr sz="1000" b="1" i="1" dirty="0">
                         <a:solidFill>
@@ -9472,7 +10849,7 @@
                         </a:defRPr>
                       </a:pPr>
                       <a:r>
-                        <a:rPr sz="1000" b="1" i="1" dirty="0">
+                        <a:rPr sz="1000" b="1" i="1" dirty="0" err="1">
                           <a:solidFill>
                             <a:srgbClr val="FFFFFF"/>
                           </a:solidFill>
@@ -9483,11 +10860,10 @@
                           </a:uFill>
                           <a:latin typeface="Arial Unicode MS" panose="020B0604020202020204" pitchFamily="34" charset="-128"/>
                         </a:rPr>
-                        <a:t>Variable
-</a:t>
+                        <a:t>Variabl</a:t>
                       </a:r>
                       <a:r>
-                        <a:rPr lang="en-US" sz="1000" b="1" i="1" dirty="0">
+                        <a:rPr lang="en-US" sz="1000" b="1" i="1" dirty="0" err="1">
                           <a:solidFill>
                             <a:srgbClr val="FFFFFF"/>
                           </a:solidFill>
@@ -9498,7 +10874,7 @@
                           </a:uFill>
                           <a:latin typeface="Arial Unicode MS" panose="020B0604020202020204" pitchFamily="34" charset="-128"/>
                         </a:rPr>
-                        <a:t>price</a:t>
+                        <a:t>e_price</a:t>
                       </a:r>
                       <a:endParaRPr sz="1000" b="1" i="1" dirty="0">
                         <a:solidFill>
@@ -10466,7 +11842,7 @@
         </p:nvSpPr>
         <p:spPr>
           <a:xfrm>
-            <a:off x="5460312" y="3176743"/>
+            <a:off x="5460312" y="3852383"/>
             <a:ext cx="525142" cy="338554"/>
           </a:xfrm>
           <a:prstGeom prst="rect">
@@ -10477,7 +11853,7 @@
           </a:ln>
           <a:extLst>
             <a:ext uri="{C572A759-6A51-4108-AA02-DFA0A04FC94B}">
-              <ma14:wrappingTextBoxFlag xmlns="" xmlns:ma14="http://schemas.microsoft.com/office/mac/drawingml/2011/main" val="1"/>
+              <ma14:wrappingTextBoxFlag xmlns:ma14="http://schemas.microsoft.com/office/mac/drawingml/2011/main" xmlns="" val="1"/>
             </a:ext>
           </a:extLst>
         </p:spPr>
@@ -10524,124 +11900,14 @@
       </p:sp>
       <p:sp>
         <p:nvSpPr>
-          <p:cNvPr id="146" name="Shape 146"/>
-          <p:cNvSpPr/>
-          <p:nvPr/>
-        </p:nvSpPr>
-        <p:spPr>
-          <a:xfrm flipH="1" flipV="1">
-            <a:off x="1892300" y="2887980"/>
-            <a:ext cx="1270000" cy="2979421"/>
-          </a:xfrm>
-          <a:prstGeom prst="line">
-            <a:avLst/>
-          </a:prstGeom>
-          <a:ln w="25400">
-            <a:solidFill>
-              <a:srgbClr val="008F00"/>
-            </a:solidFill>
-            <a:round/>
-          </a:ln>
-          <a:effectLst>
-            <a:outerShdw blurRad="38100" dist="20000" dir="5400000" rotWithShape="0">
-              <a:srgbClr val="000000">
-                <a:alpha val="38000"/>
-              </a:srgbClr>
-            </a:outerShdw>
-          </a:effectLst>
-        </p:spPr>
-        <p:txBody>
-          <a:bodyPr lIns="0" tIns="0" rIns="0" bIns="0"/>
-          <a:lstStyle/>
-          <a:p>
-            <a:pPr lvl="0" defTabSz="457200">
-              <a:defRPr sz="1200">
-                <a:solidFill>
-                  <a:srgbClr val="000000"/>
-                </a:solidFill>
-                <a:uFillTx/>
-                <a:latin typeface="+mj-lt"/>
-                <a:ea typeface="+mj-ea"/>
-                <a:cs typeface="+mj-cs"/>
-                <a:sym typeface="Helvetica"/>
-              </a:defRPr>
-            </a:pPr>
-            <a:endParaRPr dirty="0">
-              <a:solidFill>
-                <a:schemeClr val="tx1"/>
-              </a:solidFill>
-              <a:latin typeface="Arial Unicode MS" panose="020B0604020202020204" pitchFamily="34" charset="-128"/>
-              <a:ea typeface="Arial Unicode MS" panose="020B0604020202020204" pitchFamily="34" charset="-128"/>
-              <a:cs typeface="Arial Unicode MS" panose="020B0604020202020204" pitchFamily="34" charset="-128"/>
-            </a:endParaRPr>
-          </a:p>
-        </p:txBody>
-      </p:sp>
-      <p:sp>
-        <p:nvSpPr>
-          <p:cNvPr id="147" name="Shape 147"/>
-          <p:cNvSpPr/>
-          <p:nvPr/>
-        </p:nvSpPr>
-        <p:spPr>
-          <a:xfrm flipH="1">
-            <a:off x="1917699" y="1332411"/>
-            <a:ext cx="1504770" cy="1504770"/>
-          </a:xfrm>
-          <a:prstGeom prst="line">
-            <a:avLst/>
-          </a:prstGeom>
-          <a:ln w="25400">
-            <a:solidFill>
-              <a:srgbClr val="008F00"/>
-            </a:solidFill>
-            <a:round/>
-          </a:ln>
-          <a:effectLst>
-            <a:outerShdw blurRad="38100" dist="20000" dir="5400000" rotWithShape="0">
-              <a:srgbClr val="000000">
-                <a:alpha val="38000"/>
-              </a:srgbClr>
-            </a:outerShdw>
-          </a:effectLst>
-        </p:spPr>
-        <p:txBody>
-          <a:bodyPr lIns="0" tIns="0" rIns="0" bIns="0"/>
-          <a:lstStyle/>
-          <a:p>
-            <a:pPr lvl="0" defTabSz="457200">
-              <a:defRPr sz="1200">
-                <a:solidFill>
-                  <a:srgbClr val="000000"/>
-                </a:solidFill>
-                <a:uFillTx/>
-                <a:latin typeface="+mj-lt"/>
-                <a:ea typeface="+mj-ea"/>
-                <a:cs typeface="+mj-cs"/>
-                <a:sym typeface="Helvetica"/>
-              </a:defRPr>
-            </a:pPr>
-            <a:endParaRPr dirty="0">
-              <a:solidFill>
-                <a:schemeClr val="tx1"/>
-              </a:solidFill>
-              <a:latin typeface="Arial Unicode MS" panose="020B0604020202020204" pitchFamily="34" charset="-128"/>
-              <a:ea typeface="Arial Unicode MS" panose="020B0604020202020204" pitchFamily="34" charset="-128"/>
-              <a:cs typeface="Arial Unicode MS" panose="020B0604020202020204" pitchFamily="34" charset="-128"/>
-            </a:endParaRPr>
-          </a:p>
-        </p:txBody>
-      </p:sp>
-      <p:sp>
-        <p:nvSpPr>
           <p:cNvPr id="149" name="Shape 149"/>
           <p:cNvSpPr/>
           <p:nvPr/>
         </p:nvSpPr>
         <p:spPr>
           <a:xfrm>
-            <a:off x="5726993" y="2380667"/>
-            <a:ext cx="1" cy="673101"/>
+            <a:off x="5425429" y="3537623"/>
+            <a:ext cx="1" cy="421190"/>
           </a:xfrm>
           <a:prstGeom prst="line">
             <a:avLst/>
@@ -10688,6 +11954,508 @@
           </a:p>
         </p:txBody>
       </p:sp>
+      <p:pic>
+        <p:nvPicPr>
+          <p:cNvPr id="4" name="Picture 3" descr="Graphical user interface, application&#10;&#10;Description automatically generated">
+            <a:extLst>
+              <a:ext uri="{FF2B5EF4-FFF2-40B4-BE49-F238E27FC236}">
+                <a16:creationId xmlns:a16="http://schemas.microsoft.com/office/drawing/2014/main" id="{38AADA76-720D-BF6D-B6EC-4F961441A7F9}"/>
+              </a:ext>
+            </a:extLst>
+          </p:cNvPr>
+          <p:cNvPicPr>
+            <a:picLocks noChangeAspect="1"/>
+          </p:cNvPicPr>
+          <p:nvPr/>
+        </p:nvPicPr>
+        <p:blipFill rotWithShape="1">
+          <a:blip r:embed="rId2" cstate="print">
+            <a:extLst>
+              <a:ext uri="{28A0092B-C50C-407E-A947-70E740481C1C}">
+                <a14:useLocalDpi xmlns:a14="http://schemas.microsoft.com/office/drawing/2010/main" val="0"/>
+              </a:ext>
+            </a:extLst>
+          </a:blip>
+          <a:srcRect l="4055" t="49202" r="72833" b="20939"/>
+          <a:stretch/>
+        </p:blipFill>
+        <p:spPr>
+          <a:xfrm>
+            <a:off x="4750890" y="2564794"/>
+            <a:ext cx="1747520" cy="1100603"/>
+          </a:xfrm>
+          <a:prstGeom prst="rect">
+            <a:avLst/>
+          </a:prstGeom>
+        </p:spPr>
+      </p:pic>
+      <p:pic>
+        <p:nvPicPr>
+          <p:cNvPr id="6" name="Picture 5" descr="Graphical user interface, application&#10;&#10;Description automatically generated">
+            <a:extLst>
+              <a:ext uri="{FF2B5EF4-FFF2-40B4-BE49-F238E27FC236}">
+                <a16:creationId xmlns:a16="http://schemas.microsoft.com/office/drawing/2014/main" id="{F3FA24D6-D5B5-F85F-A104-7B80B6A06CD8}"/>
+              </a:ext>
+            </a:extLst>
+          </p:cNvPr>
+          <p:cNvPicPr>
+            <a:picLocks noChangeAspect="1"/>
+          </p:cNvPicPr>
+          <p:nvPr/>
+        </p:nvPicPr>
+        <p:blipFill>
+          <a:blip r:embed="rId3" cstate="print">
+            <a:extLst>
+              <a:ext uri="{28A0092B-C50C-407E-A947-70E740481C1C}">
+                <a14:useLocalDpi xmlns:a14="http://schemas.microsoft.com/office/drawing/2010/main" val="0"/>
+              </a:ext>
+            </a:extLst>
+          </a:blip>
+          <a:stretch>
+            <a:fillRect/>
+          </a:stretch>
+        </p:blipFill>
+        <p:spPr>
+          <a:xfrm>
+            <a:off x="5271770" y="243565"/>
+            <a:ext cx="3383279" cy="1588436"/>
+          </a:xfrm>
+          <a:prstGeom prst="rect">
+            <a:avLst/>
+          </a:prstGeom>
+        </p:spPr>
+      </p:pic>
+      <p:sp>
+        <p:nvSpPr>
+          <p:cNvPr id="7" name="Shape 149">
+            <a:extLst>
+              <a:ext uri="{FF2B5EF4-FFF2-40B4-BE49-F238E27FC236}">
+                <a16:creationId xmlns:a16="http://schemas.microsoft.com/office/drawing/2014/main" id="{C37DB165-D48B-58C3-F918-8AD198CED5BC}"/>
+              </a:ext>
+            </a:extLst>
+          </p:cNvPr>
+          <p:cNvSpPr/>
+          <p:nvPr/>
+        </p:nvSpPr>
+        <p:spPr>
+          <a:xfrm flipH="1">
+            <a:off x="5721534" y="1859504"/>
+            <a:ext cx="978976" cy="665255"/>
+          </a:xfrm>
+          <a:prstGeom prst="line">
+            <a:avLst/>
+          </a:prstGeom>
+          <a:ln w="38100">
+            <a:solidFill>
+              <a:srgbClr val="008F00"/>
+            </a:solidFill>
+            <a:round/>
+            <a:tailEnd type="triangle"/>
+          </a:ln>
+          <a:effectLst>
+            <a:outerShdw blurRad="38100" dist="20000" dir="5400000" rotWithShape="0">
+              <a:srgbClr val="000000">
+                <a:alpha val="38000"/>
+              </a:srgbClr>
+            </a:outerShdw>
+          </a:effectLst>
+        </p:spPr>
+        <p:txBody>
+          <a:bodyPr lIns="0" tIns="0" rIns="0" bIns="0"/>
+          <a:lstStyle/>
+          <a:p>
+            <a:pPr lvl="0" defTabSz="457200">
+              <a:defRPr sz="1200">
+                <a:solidFill>
+                  <a:srgbClr val="000000"/>
+                </a:solidFill>
+                <a:uFillTx/>
+                <a:latin typeface="+mj-lt"/>
+                <a:ea typeface="+mj-ea"/>
+                <a:cs typeface="+mj-cs"/>
+                <a:sym typeface="Helvetica"/>
+              </a:defRPr>
+            </a:pPr>
+            <a:endParaRPr dirty="0">
+              <a:solidFill>
+                <a:schemeClr val="tx1"/>
+              </a:solidFill>
+              <a:latin typeface="Arial Unicode MS" panose="020B0604020202020204" pitchFamily="34" charset="-128"/>
+              <a:ea typeface="Arial Unicode MS" panose="020B0604020202020204" pitchFamily="34" charset="-128"/>
+              <a:cs typeface="Arial Unicode MS" panose="020B0604020202020204" pitchFamily="34" charset="-128"/>
+            </a:endParaRPr>
+          </a:p>
+        </p:txBody>
+      </p:sp>
+      <p:sp>
+        <p:nvSpPr>
+          <p:cNvPr id="8" name="Shape 308">
+            <a:extLst>
+              <a:ext uri="{FF2B5EF4-FFF2-40B4-BE49-F238E27FC236}">
+                <a16:creationId xmlns:a16="http://schemas.microsoft.com/office/drawing/2014/main" id="{64C91271-E514-FF87-66F5-294558412A46}"/>
+              </a:ext>
+            </a:extLst>
+          </p:cNvPr>
+          <p:cNvSpPr/>
+          <p:nvPr/>
+        </p:nvSpPr>
+        <p:spPr>
+          <a:xfrm>
+            <a:off x="3162300" y="1649969"/>
+            <a:ext cx="1899142" cy="369332"/>
+          </a:xfrm>
+          <a:prstGeom prst="rect">
+            <a:avLst/>
+          </a:prstGeom>
+          <a:ln w="12700">
+            <a:miter lim="400000"/>
+          </a:ln>
+          <a:extLst>
+            <a:ext uri="{C572A759-6A51-4108-AA02-DFA0A04FC94B}">
+              <ma14:wrappingTextBoxFlag xmlns:ma14="http://schemas.microsoft.com/office/mac/drawingml/2011/main" xmlns="" val="1"/>
+            </a:ext>
+          </a:extLst>
+        </p:spPr>
+        <p:txBody>
+          <a:bodyPr wrap="square" lIns="0" tIns="0" rIns="0" bIns="0">
+            <a:spAutoFit/>
+          </a:bodyPr>
+          <a:lstStyle>
+            <a:lvl1pPr>
+              <a:defRPr>
+                <a:solidFill>
+                  <a:srgbClr val="FF2600"/>
+                </a:solidFill>
+              </a:defRPr>
+            </a:lvl1pPr>
+          </a:lstStyle>
+          <a:p>
+            <a:pPr lvl="0" algn="ctr">
+              <a:defRPr sz="1800">
+                <a:solidFill>
+                  <a:srgbClr val="000000"/>
+                </a:solidFill>
+                <a:uFillTx/>
+              </a:defRPr>
+            </a:pPr>
+            <a:r>
+              <a:rPr lang="en-US" sz="2400" b="1" dirty="0">
+                <a:solidFill>
+                  <a:srgbClr val="57068C"/>
+                </a:solidFill>
+                <a:uFill>
+                  <a:solidFill/>
+                </a:uFill>
+                <a:latin typeface="Arial Unicode MS" panose="020B0604020202020204" pitchFamily="34" charset="-128"/>
+                <a:ea typeface="Arial Unicode MS" panose="020B0604020202020204" pitchFamily="34" charset="-128"/>
+                <a:cs typeface="Arial Unicode MS" panose="020B0604020202020204" pitchFamily="34" charset="-128"/>
+              </a:rPr>
+              <a:t>ER Diagram</a:t>
+            </a:r>
+            <a:endParaRPr sz="2400" dirty="0">
+              <a:solidFill>
+                <a:srgbClr val="57068C"/>
+              </a:solidFill>
+              <a:uFill>
+                <a:solidFill/>
+              </a:uFill>
+              <a:latin typeface="Arial Unicode MS" panose="020B0604020202020204" pitchFamily="34" charset="-128"/>
+              <a:ea typeface="Arial Unicode MS" panose="020B0604020202020204" pitchFamily="34" charset="-128"/>
+              <a:cs typeface="Arial Unicode MS" panose="020B0604020202020204" pitchFamily="34" charset="-128"/>
+            </a:endParaRPr>
+          </a:p>
+        </p:txBody>
+      </p:sp>
+      <p:cxnSp>
+        <p:nvCxnSpPr>
+          <p:cNvPr id="9" name="Straight Arrow Connector 8">
+            <a:extLst>
+              <a:ext uri="{FF2B5EF4-FFF2-40B4-BE49-F238E27FC236}">
+                <a16:creationId xmlns:a16="http://schemas.microsoft.com/office/drawing/2014/main" id="{B6542107-8598-2023-4ADA-EF414A4E501D}"/>
+              </a:ext>
+            </a:extLst>
+          </p:cNvPr>
+          <p:cNvCxnSpPr>
+            <a:cxnSpLocks/>
+          </p:cNvCxnSpPr>
+          <p:nvPr/>
+        </p:nvCxnSpPr>
+        <p:spPr>
+          <a:xfrm flipV="1">
+            <a:off x="4882968" y="1536138"/>
+            <a:ext cx="388802" cy="156878"/>
+          </a:xfrm>
+          <a:prstGeom prst="straightConnector1">
+            <a:avLst/>
+          </a:prstGeom>
+          <a:ln w="28575">
+            <a:solidFill>
+              <a:srgbClr val="57068C"/>
+            </a:solidFill>
+            <a:tailEnd type="triangle"/>
+          </a:ln>
+        </p:spPr>
+        <p:style>
+          <a:lnRef idx="1">
+            <a:schemeClr val="accent1"/>
+          </a:lnRef>
+          <a:fillRef idx="0">
+            <a:schemeClr val="accent1"/>
+          </a:fillRef>
+          <a:effectRef idx="0">
+            <a:schemeClr val="accent1"/>
+          </a:effectRef>
+          <a:fontRef idx="minor">
+            <a:schemeClr val="tx1"/>
+          </a:fontRef>
+        </p:style>
+      </p:cxnSp>
+      <p:sp>
+        <p:nvSpPr>
+          <p:cNvPr id="13" name="Shape 308">
+            <a:extLst>
+              <a:ext uri="{FF2B5EF4-FFF2-40B4-BE49-F238E27FC236}">
+                <a16:creationId xmlns:a16="http://schemas.microsoft.com/office/drawing/2014/main" id="{244BDAB8-BD18-A503-46E7-4F0E58FFC234}"/>
+              </a:ext>
+            </a:extLst>
+          </p:cNvPr>
+          <p:cNvSpPr/>
+          <p:nvPr/>
+        </p:nvSpPr>
+        <p:spPr>
+          <a:xfrm>
+            <a:off x="670562" y="3429000"/>
+            <a:ext cx="2880358" cy="369332"/>
+          </a:xfrm>
+          <a:prstGeom prst="rect">
+            <a:avLst/>
+          </a:prstGeom>
+          <a:ln w="12700">
+            <a:miter lim="400000"/>
+          </a:ln>
+          <a:extLst>
+            <a:ext uri="{C572A759-6A51-4108-AA02-DFA0A04FC94B}">
+              <ma14:wrappingTextBoxFlag xmlns:ma14="http://schemas.microsoft.com/office/mac/drawingml/2011/main" xmlns="" val="1"/>
+            </a:ext>
+          </a:extLst>
+        </p:spPr>
+        <p:txBody>
+          <a:bodyPr wrap="square" lIns="0" tIns="0" rIns="0" bIns="0">
+            <a:spAutoFit/>
+          </a:bodyPr>
+          <a:lstStyle>
+            <a:lvl1pPr>
+              <a:defRPr>
+                <a:solidFill>
+                  <a:srgbClr val="FF2600"/>
+                </a:solidFill>
+              </a:defRPr>
+            </a:lvl1pPr>
+          </a:lstStyle>
+          <a:p>
+            <a:pPr lvl="0" algn="ctr">
+              <a:defRPr sz="1800">
+                <a:solidFill>
+                  <a:srgbClr val="000000"/>
+                </a:solidFill>
+                <a:uFillTx/>
+              </a:defRPr>
+            </a:pPr>
+            <a:r>
+              <a:rPr lang="en-US" sz="2400" b="1" dirty="0">
+                <a:solidFill>
+                  <a:srgbClr val="57068C"/>
+                </a:solidFill>
+                <a:uFill>
+                  <a:solidFill/>
+                </a:uFill>
+                <a:latin typeface="Arial Unicode MS" panose="020B0604020202020204" pitchFamily="34" charset="-128"/>
+                <a:ea typeface="Arial Unicode MS" panose="020B0604020202020204" pitchFamily="34" charset="-128"/>
+                <a:cs typeface="Arial Unicode MS" panose="020B0604020202020204" pitchFamily="34" charset="-128"/>
+              </a:rPr>
+              <a:t>Relational Schema</a:t>
+            </a:r>
+            <a:endParaRPr sz="2400" dirty="0">
+              <a:solidFill>
+                <a:srgbClr val="57068C"/>
+              </a:solidFill>
+              <a:uFill>
+                <a:solidFill/>
+              </a:uFill>
+              <a:latin typeface="Arial Unicode MS" panose="020B0604020202020204" pitchFamily="34" charset="-128"/>
+              <a:ea typeface="Arial Unicode MS" panose="020B0604020202020204" pitchFamily="34" charset="-128"/>
+              <a:cs typeface="Arial Unicode MS" panose="020B0604020202020204" pitchFamily="34" charset="-128"/>
+            </a:endParaRPr>
+          </a:p>
+        </p:txBody>
+      </p:sp>
+      <p:cxnSp>
+        <p:nvCxnSpPr>
+          <p:cNvPr id="14" name="Straight Arrow Connector 13">
+            <a:extLst>
+              <a:ext uri="{FF2B5EF4-FFF2-40B4-BE49-F238E27FC236}">
+                <a16:creationId xmlns:a16="http://schemas.microsoft.com/office/drawing/2014/main" id="{041EC43A-50E5-3AF2-E47F-9B13EDDF2941}"/>
+              </a:ext>
+            </a:extLst>
+          </p:cNvPr>
+          <p:cNvCxnSpPr>
+            <a:cxnSpLocks/>
+          </p:cNvCxnSpPr>
+          <p:nvPr/>
+        </p:nvCxnSpPr>
+        <p:spPr>
+          <a:xfrm flipV="1">
+            <a:off x="3389448" y="3102715"/>
+            <a:ext cx="1258752" cy="369332"/>
+          </a:xfrm>
+          <a:prstGeom prst="straightConnector1">
+            <a:avLst/>
+          </a:prstGeom>
+          <a:ln w="28575">
+            <a:solidFill>
+              <a:srgbClr val="57068C"/>
+            </a:solidFill>
+            <a:tailEnd type="triangle"/>
+          </a:ln>
+        </p:spPr>
+        <p:style>
+          <a:lnRef idx="1">
+            <a:schemeClr val="accent1"/>
+          </a:lnRef>
+          <a:fillRef idx="0">
+            <a:schemeClr val="accent1"/>
+          </a:fillRef>
+          <a:effectRef idx="0">
+            <a:schemeClr val="accent1"/>
+          </a:effectRef>
+          <a:fontRef idx="minor">
+            <a:schemeClr val="tx1"/>
+          </a:fontRef>
+        </p:style>
+      </p:cxnSp>
+      <p:sp>
+        <p:nvSpPr>
+          <p:cNvPr id="16" name="Shape 308">
+            <a:extLst>
+              <a:ext uri="{FF2B5EF4-FFF2-40B4-BE49-F238E27FC236}">
+                <a16:creationId xmlns:a16="http://schemas.microsoft.com/office/drawing/2014/main" id="{1D2AFADE-E8A0-8BA0-87D0-0B0EE2CD0E2E}"/>
+              </a:ext>
+            </a:extLst>
+          </p:cNvPr>
+          <p:cNvSpPr/>
+          <p:nvPr/>
+        </p:nvSpPr>
+        <p:spPr>
+          <a:xfrm>
+            <a:off x="-85683" y="4370795"/>
+            <a:ext cx="2880358" cy="369332"/>
+          </a:xfrm>
+          <a:prstGeom prst="rect">
+            <a:avLst/>
+          </a:prstGeom>
+          <a:ln w="12700">
+            <a:miter lim="400000"/>
+          </a:ln>
+          <a:extLst>
+            <a:ext uri="{C572A759-6A51-4108-AA02-DFA0A04FC94B}">
+              <ma14:wrappingTextBoxFlag xmlns:ma14="http://schemas.microsoft.com/office/mac/drawingml/2011/main" xmlns="" val="1"/>
+            </a:ext>
+          </a:extLst>
+        </p:spPr>
+        <p:txBody>
+          <a:bodyPr wrap="square" lIns="0" tIns="0" rIns="0" bIns="0">
+            <a:spAutoFit/>
+          </a:bodyPr>
+          <a:lstStyle>
+            <a:lvl1pPr>
+              <a:defRPr>
+                <a:solidFill>
+                  <a:srgbClr val="FF2600"/>
+                </a:solidFill>
+              </a:defRPr>
+            </a:lvl1pPr>
+          </a:lstStyle>
+          <a:p>
+            <a:pPr lvl="0" algn="ctr">
+              <a:defRPr sz="1800">
+                <a:solidFill>
+                  <a:srgbClr val="000000"/>
+                </a:solidFill>
+                <a:uFillTx/>
+              </a:defRPr>
+            </a:pPr>
+            <a:r>
+              <a:rPr lang="en-US" sz="2400" b="1" dirty="0">
+                <a:solidFill>
+                  <a:srgbClr val="57068C"/>
+                </a:solidFill>
+                <a:uFill>
+                  <a:solidFill/>
+                </a:uFill>
+                <a:latin typeface="Arial Unicode MS" panose="020B0604020202020204" pitchFamily="34" charset="-128"/>
+                <a:ea typeface="Arial Unicode MS" panose="020B0604020202020204" pitchFamily="34" charset="-128"/>
+                <a:cs typeface="Arial Unicode MS" panose="020B0604020202020204" pitchFamily="34" charset="-128"/>
+              </a:rPr>
+              <a:t>Actual data</a:t>
+            </a:r>
+            <a:endParaRPr sz="2400" dirty="0">
+              <a:solidFill>
+                <a:srgbClr val="57068C"/>
+              </a:solidFill>
+              <a:uFill>
+                <a:solidFill/>
+              </a:uFill>
+              <a:latin typeface="Arial Unicode MS" panose="020B0604020202020204" pitchFamily="34" charset="-128"/>
+              <a:ea typeface="Arial Unicode MS" panose="020B0604020202020204" pitchFamily="34" charset="-128"/>
+              <a:cs typeface="Arial Unicode MS" panose="020B0604020202020204" pitchFamily="34" charset="-128"/>
+            </a:endParaRPr>
+          </a:p>
+        </p:txBody>
+      </p:sp>
+      <p:cxnSp>
+        <p:nvCxnSpPr>
+          <p:cNvPr id="17" name="Straight Arrow Connector 16">
+            <a:extLst>
+              <a:ext uri="{FF2B5EF4-FFF2-40B4-BE49-F238E27FC236}">
+                <a16:creationId xmlns:a16="http://schemas.microsoft.com/office/drawing/2014/main" id="{E17604FE-A202-21D3-DA43-A9A3769A6DD7}"/>
+              </a:ext>
+            </a:extLst>
+          </p:cNvPr>
+          <p:cNvCxnSpPr>
+            <a:cxnSpLocks/>
+          </p:cNvCxnSpPr>
+          <p:nvPr/>
+        </p:nvCxnSpPr>
+        <p:spPr>
+          <a:xfrm>
+            <a:off x="2275840" y="4592320"/>
+            <a:ext cx="843280" cy="203200"/>
+          </a:xfrm>
+          <a:prstGeom prst="straightConnector1">
+            <a:avLst/>
+          </a:prstGeom>
+          <a:ln w="28575">
+            <a:solidFill>
+              <a:srgbClr val="57068C"/>
+            </a:solidFill>
+            <a:tailEnd type="triangle"/>
+          </a:ln>
+        </p:spPr>
+        <p:style>
+          <a:lnRef idx="1">
+            <a:schemeClr val="accent1"/>
+          </a:lnRef>
+          <a:fillRef idx="0">
+            <a:schemeClr val="accent1"/>
+          </a:fillRef>
+          <a:effectRef idx="0">
+            <a:schemeClr val="accent1"/>
+          </a:effectRef>
+          <a:fontRef idx="minor">
+            <a:schemeClr val="tx1"/>
+          </a:fontRef>
+        </p:style>
+      </p:cxnSp>
     </p:spTree>
     <p:extLst>
       <p:ext uri="{BB962C8B-B14F-4D97-AF65-F5344CB8AC3E}">
@@ -10727,8 +12495,8 @@
         </p:nvSpPr>
         <p:spPr>
           <a:xfrm>
-            <a:off x="386308" y="147496"/>
-            <a:ext cx="7757379" cy="553998"/>
+            <a:off x="66040" y="147496"/>
+            <a:ext cx="8539480" cy="1015663"/>
           </a:xfrm>
           <a:prstGeom prst="rect">
             <a:avLst/>
@@ -10738,12 +12506,12 @@
           </a:ln>
           <a:extLst>
             <a:ext uri="{C572A759-6A51-4108-AA02-DFA0A04FC94B}">
-              <ma14:wrappingTextBoxFlag xmlns="" xmlns:ma14="http://schemas.microsoft.com/office/mac/drawingml/2011/main" val="1"/>
+              <ma14:wrappingTextBoxFlag xmlns:ma14="http://schemas.microsoft.com/office/mac/drawingml/2011/main" xmlns="" val="1"/>
             </a:ext>
           </a:extLst>
         </p:spPr>
         <p:txBody>
-          <a:bodyPr lIns="45719" rIns="45719">
+          <a:bodyPr wrap="square" lIns="45719" rIns="45719">
             <a:spAutoFit/>
           </a:bodyPr>
           <a:lstStyle>
@@ -10812,7 +12580,39 @@
                 <a:ea typeface="Arial Unicode MS" panose="020B0604020202020204" pitchFamily="34" charset="-128"/>
                 <a:cs typeface="Arial Unicode MS" panose="020B0604020202020204" pitchFamily="34" charset="-128"/>
               </a:rPr>
-              <a:t>: One to many relationships</a:t>
+              <a:t>: </a:t>
+            </a:r>
+            <a:r>
+              <a:rPr lang="en-US" sz="3000" b="1" dirty="0">
+                <a:solidFill>
+                  <a:srgbClr val="57068C"/>
+                </a:solidFill>
+                <a:uFill>
+                  <a:solidFill>
+                    <a:srgbClr val="FFFFFF"/>
+                  </a:solidFill>
+                </a:uFill>
+                <a:latin typeface="Arial Unicode MS" panose="020B0604020202020204" pitchFamily="34" charset="-128"/>
+                <a:ea typeface="Arial Unicode MS" panose="020B0604020202020204" pitchFamily="34" charset="-128"/>
+                <a:cs typeface="Arial Unicode MS" panose="020B0604020202020204" pitchFamily="34" charset="-128"/>
+              </a:rPr>
+              <a:t>Converting relationships into a relational schema: </a:t>
+            </a:r>
+            <a:r>
+              <a:rPr sz="3000" b="1" dirty="0">
+                <a:solidFill>
+                  <a:srgbClr val="57068C"/>
+                </a:solidFill>
+                <a:uFill>
+                  <a:solidFill>
+                    <a:srgbClr val="FFFFFF"/>
+                  </a:solidFill>
+                </a:uFill>
+                <a:latin typeface="Arial Unicode MS" panose="020B0604020202020204" pitchFamily="34" charset="-128"/>
+                <a:ea typeface="Arial Unicode MS" panose="020B0604020202020204" pitchFamily="34" charset="-128"/>
+                <a:cs typeface="Arial Unicode MS" panose="020B0604020202020204" pitchFamily="34" charset="-128"/>
+              </a:rPr>
+              <a:t>One to many relationships</a:t>
             </a:r>
           </a:p>
         </p:txBody>
@@ -10826,7 +12626,7 @@
         <p:spPr>
           <a:xfrm>
             <a:off x="469899" y="2286000"/>
-            <a:ext cx="7590196" cy="1243930"/>
+            <a:ext cx="7590196" cy="2041585"/>
           </a:xfrm>
           <a:prstGeom prst="rect">
             <a:avLst/>
@@ -10836,7 +12636,7 @@
           </a:ln>
           <a:extLst>
             <a:ext uri="{C572A759-6A51-4108-AA02-DFA0A04FC94B}">
-              <ma14:wrappingTextBoxFlag xmlns="" xmlns:ma14="http://schemas.microsoft.com/office/mac/drawingml/2011/main" val="1"/>
+              <ma14:wrappingTextBoxFlag xmlns:ma14="http://schemas.microsoft.com/office/mac/drawingml/2011/main" xmlns="" val="1"/>
             </a:ext>
           </a:extLst>
         </p:spPr>
@@ -10904,38 +12704,104 @@
                 <a:cs typeface="Arial Unicode MS" panose="020B0604020202020204" pitchFamily="34" charset="-128"/>
                 <a:sym typeface="Iowan Old Style Roman"/>
               </a:rPr>
-              <a:t>Add a foreign key (FK)</a:t>
-            </a:r>
+              <a:t>Add a </a:t>
+            </a:r>
+            <a:r>
+              <a:rPr sz="2300" b="1" dirty="0">
+                <a:solidFill>
+                  <a:schemeClr val="tx1"/>
+                </a:solidFill>
+                <a:uFill>
+                  <a:solidFill/>
+                </a:uFill>
+                <a:latin typeface="Arial Unicode MS" panose="020B0604020202020204" pitchFamily="34" charset="-128"/>
+                <a:ea typeface="Arial Unicode MS" panose="020B0604020202020204" pitchFamily="34" charset="-128"/>
+                <a:cs typeface="Arial Unicode MS" panose="020B0604020202020204" pitchFamily="34" charset="-128"/>
+                <a:sym typeface="Iowan Old Style Roman"/>
+              </a:rPr>
+              <a:t>foreign key (FK)</a:t>
+            </a:r>
+            <a:r>
+              <a:rPr lang="en-US" sz="2300" b="1" dirty="0">
+                <a:solidFill>
+                  <a:schemeClr val="tx1"/>
+                </a:solidFill>
+                <a:uFill>
+                  <a:solidFill/>
+                </a:uFill>
+                <a:latin typeface="Arial Unicode MS" panose="020B0604020202020204" pitchFamily="34" charset="-128"/>
+                <a:ea typeface="Arial Unicode MS" panose="020B0604020202020204" pitchFamily="34" charset="-128"/>
+                <a:cs typeface="Arial Unicode MS" panose="020B0604020202020204" pitchFamily="34" charset="-128"/>
+                <a:sym typeface="Iowan Old Style Roman"/>
+              </a:rPr>
+              <a:t> </a:t>
+            </a:r>
+            <a:r>
+              <a:rPr sz="2300" dirty="0">
+                <a:solidFill>
+                  <a:schemeClr val="tx1"/>
+                </a:solidFill>
+                <a:uFill>
+                  <a:solidFill/>
+                </a:uFill>
+                <a:latin typeface="Arial Unicode MS" panose="020B0604020202020204" pitchFamily="34" charset="-128"/>
+                <a:ea typeface="Arial Unicode MS" panose="020B0604020202020204" pitchFamily="34" charset="-128"/>
+                <a:cs typeface="Arial Unicode MS" panose="020B0604020202020204" pitchFamily="34" charset="-128"/>
+                <a:sym typeface="Iowan Old Style Roman"/>
+              </a:rPr>
+              <a:t>to the table corresponding to the “many” entity</a:t>
+            </a:r>
+            <a:endParaRPr lang="en-US" sz="2300" dirty="0">
+              <a:solidFill>
+                <a:schemeClr val="tx1"/>
+              </a:solidFill>
+              <a:uFill>
+                <a:solidFill/>
+              </a:uFill>
+              <a:latin typeface="Arial Unicode MS" panose="020B0604020202020204" pitchFamily="34" charset="-128"/>
+              <a:ea typeface="Arial Unicode MS" panose="020B0604020202020204" pitchFamily="34" charset="-128"/>
+              <a:cs typeface="Arial Unicode MS" panose="020B0604020202020204" pitchFamily="34" charset="-128"/>
+              <a:sym typeface="Iowan Old Style Roman"/>
+            </a:endParaRPr>
+          </a:p>
+          <a:p>
+            <a:pPr marL="650630" lvl="1" indent="-269630">
+              <a:spcBef>
+                <a:spcPts val="700"/>
+              </a:spcBef>
+              <a:buSzPct val="100000"/>
+              <a:buChar char="•"/>
+              <a:defRPr sz="1800">
+                <a:solidFill>
+                  <a:srgbClr val="000000"/>
+                </a:solidFill>
+                <a:uFillTx/>
+              </a:defRPr>
+            </a:pPr>
             <a:r>
               <a:rPr lang="en-US" sz="2300" dirty="0">
                 <a:solidFill>
                   <a:schemeClr val="tx1"/>
                 </a:solidFill>
-                <a:uFill>
-                  <a:solidFill/>
-                </a:uFill>
                 <a:latin typeface="Arial Unicode MS" panose="020B0604020202020204" pitchFamily="34" charset="-128"/>
                 <a:ea typeface="Arial Unicode MS" panose="020B0604020202020204" pitchFamily="34" charset="-128"/>
                 <a:cs typeface="Arial Unicode MS" panose="020B0604020202020204" pitchFamily="34" charset="-128"/>
                 <a:sym typeface="Iowan Old Style Roman"/>
               </a:rPr>
-              <a:t> </a:t>
-            </a:r>
-            <a:r>
-              <a:rPr sz="2300" dirty="0">
-                <a:solidFill>
-                  <a:schemeClr val="tx1"/>
-                </a:solidFill>
-                <a:uFill>
-                  <a:solidFill/>
-                </a:uFill>
-                <a:latin typeface="Arial Unicode MS" panose="020B0604020202020204" pitchFamily="34" charset="-128"/>
-                <a:ea typeface="Arial Unicode MS" panose="020B0604020202020204" pitchFamily="34" charset="-128"/>
-                <a:cs typeface="Arial Unicode MS" panose="020B0604020202020204" pitchFamily="34" charset="-128"/>
-                <a:sym typeface="Iowan Old Style Roman"/>
-              </a:rPr>
-              <a:t>to the table corresponding to the “many” entity</a:t>
-            </a:r>
+              <a:t>A foreign key is an attribute that can only take values that appear as primary keys in the referenced table</a:t>
+            </a:r>
+            <a:endParaRPr sz="2300" dirty="0">
+              <a:solidFill>
+                <a:schemeClr val="tx1"/>
+              </a:solidFill>
+              <a:uFill>
+                <a:solidFill/>
+              </a:uFill>
+              <a:latin typeface="Arial Unicode MS" panose="020B0604020202020204" pitchFamily="34" charset="-128"/>
+              <a:ea typeface="Arial Unicode MS" panose="020B0604020202020204" pitchFamily="34" charset="-128"/>
+              <a:cs typeface="Arial Unicode MS" panose="020B0604020202020204" pitchFamily="34" charset="-128"/>
+              <a:sym typeface="Iowan Old Style Roman"/>
+            </a:endParaRPr>
           </a:p>
         </p:txBody>
       </p:sp>
@@ -10972,10 +12838,10 @@
       </p:grpSpPr>
       <p:pic>
         <p:nvPicPr>
-          <p:cNvPr id="2" name="Picture 1">
+          <p:cNvPr id="6" name="Picture 5" descr="A picture containing application&#10;&#10;Description automatically generated">
             <a:extLst>
               <a:ext uri="{FF2B5EF4-FFF2-40B4-BE49-F238E27FC236}">
-                <a16:creationId xmlns:a16="http://schemas.microsoft.com/office/drawing/2014/main" id="{F317D794-F6ED-4944-8730-5A1FBB6E9DA4}"/>
+                <a16:creationId xmlns:a16="http://schemas.microsoft.com/office/drawing/2014/main" id="{41FD8057-3C53-EC03-7A06-875B028732BB}"/>
               </a:ext>
             </a:extLst>
           </p:cNvPr>
@@ -10985,15 +12851,21 @@
           <p:nvPr/>
         </p:nvPicPr>
         <p:blipFill>
-          <a:blip r:embed="rId2"/>
+          <a:blip r:embed="rId2">
+            <a:extLst>
+              <a:ext uri="{28A0092B-C50C-407E-A947-70E740481C1C}">
+                <a14:useLocalDpi xmlns:a14="http://schemas.microsoft.com/office/drawing/2010/main" val="0"/>
+              </a:ext>
+            </a:extLst>
+          </a:blip>
           <a:stretch>
             <a:fillRect/>
           </a:stretch>
         </p:blipFill>
         <p:spPr>
           <a:xfrm>
-            <a:off x="766081" y="2038888"/>
-            <a:ext cx="6219825" cy="2486025"/>
+            <a:off x="-76200" y="4077148"/>
+            <a:ext cx="9144000" cy="2330824"/>
           </a:xfrm>
           <a:prstGeom prst="rect">
             <a:avLst/>
@@ -11019,7 +12891,7 @@
           </a:ln>
           <a:extLst>
             <a:ext uri="{C572A759-6A51-4108-AA02-DFA0A04FC94B}">
-              <ma14:wrappingTextBoxFlag xmlns="" xmlns:ma14="http://schemas.microsoft.com/office/mac/drawingml/2011/main" val="1"/>
+              <ma14:wrappingTextBoxFlag xmlns:ma14="http://schemas.microsoft.com/office/mac/drawingml/2011/main" xmlns="" val="1"/>
             </a:ext>
           </a:extLst>
         </p:spPr>
@@ -11106,8 +12978,8 @@
         </p:nvSpPr>
         <p:spPr>
           <a:xfrm>
-            <a:off x="4818757" y="3525147"/>
-            <a:ext cx="1866901" cy="364491"/>
+            <a:off x="5438517" y="5871783"/>
+            <a:ext cx="1785243" cy="441402"/>
           </a:xfrm>
           <a:prstGeom prst="rect">
             <a:avLst/>
@@ -11145,16 +13017,58 @@
           </a:p>
         </p:txBody>
       </p:sp>
+      <p:pic>
+        <p:nvPicPr>
+          <p:cNvPr id="4" name="Picture 3" descr="A picture containing diagram&#10;&#10;Description automatically generated">
+            <a:extLst>
+              <a:ext uri="{FF2B5EF4-FFF2-40B4-BE49-F238E27FC236}">
+                <a16:creationId xmlns:a16="http://schemas.microsoft.com/office/drawing/2014/main" id="{56BA8684-77DD-D6C8-E892-8EACCB212574}"/>
+              </a:ext>
+            </a:extLst>
+          </p:cNvPr>
+          <p:cNvPicPr>
+            <a:picLocks noChangeAspect="1"/>
+          </p:cNvPicPr>
+          <p:nvPr/>
+        </p:nvPicPr>
+        <p:blipFill>
+          <a:blip r:embed="rId3" cstate="print">
+            <a:extLst>
+              <a:ext uri="{28A0092B-C50C-407E-A947-70E740481C1C}">
+                <a14:useLocalDpi xmlns:a14="http://schemas.microsoft.com/office/drawing/2010/main" val="0"/>
+              </a:ext>
+            </a:extLst>
+          </a:blip>
+          <a:stretch>
+            <a:fillRect/>
+          </a:stretch>
+        </p:blipFill>
+        <p:spPr>
+          <a:xfrm>
+            <a:off x="1007016" y="701494"/>
+            <a:ext cx="6614160" cy="2236037"/>
+          </a:xfrm>
+          <a:prstGeom prst="rect">
+            <a:avLst/>
+          </a:prstGeom>
+        </p:spPr>
+      </p:pic>
       <p:sp>
         <p:nvSpPr>
-          <p:cNvPr id="174" name="Shape 174"/>
+          <p:cNvPr id="7" name="Shape 308">
+            <a:extLst>
+              <a:ext uri="{FF2B5EF4-FFF2-40B4-BE49-F238E27FC236}">
+                <a16:creationId xmlns:a16="http://schemas.microsoft.com/office/drawing/2014/main" id="{79F3F71E-AC41-795A-7856-12E798718386}"/>
+              </a:ext>
+            </a:extLst>
+          </p:cNvPr>
           <p:cNvSpPr/>
           <p:nvPr/>
         </p:nvSpPr>
         <p:spPr>
           <a:xfrm>
-            <a:off x="6985906" y="3538204"/>
-            <a:ext cx="1270539" cy="353943"/>
+            <a:off x="6622502" y="288786"/>
+            <a:ext cx="1899142" cy="369332"/>
           </a:xfrm>
           <a:prstGeom prst="rect">
             <a:avLst/>
@@ -11164,29 +13078,25 @@
           </a:ln>
           <a:extLst>
             <a:ext uri="{C572A759-6A51-4108-AA02-DFA0A04FC94B}">
-              <ma14:wrappingTextBoxFlag xmlns="" xmlns:ma14="http://schemas.microsoft.com/office/mac/drawingml/2011/main" val="1"/>
+              <ma14:wrappingTextBoxFlag xmlns:ma14="http://schemas.microsoft.com/office/mac/drawingml/2011/main" xmlns="" val="1"/>
             </a:ext>
           </a:extLst>
         </p:spPr>
         <p:txBody>
-          <a:bodyPr wrap="none" lIns="45719" rIns="45719">
+          <a:bodyPr wrap="square" lIns="0" tIns="0" rIns="0" bIns="0">
             <a:spAutoFit/>
           </a:bodyPr>
           <a:lstStyle>
             <a:lvl1pPr>
-              <a:defRPr sz="1700">
+              <a:defRPr>
                 <a:solidFill>
                   <a:srgbClr val="FF2600"/>
                 </a:solidFill>
-                <a:latin typeface="+mn-lt"/>
-                <a:ea typeface="+mn-ea"/>
-                <a:cs typeface="+mn-cs"/>
-                <a:sym typeface="Arial"/>
               </a:defRPr>
             </a:lvl1pPr>
           </a:lstStyle>
           <a:p>
-            <a:pPr lvl="0">
+            <a:pPr lvl="0" algn="ctr">
               <a:defRPr sz="1800">
                 <a:solidFill>
                   <a:srgbClr val="000000"/>
@@ -11195,17 +13105,340 @@
               </a:defRPr>
             </a:pPr>
             <a:r>
-              <a:rPr sz="1700" dirty="0">
-                <a:solidFill>
-                  <a:schemeClr val="tx1"/>
-                </a:solidFill>
-                <a:uFill>
-                  <a:solidFill/>
-                </a:uFill>
-                <a:latin typeface="Arial Unicode MS" panose="020B0604020202020204" pitchFamily="34" charset="-128"/>
+              <a:rPr lang="en-US" sz="2400" b="1" dirty="0">
+                <a:solidFill>
+                  <a:srgbClr val="57068C"/>
+                </a:solidFill>
+                <a:uFill>
+                  <a:solidFill/>
+                </a:uFill>
+                <a:latin typeface="Arial Unicode MS" panose="020B0604020202020204" pitchFamily="34" charset="-128"/>
+                <a:ea typeface="Arial Unicode MS" panose="020B0604020202020204" pitchFamily="34" charset="-128"/>
+                <a:cs typeface="Arial Unicode MS" panose="020B0604020202020204" pitchFamily="34" charset="-128"/>
+              </a:rPr>
+              <a:t>ER Diagram</a:t>
+            </a:r>
+            <a:endParaRPr sz="2400" dirty="0">
+              <a:solidFill>
+                <a:srgbClr val="57068C"/>
+              </a:solidFill>
+              <a:uFill>
+                <a:solidFill/>
+              </a:uFill>
+              <a:latin typeface="Arial Unicode MS" panose="020B0604020202020204" pitchFamily="34" charset="-128"/>
+              <a:ea typeface="Arial Unicode MS" panose="020B0604020202020204" pitchFamily="34" charset="-128"/>
+              <a:cs typeface="Arial Unicode MS" panose="020B0604020202020204" pitchFamily="34" charset="-128"/>
+            </a:endParaRPr>
+          </a:p>
+        </p:txBody>
+      </p:sp>
+      <p:cxnSp>
+        <p:nvCxnSpPr>
+          <p:cNvPr id="8" name="Straight Arrow Connector 7">
+            <a:extLst>
+              <a:ext uri="{FF2B5EF4-FFF2-40B4-BE49-F238E27FC236}">
+                <a16:creationId xmlns:a16="http://schemas.microsoft.com/office/drawing/2014/main" id="{ED0C62FD-7975-8054-3201-C7F0BC986C29}"/>
+              </a:ext>
+            </a:extLst>
+          </p:cNvPr>
+          <p:cNvCxnSpPr>
+            <a:cxnSpLocks/>
+            <a:stCxn id="7" idx="2"/>
+          </p:cNvCxnSpPr>
+          <p:nvPr/>
+        </p:nvCxnSpPr>
+        <p:spPr>
+          <a:xfrm flipH="1">
+            <a:off x="7162800" y="658118"/>
+            <a:ext cx="409273" cy="534745"/>
+          </a:xfrm>
+          <a:prstGeom prst="straightConnector1">
+            <a:avLst/>
+          </a:prstGeom>
+          <a:ln w="28575">
+            <a:solidFill>
+              <a:srgbClr val="57068C"/>
+            </a:solidFill>
+            <a:tailEnd type="triangle"/>
+          </a:ln>
+        </p:spPr>
+        <p:style>
+          <a:lnRef idx="1">
+            <a:schemeClr val="accent1"/>
+          </a:lnRef>
+          <a:fillRef idx="0">
+            <a:schemeClr val="accent1"/>
+          </a:fillRef>
+          <a:effectRef idx="0">
+            <a:schemeClr val="accent1"/>
+          </a:effectRef>
+          <a:fontRef idx="minor">
+            <a:schemeClr val="tx1"/>
+          </a:fontRef>
+        </p:style>
+      </p:cxnSp>
+      <p:sp>
+        <p:nvSpPr>
+          <p:cNvPr id="9" name="Shape 308">
+            <a:extLst>
+              <a:ext uri="{FF2B5EF4-FFF2-40B4-BE49-F238E27FC236}">
+                <a16:creationId xmlns:a16="http://schemas.microsoft.com/office/drawing/2014/main" id="{65710D19-2E64-E121-2C2A-4A235CDBBC4D}"/>
+              </a:ext>
+            </a:extLst>
+          </p:cNvPr>
+          <p:cNvSpPr/>
+          <p:nvPr/>
+        </p:nvSpPr>
+        <p:spPr>
+          <a:xfrm>
+            <a:off x="177802" y="6343665"/>
+            <a:ext cx="2880358" cy="369332"/>
+          </a:xfrm>
+          <a:prstGeom prst="rect">
+            <a:avLst/>
+          </a:prstGeom>
+          <a:ln w="12700">
+            <a:miter lim="400000"/>
+          </a:ln>
+          <a:extLst>
+            <a:ext uri="{C572A759-6A51-4108-AA02-DFA0A04FC94B}">
+              <ma14:wrappingTextBoxFlag xmlns:ma14="http://schemas.microsoft.com/office/mac/drawingml/2011/main" xmlns="" val="1"/>
+            </a:ext>
+          </a:extLst>
+        </p:spPr>
+        <p:txBody>
+          <a:bodyPr wrap="square" lIns="0" tIns="0" rIns="0" bIns="0">
+            <a:spAutoFit/>
+          </a:bodyPr>
+          <a:lstStyle>
+            <a:lvl1pPr>
+              <a:defRPr>
+                <a:solidFill>
+                  <a:srgbClr val="FF2600"/>
+                </a:solidFill>
+              </a:defRPr>
+            </a:lvl1pPr>
+          </a:lstStyle>
+          <a:p>
+            <a:pPr lvl="0" algn="ctr">
+              <a:defRPr sz="1800">
+                <a:solidFill>
+                  <a:srgbClr val="000000"/>
+                </a:solidFill>
+                <a:uFillTx/>
+              </a:defRPr>
+            </a:pPr>
+            <a:r>
+              <a:rPr lang="en-US" sz="2400" b="1" dirty="0">
+                <a:solidFill>
+                  <a:srgbClr val="57068C"/>
+                </a:solidFill>
+                <a:uFill>
+                  <a:solidFill/>
+                </a:uFill>
+                <a:latin typeface="Arial Unicode MS" panose="020B0604020202020204" pitchFamily="34" charset="-128"/>
+                <a:ea typeface="Arial Unicode MS" panose="020B0604020202020204" pitchFamily="34" charset="-128"/>
+                <a:cs typeface="Arial Unicode MS" panose="020B0604020202020204" pitchFamily="34" charset="-128"/>
+              </a:rPr>
+              <a:t>Relational Schema</a:t>
+            </a:r>
+            <a:endParaRPr sz="2400" dirty="0">
+              <a:solidFill>
+                <a:srgbClr val="57068C"/>
+              </a:solidFill>
+              <a:uFill>
+                <a:solidFill/>
+              </a:uFill>
+              <a:latin typeface="Arial Unicode MS" panose="020B0604020202020204" pitchFamily="34" charset="-128"/>
+              <a:ea typeface="Arial Unicode MS" panose="020B0604020202020204" pitchFamily="34" charset="-128"/>
+              <a:cs typeface="Arial Unicode MS" panose="020B0604020202020204" pitchFamily="34" charset="-128"/>
+            </a:endParaRPr>
+          </a:p>
+        </p:txBody>
+      </p:sp>
+      <p:cxnSp>
+        <p:nvCxnSpPr>
+          <p:cNvPr id="10" name="Straight Arrow Connector 9">
+            <a:extLst>
+              <a:ext uri="{FF2B5EF4-FFF2-40B4-BE49-F238E27FC236}">
+                <a16:creationId xmlns:a16="http://schemas.microsoft.com/office/drawing/2014/main" id="{4678F73D-FF17-D627-1EEF-32045C40EEEF}"/>
+              </a:ext>
+            </a:extLst>
+          </p:cNvPr>
+          <p:cNvCxnSpPr>
+            <a:cxnSpLocks/>
+            <a:stCxn id="9" idx="3"/>
+          </p:cNvCxnSpPr>
+          <p:nvPr/>
+        </p:nvCxnSpPr>
+        <p:spPr>
+          <a:xfrm flipV="1">
+            <a:off x="3058160" y="5871783"/>
+            <a:ext cx="949960" cy="656548"/>
+          </a:xfrm>
+          <a:prstGeom prst="straightConnector1">
+            <a:avLst/>
+          </a:prstGeom>
+          <a:ln w="28575">
+            <a:solidFill>
+              <a:srgbClr val="57068C"/>
+            </a:solidFill>
+            <a:tailEnd type="triangle"/>
+          </a:ln>
+        </p:spPr>
+        <p:style>
+          <a:lnRef idx="1">
+            <a:schemeClr val="accent1"/>
+          </a:lnRef>
+          <a:fillRef idx="0">
+            <a:schemeClr val="accent1"/>
+          </a:fillRef>
+          <a:effectRef idx="0">
+            <a:schemeClr val="accent1"/>
+          </a:effectRef>
+          <a:fontRef idx="minor">
+            <a:schemeClr val="tx1"/>
+          </a:fontRef>
+        </p:style>
+      </p:cxnSp>
+      <p:sp>
+        <p:nvSpPr>
+          <p:cNvPr id="16" name="Shape 149">
+            <a:extLst>
+              <a:ext uri="{FF2B5EF4-FFF2-40B4-BE49-F238E27FC236}">
+                <a16:creationId xmlns:a16="http://schemas.microsoft.com/office/drawing/2014/main" id="{39580E3F-6B0B-F88B-84C6-70C72792A108}"/>
+              </a:ext>
+            </a:extLst>
+          </p:cNvPr>
+          <p:cNvSpPr/>
+          <p:nvPr/>
+        </p:nvSpPr>
+        <p:spPr>
+          <a:xfrm flipH="1">
+            <a:off x="4310192" y="2813789"/>
+            <a:ext cx="3904" cy="1143000"/>
+          </a:xfrm>
+          <a:prstGeom prst="line">
+            <a:avLst/>
+          </a:prstGeom>
+          <a:ln w="38100">
+            <a:solidFill>
+              <a:srgbClr val="008F00"/>
+            </a:solidFill>
+            <a:round/>
+            <a:tailEnd type="triangle"/>
+          </a:ln>
+          <a:effectLst>
+            <a:outerShdw blurRad="38100" dist="20000" dir="5400000" rotWithShape="0">
+              <a:srgbClr val="000000">
+                <a:alpha val="38000"/>
+              </a:srgbClr>
+            </a:outerShdw>
+          </a:effectLst>
+        </p:spPr>
+        <p:txBody>
+          <a:bodyPr lIns="0" tIns="0" rIns="0" bIns="0"/>
+          <a:lstStyle/>
+          <a:p>
+            <a:pPr lvl="0" defTabSz="457200">
+              <a:defRPr sz="1200">
+                <a:solidFill>
+                  <a:srgbClr val="000000"/>
+                </a:solidFill>
+                <a:uFillTx/>
+                <a:latin typeface="+mj-lt"/>
+                <a:ea typeface="+mj-ea"/>
+                <a:cs typeface="+mj-cs"/>
+                <a:sym typeface="Helvetica"/>
+              </a:defRPr>
+            </a:pPr>
+            <a:endParaRPr dirty="0">
+              <a:solidFill>
+                <a:schemeClr val="tx1"/>
+              </a:solidFill>
+              <a:latin typeface="Arial Unicode MS" panose="020B0604020202020204" pitchFamily="34" charset="-128"/>
+              <a:ea typeface="Arial Unicode MS" panose="020B0604020202020204" pitchFamily="34" charset="-128"/>
+              <a:cs typeface="Arial Unicode MS" panose="020B0604020202020204" pitchFamily="34" charset="-128"/>
+            </a:endParaRPr>
+          </a:p>
+        </p:txBody>
+      </p:sp>
+      <p:sp>
+        <p:nvSpPr>
+          <p:cNvPr id="19" name="Shape 308">
+            <a:extLst>
+              <a:ext uri="{FF2B5EF4-FFF2-40B4-BE49-F238E27FC236}">
+                <a16:creationId xmlns:a16="http://schemas.microsoft.com/office/drawing/2014/main" id="{43FE228C-7C92-3AD5-DE15-606DFF869F73}"/>
+              </a:ext>
+            </a:extLst>
+          </p:cNvPr>
+          <p:cNvSpPr/>
+          <p:nvPr/>
+        </p:nvSpPr>
+        <p:spPr>
+          <a:xfrm>
+            <a:off x="4262122" y="6341172"/>
+            <a:ext cx="2880358" cy="369332"/>
+          </a:xfrm>
+          <a:prstGeom prst="rect">
+            <a:avLst/>
+          </a:prstGeom>
+          <a:ln w="12700">
+            <a:miter lim="400000"/>
+          </a:ln>
+          <a:extLst>
+            <a:ext uri="{C572A759-6A51-4108-AA02-DFA0A04FC94B}">
+              <ma14:wrappingTextBoxFlag xmlns:ma14="http://schemas.microsoft.com/office/mac/drawingml/2011/main" xmlns="" val="1"/>
+            </a:ext>
+          </a:extLst>
+        </p:spPr>
+        <p:txBody>
+          <a:bodyPr wrap="square" lIns="0" tIns="0" rIns="0" bIns="0">
+            <a:spAutoFit/>
+          </a:bodyPr>
+          <a:lstStyle>
+            <a:lvl1pPr>
+              <a:defRPr>
+                <a:solidFill>
+                  <a:srgbClr val="FF2600"/>
+                </a:solidFill>
+              </a:defRPr>
+            </a:lvl1pPr>
+          </a:lstStyle>
+          <a:p>
+            <a:pPr lvl="0" algn="ctr">
+              <a:defRPr sz="1800">
+                <a:solidFill>
+                  <a:srgbClr val="000000"/>
+                </a:solidFill>
+                <a:uFillTx/>
+              </a:defRPr>
+            </a:pPr>
+            <a:r>
+              <a:rPr lang="en-US" sz="2400" b="1" dirty="0">
+                <a:solidFill>
+                  <a:srgbClr val="57068C"/>
+                </a:solidFill>
+                <a:uFill>
+                  <a:solidFill/>
+                </a:uFill>
+                <a:latin typeface="Arial Unicode MS" panose="020B0604020202020204" pitchFamily="34" charset="-128"/>
+                <a:ea typeface="Arial Unicode MS" panose="020B0604020202020204" pitchFamily="34" charset="-128"/>
+                <a:cs typeface="Arial Unicode MS" panose="020B0604020202020204" pitchFamily="34" charset="-128"/>
               </a:rPr>
               <a:t>Foreign Key</a:t>
             </a:r>
+            <a:endParaRPr sz="2400" dirty="0">
+              <a:solidFill>
+                <a:srgbClr val="57068C"/>
+              </a:solidFill>
+              <a:uFill>
+                <a:solidFill/>
+              </a:uFill>
+              <a:latin typeface="Arial Unicode MS" panose="020B0604020202020204" pitchFamily="34" charset="-128"/>
+              <a:ea typeface="Arial Unicode MS" panose="020B0604020202020204" pitchFamily="34" charset="-128"/>
+              <a:cs typeface="Arial Unicode MS" panose="020B0604020202020204" pitchFamily="34" charset="-128"/>
+            </a:endParaRPr>
           </a:p>
         </p:txBody>
       </p:sp>
@@ -11280,58 +13513,6 @@
                       </p:childTnLst>
                     </p:cTn>
                   </p:par>
-                  <p:par>
-                    <p:cTn id="8" fill="hold">
-                      <p:stCondLst>
-                        <p:cond delay="indefinite"/>
-                      </p:stCondLst>
-                      <p:childTnLst>
-                        <p:par>
-                          <p:cTn id="9" fill="hold">
-                            <p:stCondLst>
-                              <p:cond delay="0"/>
-                            </p:stCondLst>
-                            <p:childTnLst>
-                              <p:par>
-                                <p:cTn id="10" presetID="9" presetClass="entr" presetSubtype="16" fill="hold" grpId="0" nodeType="clickEffect">
-                                  <p:stCondLst>
-                                    <p:cond delay="0"/>
-                                  </p:stCondLst>
-                                  <p:iterate>
-                                    <p:tmAbs val="0"/>
-                                  </p:iterate>
-                                  <p:childTnLst>
-                                    <p:set>
-                                      <p:cBhvr>
-                                        <p:cTn id="11" fill="hold"/>
-                                        <p:tgtEl>
-                                          <p:spTgt spid="174"/>
-                                        </p:tgtEl>
-                                        <p:attrNameLst>
-                                          <p:attrName>style.visibility</p:attrName>
-                                        </p:attrNameLst>
-                                      </p:cBhvr>
-                                      <p:to>
-                                        <p:strVal val="visible"/>
-                                      </p:to>
-                                    </p:set>
-                                    <p:animEffect transition="in" filter="dissolve(in)">
-                                      <p:cBhvr>
-                                        <p:cTn id="12" dur="750"/>
-                                        <p:tgtEl>
-                                          <p:spTgt spid="174"/>
-                                        </p:tgtEl>
-                                      </p:cBhvr>
-                                    </p:animEffect>
-                                  </p:childTnLst>
-                                </p:cTn>
-                              </p:par>
-                            </p:childTnLst>
-                          </p:cTn>
-                        </p:par>
-                      </p:childTnLst>
-                    </p:cTn>
-                  </p:par>
                 </p:childTnLst>
               </p:cTn>
               <p:prevCondLst>
@@ -11355,7 +13536,6 @@
     </p:tnLst>
     <p:bldLst>
       <p:bldP spid="173" grpId="0" animBg="1" advAuto="0"/>
-      <p:bldP spid="174" grpId="0" animBg="1" advAuto="0"/>
     </p:bldLst>
   </p:timing>
 </p:sld>
@@ -11397,7 +13577,7 @@
           </a:ln>
           <a:extLst>
             <a:ext uri="{C572A759-6A51-4108-AA02-DFA0A04FC94B}">
-              <ma14:wrappingTextBoxFlag xmlns="" xmlns:ma14="http://schemas.microsoft.com/office/mac/drawingml/2011/main" val="1"/>
+              <ma14:wrappingTextBoxFlag xmlns:ma14="http://schemas.microsoft.com/office/mac/drawingml/2011/main" xmlns="" val="1"/>
             </a:ext>
           </a:extLst>
         </p:spPr>
@@ -11495,7 +13675,7 @@
           </a:ln>
           <a:extLst>
             <a:ext uri="{C572A759-6A51-4108-AA02-DFA0A04FC94B}">
-              <ma14:wrappingTextBoxFlag xmlns="" xmlns:ma14="http://schemas.microsoft.com/office/mac/drawingml/2011/main" val="1"/>
+              <ma14:wrappingTextBoxFlag xmlns:ma14="http://schemas.microsoft.com/office/mac/drawingml/2011/main" xmlns="" val="1"/>
             </a:ext>
           </a:extLst>
         </p:spPr>
@@ -11702,9 +13882,51 @@
           <a:chExt cx="0" cy="0"/>
         </a:xfrm>
       </p:grpSpPr>
+      <p:pic>
+        <p:nvPicPr>
+          <p:cNvPr id="3" name="Picture 2" descr="Graphical user interface&#10;&#10;Description automatically generated">
+            <a:extLst>
+              <a:ext uri="{FF2B5EF4-FFF2-40B4-BE49-F238E27FC236}">
+                <a16:creationId xmlns:a16="http://schemas.microsoft.com/office/drawing/2014/main" id="{2393CD16-1221-D6A4-B513-734B369D69AD}"/>
+              </a:ext>
+            </a:extLst>
+          </p:cNvPr>
+          <p:cNvPicPr>
+            <a:picLocks noChangeAspect="1"/>
+          </p:cNvPicPr>
+          <p:nvPr/>
+        </p:nvPicPr>
+        <p:blipFill>
+          <a:blip r:embed="rId2" cstate="print">
+            <a:extLst>
+              <a:ext uri="{28A0092B-C50C-407E-A947-70E740481C1C}">
+                <a14:useLocalDpi xmlns:a14="http://schemas.microsoft.com/office/drawing/2010/main" val="0"/>
+              </a:ext>
+            </a:extLst>
+          </a:blip>
+          <a:stretch>
+            <a:fillRect/>
+          </a:stretch>
+        </p:blipFill>
+        <p:spPr>
+          <a:xfrm>
+            <a:off x="0" y="1345301"/>
+            <a:ext cx="9144000" cy="4167398"/>
+          </a:xfrm>
+          <a:prstGeom prst="rect">
+            <a:avLst/>
+          </a:prstGeom>
+        </p:spPr>
+      </p:pic>
       <p:sp>
         <p:nvSpPr>
-          <p:cNvPr id="152" name="Shape 152"/>
+          <p:cNvPr id="4" name="Shape 126">
+            <a:extLst>
+              <a:ext uri="{FF2B5EF4-FFF2-40B4-BE49-F238E27FC236}">
+                <a16:creationId xmlns:a16="http://schemas.microsoft.com/office/drawing/2014/main" id="{A08D1A6C-B119-C791-BF32-A0C30CF23009}"/>
+              </a:ext>
+            </a:extLst>
+          </p:cNvPr>
           <p:cNvSpPr/>
           <p:nvPr/>
         </p:nvSpPr>
@@ -11721,7 +13943,7 @@
           </a:ln>
           <a:extLst>
             <a:ext uri="{C572A759-6A51-4108-AA02-DFA0A04FC94B}">
-              <ma14:wrappingTextBoxFlag xmlns="" xmlns:ma14="http://schemas.microsoft.com/office/mac/drawingml/2011/main" val="1"/>
+              <ma14:wrappingTextBoxFlag xmlns:ma14="http://schemas.microsoft.com/office/mac/drawingml/2011/main" xmlns="" val="1"/>
             </a:ext>
           </a:extLst>
         </p:spPr>
@@ -11763,7 +13985,7 @@
                 <a:ea typeface="Arial Unicode MS" panose="020B0604020202020204" pitchFamily="34" charset="-128"/>
                 <a:cs typeface="Arial Unicode MS" panose="020B0604020202020204" pitchFamily="34" charset="-128"/>
               </a:rPr>
-              <a:t>Step </a:t>
+              <a:t>Relational </a:t>
             </a:r>
             <a:r>
               <a:rPr lang="en-US" sz="3000" b="1" dirty="0">
@@ -11779,317 +14001,20 @@
                 <a:ea typeface="Arial Unicode MS" panose="020B0604020202020204" pitchFamily="34" charset="-128"/>
                 <a:cs typeface="Arial Unicode MS" panose="020B0604020202020204" pitchFamily="34" charset="-128"/>
               </a:rPr>
-              <a:t>4</a:t>
-            </a:r>
-            <a:r>
-              <a:rPr sz="3000" b="1" dirty="0">
-                <a:solidFill>
-                  <a:srgbClr val="57068C"/>
-                </a:solidFill>
-                <a:uFill>
-                  <a:solidFill>
-                    <a:srgbClr val="FFFFFF"/>
-                  </a:solidFill>
-                </a:uFill>
-                <a:latin typeface="Arial Unicode MS" panose="020B0604020202020204" pitchFamily="34" charset="-128"/>
-                <a:ea typeface="Arial Unicode MS" panose="020B0604020202020204" pitchFamily="34" charset="-128"/>
-                <a:cs typeface="Arial Unicode MS" panose="020B0604020202020204" pitchFamily="34" charset="-128"/>
-              </a:rPr>
-              <a:t>: Many to many relationships</a:t>
-            </a:r>
-          </a:p>
-        </p:txBody>
-      </p:sp>
-      <p:sp>
-        <p:nvSpPr>
-          <p:cNvPr id="153" name="Shape 153"/>
-          <p:cNvSpPr/>
-          <p:nvPr/>
-        </p:nvSpPr>
-        <p:spPr>
-          <a:xfrm>
-            <a:off x="469899" y="2171700"/>
-            <a:ext cx="7590196" cy="2857192"/>
-          </a:xfrm>
-          <a:prstGeom prst="rect">
-            <a:avLst/>
-          </a:prstGeom>
-          <a:ln w="12700">
-            <a:miter lim="400000"/>
-          </a:ln>
-          <a:extLst>
-            <a:ext uri="{C572A759-6A51-4108-AA02-DFA0A04FC94B}">
-              <ma14:wrappingTextBoxFlag xmlns="" xmlns:ma14="http://schemas.microsoft.com/office/mac/drawingml/2011/main" val="1"/>
-            </a:ext>
-          </a:extLst>
-        </p:spPr>
-        <p:txBody>
-          <a:bodyPr lIns="45719" rIns="45719">
-            <a:spAutoFit/>
-          </a:bodyPr>
-          <a:lstStyle/>
-          <a:p>
-            <a:pPr marL="319453" lvl="0" indent="-281353">
-              <a:spcBef>
-                <a:spcPts val="700"/>
-              </a:spcBef>
-              <a:buSzPct val="50000"/>
-              <a:buBlip>
-                <a:blip r:embed="rId2"/>
-              </a:buBlip>
-              <a:defRPr sz="1800">
-                <a:solidFill>
-                  <a:srgbClr val="000000"/>
-                </a:solidFill>
-                <a:uFillTx/>
-              </a:defRPr>
-            </a:pPr>
-            <a:r>
-              <a:rPr lang="en-US" sz="2400" dirty="0">
-                <a:solidFill>
-                  <a:schemeClr val="tx1"/>
-                </a:solidFill>
-                <a:uFill>
-                  <a:solidFill/>
-                </a:uFill>
-                <a:latin typeface="Arial Unicode MS" panose="020B0604020202020204" pitchFamily="34" charset="-128"/>
-                <a:ea typeface="Arial Unicode MS" panose="020B0604020202020204" pitchFamily="34" charset="-128"/>
-                <a:cs typeface="Arial Unicode MS" panose="020B0604020202020204" pitchFamily="34" charset="-128"/>
-                <a:sym typeface="Iowan Old Style Roman"/>
-              </a:rPr>
-              <a:t>Need to introduce </a:t>
-            </a:r>
-            <a:r>
-              <a:rPr lang="en-US" sz="2400" b="1" dirty="0">
-                <a:solidFill>
-                  <a:schemeClr val="tx1"/>
-                </a:solidFill>
-                <a:latin typeface="Arial Unicode MS" panose="020B0604020202020204" pitchFamily="34" charset="-128"/>
-                <a:ea typeface="Arial Unicode MS" panose="020B0604020202020204" pitchFamily="34" charset="-128"/>
-                <a:cs typeface="Arial Unicode MS" panose="020B0604020202020204" pitchFamily="34" charset="-128"/>
-                <a:sym typeface="Iowan Old Style Roman"/>
-              </a:rPr>
-              <a:t>bridge table</a:t>
-            </a:r>
-            <a:r>
-              <a:rPr lang="en-US" sz="2400" dirty="0">
-                <a:solidFill>
-                  <a:schemeClr val="tx1"/>
-                </a:solidFill>
-                <a:latin typeface="Arial Unicode MS" panose="020B0604020202020204" pitchFamily="34" charset="-128"/>
-                <a:ea typeface="Arial Unicode MS" panose="020B0604020202020204" pitchFamily="34" charset="-128"/>
-                <a:cs typeface="Arial Unicode MS" panose="020B0604020202020204" pitchFamily="34" charset="-128"/>
-                <a:sym typeface="Iowan Old Style Roman"/>
-              </a:rPr>
-              <a:t> (</a:t>
-            </a:r>
-            <a:r>
-              <a:rPr sz="2400" dirty="0">
-                <a:solidFill>
-                  <a:schemeClr val="tx1"/>
-                </a:solidFill>
-                <a:uFill>
-                  <a:solidFill/>
-                </a:uFill>
-                <a:latin typeface="Arial Unicode MS" panose="020B0604020202020204" pitchFamily="34" charset="-128"/>
-                <a:ea typeface="Arial Unicode MS" panose="020B0604020202020204" pitchFamily="34" charset="-128"/>
-                <a:cs typeface="Arial Unicode MS" panose="020B0604020202020204" pitchFamily="34" charset="-128"/>
-                <a:sym typeface="Iowan Old Style Roman"/>
-              </a:rPr>
-              <a:t>Each Many-to-Many relationship becomes a separate table</a:t>
-            </a:r>
-            <a:r>
-              <a:rPr lang="en-US" sz="2400" dirty="0">
-                <a:solidFill>
-                  <a:schemeClr val="tx1"/>
-                </a:solidFill>
-                <a:uFill>
-                  <a:solidFill/>
-                </a:uFill>
-                <a:latin typeface="Arial Unicode MS" panose="020B0604020202020204" pitchFamily="34" charset="-128"/>
-                <a:ea typeface="Arial Unicode MS" panose="020B0604020202020204" pitchFamily="34" charset="-128"/>
-                <a:cs typeface="Arial Unicode MS" panose="020B0604020202020204" pitchFamily="34" charset="-128"/>
-                <a:sym typeface="Iowan Old Style Roman"/>
-              </a:rPr>
-              <a:t>)</a:t>
-            </a:r>
-            <a:endParaRPr sz="2400" dirty="0">
+              <a:t>Schema</a:t>
+            </a:r>
+            <a:endParaRPr sz="3000" b="1" dirty="0">
               <a:solidFill>
-                <a:schemeClr val="tx1"/>
+                <a:srgbClr val="57068C"/>
               </a:solidFill>
               <a:uFill>
-                <a:solidFill/>
+                <a:solidFill>
+                  <a:srgbClr val="FFFFFF"/>
+                </a:solidFill>
               </a:uFill>
               <a:latin typeface="Arial Unicode MS" panose="020B0604020202020204" pitchFamily="34" charset="-128"/>
               <a:ea typeface="Arial Unicode MS" panose="020B0604020202020204" pitchFamily="34" charset="-128"/>
               <a:cs typeface="Arial Unicode MS" panose="020B0604020202020204" pitchFamily="34" charset="-128"/>
-              <a:sym typeface="Iowan Old Style Roman"/>
-            </a:endParaRPr>
-          </a:p>
-          <a:p>
-            <a:pPr marL="319453" lvl="0" indent="-281353">
-              <a:spcBef>
-                <a:spcPts val="700"/>
-              </a:spcBef>
-              <a:buSzPct val="50000"/>
-              <a:buBlip>
-                <a:blip r:embed="rId2"/>
-              </a:buBlip>
-              <a:defRPr sz="1800">
-                <a:solidFill>
-                  <a:srgbClr val="000000"/>
-                </a:solidFill>
-                <a:uFillTx/>
-              </a:defRPr>
-            </a:pPr>
-            <a:r>
-              <a:rPr sz="2400" dirty="0">
-                <a:solidFill>
-                  <a:schemeClr val="tx1"/>
-                </a:solidFill>
-                <a:uFill>
-                  <a:solidFill/>
-                </a:uFill>
-                <a:latin typeface="Arial Unicode MS" panose="020B0604020202020204" pitchFamily="34" charset="-128"/>
-                <a:ea typeface="Arial Unicode MS" panose="020B0604020202020204" pitchFamily="34" charset="-128"/>
-                <a:cs typeface="Arial Unicode MS" panose="020B0604020202020204" pitchFamily="34" charset="-128"/>
-                <a:sym typeface="Iowan Old Style Roman"/>
-              </a:rPr>
-              <a:t>The primary key of the</a:t>
-            </a:r>
-            <a:r>
-              <a:rPr lang="en-US" sz="2400" dirty="0">
-                <a:solidFill>
-                  <a:schemeClr val="tx1"/>
-                </a:solidFill>
-                <a:uFill>
-                  <a:solidFill/>
-                </a:uFill>
-                <a:latin typeface="Arial Unicode MS" panose="020B0604020202020204" pitchFamily="34" charset="-128"/>
-                <a:ea typeface="Arial Unicode MS" panose="020B0604020202020204" pitchFamily="34" charset="-128"/>
-                <a:cs typeface="Arial Unicode MS" panose="020B0604020202020204" pitchFamily="34" charset="-128"/>
-                <a:sym typeface="Iowan Old Style Roman"/>
-              </a:rPr>
-              <a:t> bridge</a:t>
-            </a:r>
-            <a:r>
-              <a:rPr sz="2400" dirty="0">
-                <a:solidFill>
-                  <a:schemeClr val="tx1"/>
-                </a:solidFill>
-                <a:uFill>
-                  <a:solidFill/>
-                </a:uFill>
-                <a:latin typeface="Arial Unicode MS" panose="020B0604020202020204" pitchFamily="34" charset="-128"/>
-                <a:ea typeface="Arial Unicode MS" panose="020B0604020202020204" pitchFamily="34" charset="-128"/>
-                <a:cs typeface="Arial Unicode MS" panose="020B0604020202020204" pitchFamily="34" charset="-128"/>
-                <a:sym typeface="Iowan Old Style Roman"/>
-              </a:rPr>
-              <a:t> table is the </a:t>
-            </a:r>
-            <a:r>
-              <a:rPr sz="2400" b="1" i="1" dirty="0">
-                <a:solidFill>
-                  <a:schemeClr val="tx1"/>
-                </a:solidFill>
-                <a:uFill>
-                  <a:solidFill/>
-                </a:uFill>
-                <a:latin typeface="Arial Unicode MS" panose="020B0604020202020204" pitchFamily="34" charset="-128"/>
-                <a:ea typeface="Arial Unicode MS" panose="020B0604020202020204" pitchFamily="34" charset="-128"/>
-                <a:cs typeface="Arial Unicode MS" panose="020B0604020202020204" pitchFamily="34" charset="-128"/>
-                <a:sym typeface="Iowan Old Style Roman"/>
-              </a:rPr>
-              <a:t>combination of the primary keys </a:t>
-            </a:r>
-            <a:r>
-              <a:rPr sz="2400" dirty="0">
-                <a:solidFill>
-                  <a:schemeClr val="tx1"/>
-                </a:solidFill>
-                <a:uFill>
-                  <a:solidFill/>
-                </a:uFill>
-                <a:latin typeface="Arial Unicode MS" panose="020B0604020202020204" pitchFamily="34" charset="-128"/>
-                <a:ea typeface="Arial Unicode MS" panose="020B0604020202020204" pitchFamily="34" charset="-128"/>
-                <a:cs typeface="Arial Unicode MS" panose="020B0604020202020204" pitchFamily="34" charset="-128"/>
-                <a:sym typeface="Iowan Old Style Roman"/>
-              </a:rPr>
-              <a:t>of the entity types participating in the relationship</a:t>
-            </a:r>
-          </a:p>
-          <a:p>
-            <a:pPr marL="319453" lvl="0" indent="-281353">
-              <a:spcBef>
-                <a:spcPts val="700"/>
-              </a:spcBef>
-              <a:buSzPct val="50000"/>
-              <a:buBlip>
-                <a:blip r:embed="rId2"/>
-              </a:buBlip>
-              <a:defRPr sz="1800">
-                <a:solidFill>
-                  <a:srgbClr val="000000"/>
-                </a:solidFill>
-                <a:uFillTx/>
-              </a:defRPr>
-            </a:pPr>
-            <a:r>
-              <a:rPr lang="en-US" sz="2400" dirty="0">
-                <a:solidFill>
-                  <a:schemeClr val="tx1"/>
-                </a:solidFill>
-                <a:uFill>
-                  <a:solidFill/>
-                </a:uFill>
-                <a:latin typeface="Arial Unicode MS" panose="020B0604020202020204" pitchFamily="34" charset="-128"/>
-                <a:ea typeface="Arial Unicode MS" panose="020B0604020202020204" pitchFamily="34" charset="-128"/>
-                <a:cs typeface="Arial Unicode MS" panose="020B0604020202020204" pitchFamily="34" charset="-128"/>
-                <a:sym typeface="Iowan Old Style Roman"/>
-              </a:rPr>
-              <a:t>Each of the primary keys stored in the bridge table is a </a:t>
-            </a:r>
-            <a:r>
-              <a:rPr sz="2400" dirty="0">
-                <a:solidFill>
-                  <a:schemeClr val="tx1"/>
-                </a:solidFill>
-                <a:uFill>
-                  <a:solidFill/>
-                </a:uFill>
-                <a:latin typeface="Arial Unicode MS" panose="020B0604020202020204" pitchFamily="34" charset="-128"/>
-                <a:ea typeface="Arial Unicode MS" panose="020B0604020202020204" pitchFamily="34" charset="-128"/>
-                <a:cs typeface="Arial Unicode MS" panose="020B0604020202020204" pitchFamily="34" charset="-128"/>
-                <a:sym typeface="Iowan Old Style Roman"/>
-              </a:rPr>
-              <a:t>foreign key</a:t>
-            </a:r>
-            <a:r>
-              <a:rPr lang="en-US" sz="2400" dirty="0">
-                <a:solidFill>
-                  <a:schemeClr val="tx1"/>
-                </a:solidFill>
-                <a:uFill>
-                  <a:solidFill/>
-                </a:uFill>
-                <a:latin typeface="Arial Unicode MS" panose="020B0604020202020204" pitchFamily="34" charset="-128"/>
-                <a:ea typeface="Arial Unicode MS" panose="020B0604020202020204" pitchFamily="34" charset="-128"/>
-                <a:cs typeface="Arial Unicode MS" panose="020B0604020202020204" pitchFamily="34" charset="-128"/>
-                <a:sym typeface="Iowan Old Style Roman"/>
-              </a:rPr>
-              <a:t>, pointing to the original entity table</a:t>
-            </a:r>
-            <a:endParaRPr sz="2400" dirty="0">
-              <a:solidFill>
-                <a:schemeClr val="tx1"/>
-              </a:solidFill>
-              <a:uFill>
-                <a:solidFill/>
-              </a:uFill>
-              <a:latin typeface="Arial Unicode MS" panose="020B0604020202020204" pitchFamily="34" charset="-128"/>
-              <a:ea typeface="Arial Unicode MS" panose="020B0604020202020204" pitchFamily="34" charset="-128"/>
-              <a:cs typeface="Arial Unicode MS" panose="020B0604020202020204" pitchFamily="34" charset="-128"/>
-              <a:sym typeface="Iowan Old Style Roman"/>
             </a:endParaRPr>
           </a:p>
         </p:txBody>
@@ -12097,7 +14022,7 @@
     </p:spTree>
     <p:extLst>
       <p:ext uri="{BB962C8B-B14F-4D97-AF65-F5344CB8AC3E}">
-        <p14:creationId xmlns:p14="http://schemas.microsoft.com/office/powerpoint/2010/main" val="220331729"/>
+        <p14:creationId xmlns:p14="http://schemas.microsoft.com/office/powerpoint/2010/main" val="682783065"/>
       </p:ext>
     </p:extLst>
   </p:cSld>
